--- a/CNN 기반 전이학습을 통한 음식 이미지 분류.pptx
+++ b/CNN 기반 전이학습을 통한 음식 이미지 분류.pptx
@@ -6,15 +6,16 @@
   </p:sldMasterIdLst>
   <p:sldIdLst>
     <p:sldId id="257" r:id="rId2"/>
-    <p:sldId id="258" r:id="rId3"/>
-    <p:sldId id="259" r:id="rId4"/>
-    <p:sldId id="260" r:id="rId5"/>
-    <p:sldId id="261" r:id="rId6"/>
-    <p:sldId id="262" r:id="rId7"/>
-    <p:sldId id="263" r:id="rId8"/>
-    <p:sldId id="264" r:id="rId9"/>
-    <p:sldId id="265" r:id="rId10"/>
-    <p:sldId id="266" r:id="rId11"/>
+    <p:sldId id="267" r:id="rId3"/>
+    <p:sldId id="258" r:id="rId4"/>
+    <p:sldId id="259" r:id="rId5"/>
+    <p:sldId id="260" r:id="rId6"/>
+    <p:sldId id="261" r:id="rId7"/>
+    <p:sldId id="262" r:id="rId8"/>
+    <p:sldId id="263" r:id="rId9"/>
+    <p:sldId id="264" r:id="rId10"/>
+    <p:sldId id="265" r:id="rId11"/>
+    <p:sldId id="266" r:id="rId12"/>
   </p:sldIdLst>
   <p:sldSz cx="12192000" cy="6858000"/>
   <p:notesSz cx="6858000" cy="9144000"/>
@@ -5127,6 +5128,427 @@
         </p:nvSpPr>
         <p:spPr>
           <a:xfrm>
+            <a:off x="254000" y="342900"/>
+            <a:ext cx="11811000" cy="6278642"/>
+          </a:xfrm>
+          <a:prstGeom prst="rect">
+            <a:avLst/>
+          </a:prstGeom>
+          <a:noFill/>
+        </p:spPr>
+        <p:txBody>
+          <a:bodyPr wrap="square" rtlCol="0">
+            <a:spAutoFit/>
+          </a:bodyPr>
+          <a:lstStyle/>
+          <a:p>
+            <a:r>
+              <a:rPr lang="ko-KR" altLang="en-US" sz="2400" b="1" dirty="0">
+                <a:solidFill>
+                  <a:srgbClr val="FF0000"/>
+                </a:solidFill>
+              </a:rPr>
+              <a:t>최근 저의 자료를 카페 등에 무단으로 </a:t>
+            </a:r>
+            <a:r>
+              <a:rPr lang="ko-KR" altLang="en-US" sz="2400" b="1" dirty="0" err="1">
+                <a:solidFill>
+                  <a:srgbClr val="FF0000"/>
+                </a:solidFill>
+              </a:rPr>
+              <a:t>재배포</a:t>
+            </a:r>
+            <a:r>
+              <a:rPr lang="ko-KR" altLang="en-US" sz="2400" b="1" dirty="0">
+                <a:solidFill>
+                  <a:srgbClr val="FF0000"/>
+                </a:solidFill>
+              </a:rPr>
+              <a:t> 하는 일이 자주 발생하고 있습니다</a:t>
+            </a:r>
+            <a:r>
+              <a:rPr lang="en-US" altLang="ko-KR" sz="2400" b="1" dirty="0">
+                <a:solidFill>
+                  <a:srgbClr val="FF0000"/>
+                </a:solidFill>
+              </a:rPr>
+              <a:t>.</a:t>
+            </a:r>
+          </a:p>
+          <a:p>
+            <a:endParaRPr lang="en-US" altLang="ko-KR" dirty="0">
+              <a:solidFill>
+                <a:prstClr val="black"/>
+              </a:solidFill>
+            </a:endParaRPr>
+          </a:p>
+          <a:p>
+            <a:r>
+              <a:rPr lang="ko-KR" altLang="en-US" dirty="0">
+                <a:solidFill>
+                  <a:prstClr val="black"/>
+                </a:solidFill>
+              </a:rPr>
+              <a:t>이에 대해 굉장히 심각한 문제로 받아 들이고 있으며</a:t>
+            </a:r>
+            <a:r>
+              <a:rPr lang="en-US" altLang="ko-KR" dirty="0">
+                <a:solidFill>
+                  <a:prstClr val="black"/>
+                </a:solidFill>
+              </a:rPr>
+              <a:t>,</a:t>
+            </a:r>
+          </a:p>
+          <a:p>
+            <a:endParaRPr lang="en-US" altLang="ko-KR" dirty="0">
+              <a:solidFill>
+                <a:prstClr val="black"/>
+              </a:solidFill>
+            </a:endParaRPr>
+          </a:p>
+          <a:p>
+            <a:r>
+              <a:rPr lang="ko-KR" altLang="en-US" dirty="0">
+                <a:solidFill>
+                  <a:prstClr val="black"/>
+                </a:solidFill>
+              </a:rPr>
+              <a:t>해당 문제가 반복될 경우</a:t>
+            </a:r>
+            <a:r>
+              <a:rPr lang="en-US" altLang="ko-KR" dirty="0">
+                <a:solidFill>
+                  <a:prstClr val="black"/>
+                </a:solidFill>
+              </a:rPr>
+              <a:t>, </a:t>
+            </a:r>
+            <a:r>
+              <a:rPr lang="ko-KR" altLang="en-US" dirty="0" err="1">
+                <a:solidFill>
+                  <a:prstClr val="black"/>
+                </a:solidFill>
+              </a:rPr>
+              <a:t>재배포한</a:t>
+            </a:r>
+            <a:r>
+              <a:rPr lang="ko-KR" altLang="en-US" dirty="0">
+                <a:solidFill>
+                  <a:prstClr val="black"/>
+                </a:solidFill>
+              </a:rPr>
+              <a:t> 자에 대해서는 그에 대한 책임을 반드시 물을 것입니다</a:t>
+            </a:r>
+            <a:r>
+              <a:rPr lang="en-US" altLang="ko-KR" dirty="0">
+                <a:solidFill>
+                  <a:prstClr val="black"/>
+                </a:solidFill>
+              </a:rPr>
+              <a:t>.</a:t>
+            </a:r>
+          </a:p>
+          <a:p>
+            <a:endParaRPr lang="en-US" altLang="ko-KR" dirty="0">
+              <a:solidFill>
+                <a:prstClr val="black"/>
+              </a:solidFill>
+            </a:endParaRPr>
+          </a:p>
+          <a:p>
+            <a:endParaRPr lang="en-US" altLang="ko-KR" dirty="0">
+              <a:solidFill>
+                <a:prstClr val="black"/>
+              </a:solidFill>
+            </a:endParaRPr>
+          </a:p>
+          <a:p>
+            <a:r>
+              <a:rPr lang="ko-KR" altLang="en-US" dirty="0">
+                <a:solidFill>
+                  <a:prstClr val="black"/>
+                </a:solidFill>
+              </a:rPr>
+              <a:t>저작권을 존중하지 않는 극히 소수의 사용자로 인해 다수가 피해를 보지 않도록 주의해 주시면 감사하겠으며</a:t>
+            </a:r>
+            <a:endParaRPr lang="en-US" altLang="ko-KR" dirty="0">
+              <a:solidFill>
+                <a:prstClr val="black"/>
+              </a:solidFill>
+            </a:endParaRPr>
+          </a:p>
+          <a:p>
+            <a:endParaRPr lang="en-US" altLang="ko-KR" dirty="0">
+              <a:solidFill>
+                <a:prstClr val="black"/>
+              </a:solidFill>
+            </a:endParaRPr>
+          </a:p>
+          <a:p>
+            <a:r>
+              <a:rPr lang="ko-KR" altLang="en-US" dirty="0">
+                <a:solidFill>
+                  <a:prstClr val="black"/>
+                </a:solidFill>
+              </a:rPr>
+              <a:t>제 자료가 업로드 된 곳이 있다면 저에게 알려주시면 감사하겠습니다</a:t>
+            </a:r>
+            <a:r>
+              <a:rPr lang="en-US" altLang="ko-KR" dirty="0">
+                <a:solidFill>
+                  <a:prstClr val="black"/>
+                </a:solidFill>
+              </a:rPr>
+              <a:t>.</a:t>
+            </a:r>
+          </a:p>
+          <a:p>
+            <a:endParaRPr lang="en-US" altLang="ko-KR" dirty="0">
+              <a:solidFill>
+                <a:prstClr val="black"/>
+              </a:solidFill>
+            </a:endParaRPr>
+          </a:p>
+          <a:p>
+            <a:endParaRPr lang="en-US" altLang="ko-KR" dirty="0">
+              <a:solidFill>
+                <a:prstClr val="black"/>
+              </a:solidFill>
+            </a:endParaRPr>
+          </a:p>
+          <a:p>
+            <a:r>
+              <a:rPr lang="ko-KR" altLang="en-US" dirty="0">
+                <a:solidFill>
+                  <a:prstClr val="black"/>
+                </a:solidFill>
+              </a:rPr>
+              <a:t>제 자료를 소개하고자 할 경우에는</a:t>
+            </a:r>
+            <a:endParaRPr lang="en-US" altLang="ko-KR" dirty="0">
+              <a:solidFill>
+                <a:prstClr val="black"/>
+              </a:solidFill>
+            </a:endParaRPr>
+          </a:p>
+          <a:p>
+            <a:endParaRPr lang="en-US" altLang="ko-KR" dirty="0">
+              <a:solidFill>
+                <a:prstClr val="black"/>
+              </a:solidFill>
+            </a:endParaRPr>
+          </a:p>
+          <a:p>
+            <a:r>
+              <a:rPr lang="en-US" altLang="ko-KR" dirty="0" err="1">
+                <a:solidFill>
+                  <a:prstClr val="black"/>
+                </a:solidFill>
+              </a:rPr>
+              <a:t>pptbizcam</a:t>
+            </a:r>
+            <a:r>
+              <a:rPr lang="en-US" altLang="ko-KR" dirty="0">
+                <a:solidFill>
+                  <a:prstClr val="black"/>
+                </a:solidFill>
+              </a:rPr>
+              <a:t> </a:t>
+            </a:r>
+            <a:r>
+              <a:rPr lang="ko-KR" altLang="en-US" dirty="0">
+                <a:solidFill>
+                  <a:prstClr val="black"/>
+                </a:solidFill>
+              </a:rPr>
+              <a:t>사이트로의 링크 처리로만 가능하며 </a:t>
+            </a:r>
+            <a:endParaRPr lang="en-US" altLang="ko-KR" dirty="0">
+              <a:solidFill>
+                <a:prstClr val="black"/>
+              </a:solidFill>
+            </a:endParaRPr>
+          </a:p>
+          <a:p>
+            <a:endParaRPr lang="en-US" altLang="ko-KR" dirty="0">
+              <a:solidFill>
+                <a:prstClr val="black"/>
+              </a:solidFill>
+            </a:endParaRPr>
+          </a:p>
+          <a:p>
+            <a:r>
+              <a:rPr lang="ko-KR" altLang="en-US" dirty="0">
+                <a:solidFill>
+                  <a:prstClr val="black"/>
+                </a:solidFill>
+              </a:rPr>
+              <a:t>파일 자체를 업로드 하는 것은 불가한 점 유의해 주시면 감사하겠습니다</a:t>
+            </a:r>
+            <a:r>
+              <a:rPr lang="en-US" altLang="ko-KR" dirty="0">
+                <a:solidFill>
+                  <a:prstClr val="black"/>
+                </a:solidFill>
+              </a:rPr>
+              <a:t>.</a:t>
+            </a:r>
+          </a:p>
+          <a:p>
+            <a:endParaRPr lang="en-US" altLang="ko-KR" dirty="0">
+              <a:solidFill>
+                <a:prstClr val="black"/>
+              </a:solidFill>
+            </a:endParaRPr>
+          </a:p>
+          <a:p>
+            <a:r>
+              <a:rPr lang="ko-KR" altLang="en-US" sz="2400" b="1" dirty="0">
+                <a:solidFill>
+                  <a:srgbClr val="FF0000"/>
+                </a:solidFill>
+              </a:rPr>
+              <a:t>홍보</a:t>
+            </a:r>
+            <a:r>
+              <a:rPr lang="en-US" altLang="ko-KR" sz="2400" b="1" dirty="0">
+                <a:solidFill>
+                  <a:srgbClr val="FF0000"/>
+                </a:solidFill>
+              </a:rPr>
+              <a:t>, </a:t>
+            </a:r>
+            <a:r>
+              <a:rPr lang="ko-KR" altLang="en-US" sz="2400" b="1" dirty="0">
+                <a:solidFill>
+                  <a:srgbClr val="FF0000"/>
+                </a:solidFill>
+              </a:rPr>
+              <a:t>경제적 이익을 취하는 행위 또한 불가합니다</a:t>
+            </a:r>
+            <a:r>
+              <a:rPr lang="en-US" altLang="ko-KR" sz="2400" b="1" dirty="0">
+                <a:solidFill>
+                  <a:srgbClr val="FF0000"/>
+                </a:solidFill>
+              </a:rPr>
+              <a:t>.</a:t>
+            </a:r>
+          </a:p>
+          <a:p>
+            <a:endParaRPr lang="en-US" altLang="ko-KR" sz="2400" b="1" dirty="0">
+              <a:solidFill>
+                <a:srgbClr val="FF0000"/>
+              </a:solidFill>
+            </a:endParaRPr>
+          </a:p>
+          <a:p>
+            <a:r>
+              <a:rPr lang="en-US" altLang="ko-KR" sz="2000" b="1" dirty="0">
+                <a:solidFill>
+                  <a:srgbClr val="4472C4">
+                    <a:lumMod val="75000"/>
+                  </a:srgbClr>
+                </a:solidFill>
+              </a:rPr>
+              <a:t>※</a:t>
+            </a:r>
+            <a:r>
+              <a:rPr lang="ko-KR" altLang="en-US" sz="2000" b="1" dirty="0">
+                <a:solidFill>
+                  <a:srgbClr val="4472C4">
+                    <a:lumMod val="75000"/>
+                  </a:srgbClr>
+                </a:solidFill>
+              </a:rPr>
+              <a:t>기타 활용 가능 범위는 공유 사이트 </a:t>
+            </a:r>
+            <a:r>
+              <a:rPr lang="en-US" altLang="ko-KR" sz="2000" b="1" dirty="0">
+                <a:solidFill>
+                  <a:srgbClr val="4472C4">
+                    <a:lumMod val="75000"/>
+                  </a:srgbClr>
+                </a:solidFill>
+              </a:rPr>
+              <a:t>-&gt; </a:t>
+            </a:r>
+            <a:r>
+              <a:rPr lang="ko-KR" altLang="en-US" sz="2000" b="1" dirty="0" err="1">
+                <a:solidFill>
+                  <a:srgbClr val="4472C4">
+                    <a:lumMod val="75000"/>
+                  </a:srgbClr>
+                </a:solidFill>
+              </a:rPr>
+              <a:t>수다방</a:t>
+            </a:r>
+            <a:r>
+              <a:rPr lang="ko-KR" altLang="en-US" sz="2000" b="1" dirty="0">
+                <a:solidFill>
+                  <a:srgbClr val="4472C4">
+                    <a:lumMod val="75000"/>
+                  </a:srgbClr>
+                </a:solidFill>
+              </a:rPr>
+              <a:t> 게시판 공지사항 참고</a:t>
+            </a:r>
+            <a:endParaRPr lang="en-US" altLang="ko-KR" sz="2000" b="1" dirty="0">
+              <a:solidFill>
+                <a:srgbClr val="4472C4">
+                  <a:lumMod val="75000"/>
+                </a:srgbClr>
+              </a:solidFill>
+            </a:endParaRPr>
+          </a:p>
+        </p:txBody>
+      </p:sp>
+    </p:spTree>
+    <p:extLst>
+      <p:ext uri="{BB962C8B-B14F-4D97-AF65-F5344CB8AC3E}">
+        <p14:creationId xmlns:p14="http://schemas.microsoft.com/office/powerpoint/2010/main" val="2759928634"/>
+      </p:ext>
+    </p:extLst>
+  </p:cSld>
+  <p:clrMapOvr>
+    <a:masterClrMapping/>
+  </p:clrMapOvr>
+  <p:timing>
+    <p:tnLst>
+      <p:par>
+        <p:cTn id="1" dur="indefinite" restart="never" nodeType="tmRoot"/>
+      </p:par>
+    </p:tnLst>
+  </p:timing>
+</p:sld>
+</file>
+
+<file path=ppt/slides/slide11.xml><?xml version="1.0" encoding="utf-8"?>
+<p:sld xmlns:a="http://schemas.openxmlformats.org/drawingml/2006/main" xmlns:r="http://schemas.openxmlformats.org/officeDocument/2006/relationships" xmlns:p="http://schemas.openxmlformats.org/presentationml/2006/main">
+  <p:cSld>
+    <p:spTree>
+      <p:nvGrpSpPr>
+        <p:cNvPr id="1" name=""/>
+        <p:cNvGrpSpPr/>
+        <p:nvPr/>
+      </p:nvGrpSpPr>
+      <p:grpSpPr>
+        <a:xfrm>
+          <a:off x="0" y="0"/>
+          <a:ext cx="0" cy="0"/>
+          <a:chOff x="0" y="0"/>
+          <a:chExt cx="0" cy="0"/>
+        </a:xfrm>
+      </p:grpSpPr>
+      <p:sp>
+        <p:nvSpPr>
+          <p:cNvPr id="4" name="TextBox 3"/>
+          <p:cNvSpPr txBox="1"/>
+          <p:nvPr/>
+        </p:nvSpPr>
+        <p:spPr>
+          <a:xfrm>
             <a:off x="194623" y="307273"/>
             <a:ext cx="11811000" cy="6093976"/>
           </a:xfrm>
@@ -6002,6 +6424,5446 @@
 </file>
 
 <file path=ppt/slides/slide2.xml><?xml version="1.0" encoding="utf-8"?>
+<p:sld xmlns:a="http://schemas.openxmlformats.org/drawingml/2006/main" xmlns:r="http://schemas.openxmlformats.org/officeDocument/2006/relationships" xmlns:p="http://schemas.openxmlformats.org/presentationml/2006/main">
+  <p:cSld>
+    <p:bg>
+      <p:bgPr>
+        <a:solidFill>
+          <a:schemeClr val="bg1">
+            <a:lumMod val="95000"/>
+          </a:schemeClr>
+        </a:solidFill>
+        <a:effectLst/>
+      </p:bgPr>
+    </p:bg>
+    <p:spTree>
+      <p:nvGrpSpPr>
+        <p:cNvPr id="1" name=""/>
+        <p:cNvGrpSpPr/>
+        <p:nvPr/>
+      </p:nvGrpSpPr>
+      <p:grpSpPr>
+        <a:xfrm>
+          <a:off x="0" y="0"/>
+          <a:ext cx="0" cy="0"/>
+          <a:chOff x="0" y="0"/>
+          <a:chExt cx="0" cy="0"/>
+        </a:xfrm>
+      </p:grpSpPr>
+      <p:sp>
+        <p:nvSpPr>
+          <p:cNvPr id="47" name="모서리가 둥근 직사각형 46"/>
+          <p:cNvSpPr/>
+          <p:nvPr/>
+        </p:nvSpPr>
+        <p:spPr>
+          <a:xfrm>
+            <a:off x="240144" y="973280"/>
+            <a:ext cx="11711709" cy="5656119"/>
+          </a:xfrm>
+          <a:prstGeom prst="roundRect">
+            <a:avLst>
+              <a:gd name="adj" fmla="val 2717"/>
+            </a:avLst>
+          </a:prstGeom>
+          <a:solidFill>
+            <a:schemeClr val="bg1"/>
+          </a:solidFill>
+          <a:ln>
+            <a:noFill/>
+          </a:ln>
+          <a:effectLst>
+            <a:outerShdw blurRad="50800" dist="38100" dir="5400000" algn="t" rotWithShape="0">
+              <a:prstClr val="black">
+                <a:alpha val="5000"/>
+              </a:prstClr>
+            </a:outerShdw>
+          </a:effectLst>
+        </p:spPr>
+        <p:style>
+          <a:lnRef idx="2">
+            <a:schemeClr val="accent1">
+              <a:shade val="50000"/>
+            </a:schemeClr>
+          </a:lnRef>
+          <a:fillRef idx="1">
+            <a:schemeClr val="accent1"/>
+          </a:fillRef>
+          <a:effectRef idx="0">
+            <a:schemeClr val="accent1"/>
+          </a:effectRef>
+          <a:fontRef idx="minor">
+            <a:schemeClr val="lt1"/>
+          </a:fontRef>
+        </p:style>
+        <p:txBody>
+          <a:bodyPr rtlCol="0" anchor="ctr"/>
+          <a:lstStyle/>
+          <a:p>
+            <a:endParaRPr lang="ko-KR" altLang="en-US" sz="1600" dirty="0">
+              <a:solidFill>
+                <a:prstClr val="white"/>
+              </a:solidFill>
+            </a:endParaRPr>
+          </a:p>
+        </p:txBody>
+      </p:sp>
+      <p:sp>
+        <p:nvSpPr>
+          <p:cNvPr id="2" name="모서리가 둥근 직사각형 1"/>
+          <p:cNvSpPr/>
+          <p:nvPr/>
+        </p:nvSpPr>
+        <p:spPr>
+          <a:xfrm>
+            <a:off x="240144" y="147637"/>
+            <a:ext cx="11711709" cy="720436"/>
+          </a:xfrm>
+          <a:prstGeom prst="roundRect">
+            <a:avLst>
+              <a:gd name="adj" fmla="val 12821"/>
+            </a:avLst>
+          </a:prstGeom>
+          <a:solidFill>
+            <a:srgbClr val="54A0F4"/>
+          </a:solidFill>
+          <a:ln>
+            <a:noFill/>
+          </a:ln>
+          <a:effectLst>
+            <a:outerShdw blurRad="165100" dist="38100" dir="5400000" algn="t" rotWithShape="0">
+              <a:srgbClr val="3B85F2">
+                <a:alpha val="40000"/>
+              </a:srgbClr>
+            </a:outerShdw>
+          </a:effectLst>
+        </p:spPr>
+        <p:style>
+          <a:lnRef idx="2">
+            <a:schemeClr val="accent1">
+              <a:shade val="50000"/>
+            </a:schemeClr>
+          </a:lnRef>
+          <a:fillRef idx="1">
+            <a:schemeClr val="accent1"/>
+          </a:fillRef>
+          <a:effectRef idx="0">
+            <a:schemeClr val="accent1"/>
+          </a:effectRef>
+          <a:fontRef idx="minor">
+            <a:schemeClr val="lt1"/>
+          </a:fontRef>
+        </p:style>
+        <p:txBody>
+          <a:bodyPr rtlCol="0" anchor="ctr"/>
+          <a:lstStyle/>
+          <a:p>
+            <a:pPr marL="990600" marR="0" lvl="0" indent="0" algn="l" defTabSz="914400" rtl="0" eaLnBrk="1" fontAlgn="auto" latinLnBrk="1" hangingPunct="1">
+              <a:lnSpc>
+                <a:spcPct val="100000"/>
+              </a:lnSpc>
+              <a:spcBef>
+                <a:spcPts val="0"/>
+              </a:spcBef>
+              <a:spcAft>
+                <a:spcPts val="0"/>
+              </a:spcAft>
+              <a:buClrTx/>
+              <a:buSzTx/>
+              <a:buFontTx/>
+              <a:buNone/>
+              <a:tabLst/>
+              <a:defRPr/>
+            </a:pPr>
+            <a:r>
+              <a:rPr kumimoji="0" lang="ko-KR" altLang="en-US" sz="2400" b="1" i="1" u="none" strike="noStrike" kern="0" cap="none" spc="0" normalizeH="0" baseline="0" noProof="0" dirty="0" smtClean="0">
+                <a:ln>
+                  <a:noFill/>
+                </a:ln>
+                <a:solidFill>
+                  <a:prstClr val="white"/>
+                </a:solidFill>
+                <a:effectLst/>
+                <a:uLnTx/>
+                <a:uFillTx/>
+                <a:latin typeface="맑은 고딕" panose="020B0503020000020004" pitchFamily="50" charset="-127"/>
+                <a:ea typeface="맑은 고딕" panose="020B0503020000020004" pitchFamily="50" charset="-127"/>
+                <a:cs typeface="+mn-cs"/>
+              </a:rPr>
+              <a:t>최종 모델 </a:t>
+            </a:r>
+            <a:r>
+              <a:rPr kumimoji="0" lang="en-US" altLang="ko-KR" sz="2400" b="1" i="1" u="none" strike="noStrike" kern="0" cap="none" spc="0" normalizeH="0" baseline="0" noProof="0" dirty="0" smtClean="0">
+                <a:ln>
+                  <a:noFill/>
+                </a:ln>
+                <a:solidFill>
+                  <a:prstClr val="white"/>
+                </a:solidFill>
+                <a:effectLst/>
+                <a:uLnTx/>
+                <a:uFillTx/>
+                <a:latin typeface="맑은 고딕" panose="020B0503020000020004" pitchFamily="50" charset="-127"/>
+                <a:ea typeface="맑은 고딕" panose="020B0503020000020004" pitchFamily="50" charset="-127"/>
+                <a:cs typeface="+mn-cs"/>
+              </a:rPr>
+              <a:t>Test </a:t>
+            </a:r>
+            <a:r>
+              <a:rPr kumimoji="0" lang="ko-KR" altLang="en-US" sz="2400" b="1" i="1" u="none" strike="noStrike" kern="0" cap="none" spc="0" normalizeH="0" baseline="0" noProof="0" dirty="0" smtClean="0">
+                <a:ln>
+                  <a:noFill/>
+                </a:ln>
+                <a:solidFill>
+                  <a:prstClr val="white"/>
+                </a:solidFill>
+                <a:effectLst/>
+                <a:uLnTx/>
+                <a:uFillTx/>
+                <a:latin typeface="맑은 고딕" panose="020B0503020000020004" pitchFamily="50" charset="-127"/>
+                <a:ea typeface="맑은 고딕" panose="020B0503020000020004" pitchFamily="50" charset="-127"/>
+                <a:cs typeface="+mn-cs"/>
+              </a:rPr>
+              <a:t>결과 및 고찰</a:t>
+            </a:r>
+            <a:endParaRPr kumimoji="0" lang="ko-KR" altLang="en-US" sz="1600" b="1" i="0" u="none" strike="noStrike" kern="1200" cap="none" spc="0" normalizeH="0" baseline="0" noProof="0" dirty="0">
+              <a:ln>
+                <a:noFill/>
+              </a:ln>
+              <a:solidFill>
+                <a:prstClr val="white"/>
+              </a:solidFill>
+              <a:effectLst/>
+              <a:uLnTx/>
+              <a:uFillTx/>
+              <a:latin typeface="맑은 고딕" panose="020B0503020000020004" pitchFamily="50" charset="-127"/>
+              <a:ea typeface="맑은 고딕" panose="020B0503020000020004" pitchFamily="50" charset="-127"/>
+              <a:cs typeface="+mn-cs"/>
+            </a:endParaRPr>
+          </a:p>
+        </p:txBody>
+      </p:sp>
+      <p:grpSp>
+        <p:nvGrpSpPr>
+          <p:cNvPr id="3" name="그룹 2"/>
+          <p:cNvGrpSpPr/>
+          <p:nvPr/>
+        </p:nvGrpSpPr>
+        <p:grpSpPr>
+          <a:xfrm>
+            <a:off x="383308" y="327746"/>
+            <a:ext cx="789711" cy="353436"/>
+            <a:chOff x="383308" y="327746"/>
+            <a:chExt cx="789711" cy="353436"/>
+          </a:xfrm>
+        </p:grpSpPr>
+        <p:sp>
+          <p:nvSpPr>
+            <p:cNvPr id="4" name="모서리가 둥근 직사각형 3"/>
+            <p:cNvSpPr/>
+            <p:nvPr/>
+          </p:nvSpPr>
+          <p:spPr>
+            <a:xfrm>
+              <a:off x="383308" y="327746"/>
+              <a:ext cx="789711" cy="353436"/>
+            </a:xfrm>
+            <a:prstGeom prst="roundRect">
+              <a:avLst>
+                <a:gd name="adj" fmla="val 50000"/>
+              </a:avLst>
+            </a:prstGeom>
+            <a:solidFill>
+              <a:srgbClr val="3B85F2"/>
+            </a:solidFill>
+            <a:ln>
+              <a:noFill/>
+            </a:ln>
+          </p:spPr>
+          <p:style>
+            <a:lnRef idx="2">
+              <a:schemeClr val="accent1">
+                <a:shade val="50000"/>
+              </a:schemeClr>
+            </a:lnRef>
+            <a:fillRef idx="1">
+              <a:schemeClr val="accent1"/>
+            </a:fillRef>
+            <a:effectRef idx="0">
+              <a:schemeClr val="accent1"/>
+            </a:effectRef>
+            <a:fontRef idx="minor">
+              <a:schemeClr val="lt1"/>
+            </a:fontRef>
+          </p:style>
+          <p:txBody>
+            <a:bodyPr rtlCol="0" anchor="ctr"/>
+            <a:lstStyle/>
+            <a:p>
+              <a:pPr marL="0" marR="0" lvl="0" indent="0" algn="ctr" defTabSz="914400" rtl="0" eaLnBrk="1" fontAlgn="auto" latinLnBrk="1" hangingPunct="1">
+                <a:lnSpc>
+                  <a:spcPct val="100000"/>
+                </a:lnSpc>
+                <a:spcBef>
+                  <a:spcPts val="0"/>
+                </a:spcBef>
+                <a:spcAft>
+                  <a:spcPts val="0"/>
+                </a:spcAft>
+                <a:buClrTx/>
+                <a:buSzTx/>
+                <a:buFontTx/>
+                <a:buNone/>
+                <a:tabLst/>
+                <a:defRPr/>
+              </a:pPr>
+              <a:endParaRPr kumimoji="0" lang="ko-KR" altLang="en-US" sz="1800" b="0" i="0" u="none" strike="noStrike" kern="1200" cap="none" spc="0" normalizeH="0" baseline="0" noProof="0">
+                <a:ln>
+                  <a:noFill/>
+                </a:ln>
+                <a:solidFill>
+                  <a:prstClr val="white"/>
+                </a:solidFill>
+                <a:effectLst/>
+                <a:uLnTx/>
+                <a:uFillTx/>
+                <a:latin typeface="맑은 고딕" panose="020F0502020204030204"/>
+                <a:ea typeface="맑은 고딕" panose="020B0503020000020004" pitchFamily="50" charset="-127"/>
+                <a:cs typeface="+mn-cs"/>
+              </a:endParaRPr>
+            </a:p>
+          </p:txBody>
+        </p:sp>
+        <p:sp>
+          <p:nvSpPr>
+            <p:cNvPr id="6" name="타원 5"/>
+            <p:cNvSpPr/>
+            <p:nvPr/>
+          </p:nvSpPr>
+          <p:spPr>
+            <a:xfrm>
+              <a:off x="434108" y="360464"/>
+              <a:ext cx="288000" cy="288000"/>
+            </a:xfrm>
+            <a:prstGeom prst="ellipse">
+              <a:avLst/>
+            </a:prstGeom>
+            <a:solidFill>
+              <a:schemeClr val="bg1"/>
+            </a:solidFill>
+            <a:ln>
+              <a:noFill/>
+            </a:ln>
+            <a:effectLst>
+              <a:outerShdw dist="12700" dir="2700000" algn="tl" rotWithShape="0">
+                <a:prstClr val="black">
+                  <a:alpha val="17000"/>
+                </a:prstClr>
+              </a:outerShdw>
+            </a:effectLst>
+          </p:spPr>
+          <p:style>
+            <a:lnRef idx="2">
+              <a:schemeClr val="accent1">
+                <a:shade val="50000"/>
+              </a:schemeClr>
+            </a:lnRef>
+            <a:fillRef idx="1">
+              <a:schemeClr val="accent1"/>
+            </a:fillRef>
+            <a:effectRef idx="0">
+              <a:schemeClr val="accent1"/>
+            </a:effectRef>
+            <a:fontRef idx="minor">
+              <a:schemeClr val="lt1"/>
+            </a:fontRef>
+          </p:style>
+          <p:txBody>
+            <a:bodyPr rtlCol="0" anchor="ctr"/>
+            <a:lstStyle/>
+            <a:p>
+              <a:pPr marL="0" marR="0" lvl="0" indent="0" algn="ctr" defTabSz="914400" rtl="0" eaLnBrk="1" fontAlgn="auto" latinLnBrk="1" hangingPunct="1">
+                <a:lnSpc>
+                  <a:spcPct val="100000"/>
+                </a:lnSpc>
+                <a:spcBef>
+                  <a:spcPts val="0"/>
+                </a:spcBef>
+                <a:spcAft>
+                  <a:spcPts val="0"/>
+                </a:spcAft>
+                <a:buClrTx/>
+                <a:buSzTx/>
+                <a:buFontTx/>
+                <a:buNone/>
+                <a:tabLst/>
+                <a:defRPr/>
+              </a:pPr>
+              <a:endParaRPr kumimoji="0" lang="ko-KR" altLang="en-US" sz="1800" b="0" i="0" u="none" strike="noStrike" kern="1200" cap="none" spc="0" normalizeH="0" baseline="0" noProof="0">
+                <a:ln>
+                  <a:noFill/>
+                </a:ln>
+                <a:solidFill>
+                  <a:prstClr val="white"/>
+                </a:solidFill>
+                <a:effectLst/>
+                <a:uLnTx/>
+                <a:uFillTx/>
+                <a:latin typeface="맑은 고딕" panose="020F0502020204030204"/>
+                <a:ea typeface="맑은 고딕" panose="020B0503020000020004" pitchFamily="50" charset="-127"/>
+                <a:cs typeface="+mn-cs"/>
+              </a:endParaRPr>
+            </a:p>
+          </p:txBody>
+        </p:sp>
+      </p:grpSp>
+      <p:grpSp>
+        <p:nvGrpSpPr>
+          <p:cNvPr id="34" name="그룹 33"/>
+          <p:cNvGrpSpPr/>
+          <p:nvPr/>
+        </p:nvGrpSpPr>
+        <p:grpSpPr>
+          <a:xfrm>
+            <a:off x="10202523" y="147637"/>
+            <a:ext cx="1751636" cy="721420"/>
+            <a:chOff x="10202523" y="223837"/>
+            <a:chExt cx="1751636" cy="721420"/>
+          </a:xfrm>
+        </p:grpSpPr>
+        <p:sp>
+          <p:nvSpPr>
+            <p:cNvPr id="13" name="자유형 12"/>
+            <p:cNvSpPr/>
+            <p:nvPr/>
+          </p:nvSpPr>
+          <p:spPr>
+            <a:xfrm>
+              <a:off x="10758487" y="223837"/>
+              <a:ext cx="1193366" cy="720436"/>
+            </a:xfrm>
+            <a:custGeom>
+              <a:avLst/>
+              <a:gdLst>
+                <a:gd name="connsiteX0" fmla="*/ 0 w 1193366"/>
+                <a:gd name="connsiteY0" fmla="*/ 0 h 720436"/>
+                <a:gd name="connsiteX1" fmla="*/ 1100999 w 1193366"/>
+                <a:gd name="connsiteY1" fmla="*/ 0 h 720436"/>
+                <a:gd name="connsiteX2" fmla="*/ 1193366 w 1193366"/>
+                <a:gd name="connsiteY2" fmla="*/ 92367 h 720436"/>
+                <a:gd name="connsiteX3" fmla="*/ 1193366 w 1193366"/>
+                <a:gd name="connsiteY3" fmla="*/ 628069 h 720436"/>
+                <a:gd name="connsiteX4" fmla="*/ 1100999 w 1193366"/>
+                <a:gd name="connsiteY4" fmla="*/ 720436 h 720436"/>
+                <a:gd name="connsiteX5" fmla="*/ 290019 w 1193366"/>
+                <a:gd name="connsiteY5" fmla="*/ 720436 h 720436"/>
+                <a:gd name="connsiteX6" fmla="*/ 178939 w 1193366"/>
+                <a:gd name="connsiteY6" fmla="*/ 585807 h 720436"/>
+                <a:gd name="connsiteX7" fmla="*/ 0 w 1193366"/>
+                <a:gd name="connsiteY7" fmla="*/ 0 h 720436"/>
+              </a:gdLst>
+              <a:ahLst/>
+              <a:cxnLst>
+                <a:cxn ang="0">
+                  <a:pos x="connsiteX0" y="connsiteY0"/>
+                </a:cxn>
+                <a:cxn ang="0">
+                  <a:pos x="connsiteX1" y="connsiteY1"/>
+                </a:cxn>
+                <a:cxn ang="0">
+                  <a:pos x="connsiteX2" y="connsiteY2"/>
+                </a:cxn>
+                <a:cxn ang="0">
+                  <a:pos x="connsiteX3" y="connsiteY3"/>
+                </a:cxn>
+                <a:cxn ang="0">
+                  <a:pos x="connsiteX4" y="connsiteY4"/>
+                </a:cxn>
+                <a:cxn ang="0">
+                  <a:pos x="connsiteX5" y="connsiteY5"/>
+                </a:cxn>
+                <a:cxn ang="0">
+                  <a:pos x="connsiteX6" y="connsiteY6"/>
+                </a:cxn>
+                <a:cxn ang="0">
+                  <a:pos x="connsiteX7" y="connsiteY7"/>
+                </a:cxn>
+              </a:cxnLst>
+              <a:rect l="l" t="t" r="r" b="b"/>
+              <a:pathLst>
+                <a:path w="1193366" h="720436">
+                  <a:moveTo>
+                    <a:pt x="0" y="0"/>
+                  </a:moveTo>
+                  <a:lnTo>
+                    <a:pt x="1100999" y="0"/>
+                  </a:lnTo>
+                  <a:cubicBezTo>
+                    <a:pt x="1152012" y="0"/>
+                    <a:pt x="1193366" y="41354"/>
+                    <a:pt x="1193366" y="92367"/>
+                  </a:cubicBezTo>
+                  <a:lnTo>
+                    <a:pt x="1193366" y="628069"/>
+                  </a:lnTo>
+                  <a:cubicBezTo>
+                    <a:pt x="1193366" y="679082"/>
+                    <a:pt x="1152012" y="720436"/>
+                    <a:pt x="1100999" y="720436"/>
+                  </a:cubicBezTo>
+                  <a:lnTo>
+                    <a:pt x="290019" y="720436"/>
+                  </a:lnTo>
+                  <a:lnTo>
+                    <a:pt x="178939" y="585807"/>
+                  </a:lnTo>
+                  <a:cubicBezTo>
+                    <a:pt x="65966" y="418585"/>
+                    <a:pt x="0" y="216996"/>
+                    <a:pt x="0" y="0"/>
+                  </a:cubicBezTo>
+                  <a:close/>
+                </a:path>
+              </a:pathLst>
+            </a:custGeom>
+            <a:solidFill>
+              <a:schemeClr val="bg1">
+                <a:alpha val="7000"/>
+              </a:schemeClr>
+            </a:solidFill>
+            <a:ln>
+              <a:noFill/>
+            </a:ln>
+          </p:spPr>
+          <p:style>
+            <a:lnRef idx="2">
+              <a:schemeClr val="accent1">
+                <a:shade val="50000"/>
+              </a:schemeClr>
+            </a:lnRef>
+            <a:fillRef idx="1">
+              <a:schemeClr val="accent1"/>
+            </a:fillRef>
+            <a:effectRef idx="0">
+              <a:schemeClr val="accent1"/>
+            </a:effectRef>
+            <a:fontRef idx="minor">
+              <a:schemeClr val="lt1"/>
+            </a:fontRef>
+          </p:style>
+          <p:txBody>
+            <a:bodyPr rtlCol="0" anchor="ctr"/>
+            <a:lstStyle/>
+            <a:p>
+              <a:pPr marL="0" marR="0" lvl="0" indent="0" algn="ctr" defTabSz="914400" rtl="0" eaLnBrk="1" fontAlgn="auto" latinLnBrk="1" hangingPunct="1">
+                <a:lnSpc>
+                  <a:spcPct val="100000"/>
+                </a:lnSpc>
+                <a:spcBef>
+                  <a:spcPts val="0"/>
+                </a:spcBef>
+                <a:spcAft>
+                  <a:spcPts val="0"/>
+                </a:spcAft>
+                <a:buClrTx/>
+                <a:buSzTx/>
+                <a:buFontTx/>
+                <a:buNone/>
+                <a:tabLst/>
+                <a:defRPr/>
+              </a:pPr>
+              <a:endParaRPr kumimoji="0" lang="ko-KR" altLang="en-US" sz="1800" b="0" i="0" u="none" strike="noStrike" kern="1200" cap="none" spc="0" normalizeH="0" baseline="0" noProof="0">
+                <a:ln>
+                  <a:noFill/>
+                </a:ln>
+                <a:solidFill>
+                  <a:prstClr val="white"/>
+                </a:solidFill>
+                <a:effectLst/>
+                <a:uLnTx/>
+                <a:uFillTx/>
+                <a:latin typeface="맑은 고딕" panose="020F0502020204030204"/>
+                <a:ea typeface="맑은 고딕" panose="020B0503020000020004" pitchFamily="50" charset="-127"/>
+                <a:cs typeface="+mn-cs"/>
+              </a:endParaRPr>
+            </a:p>
+          </p:txBody>
+        </p:sp>
+        <p:sp>
+          <p:nvSpPr>
+            <p:cNvPr id="20" name="자유형 19"/>
+            <p:cNvSpPr/>
+            <p:nvPr/>
+          </p:nvSpPr>
+          <p:spPr>
+            <a:xfrm>
+              <a:off x="10844654" y="226216"/>
+              <a:ext cx="1109505" cy="715363"/>
+            </a:xfrm>
+            <a:custGeom>
+              <a:avLst/>
+              <a:gdLst>
+                <a:gd name="connsiteX0" fmla="*/ 0 w 1109505"/>
+                <a:gd name="connsiteY0" fmla="*/ 0 h 715363"/>
+                <a:gd name="connsiteX1" fmla="*/ 1017138 w 1109505"/>
+                <a:gd name="connsiteY1" fmla="*/ 0 h 715363"/>
+                <a:gd name="connsiteX2" fmla="*/ 1109505 w 1109505"/>
+                <a:gd name="connsiteY2" fmla="*/ 92367 h 715363"/>
+                <a:gd name="connsiteX3" fmla="*/ 1109505 w 1109505"/>
+                <a:gd name="connsiteY3" fmla="*/ 628069 h 715363"/>
+                <a:gd name="connsiteX4" fmla="*/ 1053091 w 1109505"/>
+                <a:gd name="connsiteY4" fmla="*/ 713177 h 715363"/>
+                <a:gd name="connsiteX5" fmla="*/ 1042269 w 1109505"/>
+                <a:gd name="connsiteY5" fmla="*/ 715363 h 715363"/>
+                <a:gd name="connsiteX6" fmla="*/ 973431 w 1109505"/>
+                <a:gd name="connsiteY6" fmla="*/ 711887 h 715363"/>
+                <a:gd name="connsiteX7" fmla="*/ 44542 w 1109505"/>
+                <a:gd name="connsiteY7" fmla="*/ 92463 h 715363"/>
+              </a:gdLst>
+              <a:ahLst/>
+              <a:cxnLst>
+                <a:cxn ang="0">
+                  <a:pos x="connsiteX0" y="connsiteY0"/>
+                </a:cxn>
+                <a:cxn ang="0">
+                  <a:pos x="connsiteX1" y="connsiteY1"/>
+                </a:cxn>
+                <a:cxn ang="0">
+                  <a:pos x="connsiteX2" y="connsiteY2"/>
+                </a:cxn>
+                <a:cxn ang="0">
+                  <a:pos x="connsiteX3" y="connsiteY3"/>
+                </a:cxn>
+                <a:cxn ang="0">
+                  <a:pos x="connsiteX4" y="connsiteY4"/>
+                </a:cxn>
+                <a:cxn ang="0">
+                  <a:pos x="connsiteX5" y="connsiteY5"/>
+                </a:cxn>
+                <a:cxn ang="0">
+                  <a:pos x="connsiteX6" y="connsiteY6"/>
+                </a:cxn>
+                <a:cxn ang="0">
+                  <a:pos x="connsiteX7" y="connsiteY7"/>
+                </a:cxn>
+              </a:cxnLst>
+              <a:rect l="l" t="t" r="r" b="b"/>
+              <a:pathLst>
+                <a:path w="1109505" h="715363">
+                  <a:moveTo>
+                    <a:pt x="0" y="0"/>
+                  </a:moveTo>
+                  <a:lnTo>
+                    <a:pt x="1017138" y="0"/>
+                  </a:lnTo>
+                  <a:cubicBezTo>
+                    <a:pt x="1068151" y="0"/>
+                    <a:pt x="1109505" y="41354"/>
+                    <a:pt x="1109505" y="92367"/>
+                  </a:cubicBezTo>
+                  <a:lnTo>
+                    <a:pt x="1109505" y="628069"/>
+                  </a:lnTo>
+                  <a:cubicBezTo>
+                    <a:pt x="1109505" y="666329"/>
+                    <a:pt x="1086243" y="699155"/>
+                    <a:pt x="1053091" y="713177"/>
+                  </a:cubicBezTo>
+                  <a:lnTo>
+                    <a:pt x="1042269" y="715363"/>
+                  </a:lnTo>
+                  <a:lnTo>
+                    <a:pt x="973431" y="711887"/>
+                  </a:lnTo>
+                  <a:cubicBezTo>
+                    <a:pt x="571577" y="671076"/>
+                    <a:pt x="228565" y="431220"/>
+                    <a:pt x="44542" y="92463"/>
+                  </a:cubicBezTo>
+                  <a:close/>
+                </a:path>
+              </a:pathLst>
+            </a:custGeom>
+            <a:solidFill>
+              <a:schemeClr val="bg1">
+                <a:alpha val="7000"/>
+              </a:schemeClr>
+            </a:solidFill>
+            <a:ln>
+              <a:noFill/>
+            </a:ln>
+          </p:spPr>
+          <p:style>
+            <a:lnRef idx="2">
+              <a:schemeClr val="accent1">
+                <a:shade val="50000"/>
+              </a:schemeClr>
+            </a:lnRef>
+            <a:fillRef idx="1">
+              <a:schemeClr val="accent1"/>
+            </a:fillRef>
+            <a:effectRef idx="0">
+              <a:schemeClr val="accent1"/>
+            </a:effectRef>
+            <a:fontRef idx="minor">
+              <a:schemeClr val="lt1"/>
+            </a:fontRef>
+          </p:style>
+          <p:txBody>
+            <a:bodyPr rtlCol="0" anchor="ctr"/>
+            <a:lstStyle/>
+            <a:p>
+              <a:pPr marL="0" marR="0" lvl="0" indent="0" algn="ctr" defTabSz="914400" rtl="0" eaLnBrk="1" fontAlgn="auto" latinLnBrk="1" hangingPunct="1">
+                <a:lnSpc>
+                  <a:spcPct val="100000"/>
+                </a:lnSpc>
+                <a:spcBef>
+                  <a:spcPts val="0"/>
+                </a:spcBef>
+                <a:spcAft>
+                  <a:spcPts val="0"/>
+                </a:spcAft>
+                <a:buClrTx/>
+                <a:buSzTx/>
+                <a:buFontTx/>
+                <a:buNone/>
+                <a:tabLst/>
+                <a:defRPr/>
+              </a:pPr>
+              <a:endParaRPr kumimoji="0" lang="ko-KR" altLang="en-US" sz="1800" b="0" i="0" u="none" strike="noStrike" kern="1200" cap="none" spc="0" normalizeH="0" baseline="0" noProof="0">
+                <a:ln>
+                  <a:noFill/>
+                </a:ln>
+                <a:solidFill>
+                  <a:prstClr val="white"/>
+                </a:solidFill>
+                <a:effectLst/>
+                <a:uLnTx/>
+                <a:uFillTx/>
+                <a:latin typeface="맑은 고딕" panose="020F0502020204030204"/>
+                <a:ea typeface="맑은 고딕" panose="020B0503020000020004" pitchFamily="50" charset="-127"/>
+                <a:cs typeface="+mn-cs"/>
+              </a:endParaRPr>
+            </a:p>
+          </p:txBody>
+        </p:sp>
+        <p:sp>
+          <p:nvSpPr>
+            <p:cNvPr id="23" name="자유형 22"/>
+            <p:cNvSpPr/>
+            <p:nvPr/>
+          </p:nvSpPr>
+          <p:spPr>
+            <a:xfrm>
+              <a:off x="11049137" y="224821"/>
+              <a:ext cx="900866" cy="398468"/>
+            </a:xfrm>
+            <a:custGeom>
+              <a:avLst/>
+              <a:gdLst>
+                <a:gd name="connsiteX0" fmla="*/ 0 w 900866"/>
+                <a:gd name="connsiteY0" fmla="*/ 0 h 398468"/>
+                <a:gd name="connsiteX1" fmla="*/ 808499 w 900866"/>
+                <a:gd name="connsiteY1" fmla="*/ 0 h 398468"/>
+                <a:gd name="connsiteX2" fmla="*/ 900866 w 900866"/>
+                <a:gd name="connsiteY2" fmla="*/ 92367 h 398468"/>
+                <a:gd name="connsiteX3" fmla="*/ 900866 w 900866"/>
+                <a:gd name="connsiteY3" fmla="*/ 398468 h 398468"/>
+                <a:gd name="connsiteX4" fmla="*/ 732258 w 900866"/>
+                <a:gd name="connsiteY4" fmla="*/ 370578 h 398468"/>
+                <a:gd name="connsiteX5" fmla="*/ 155894 w 900866"/>
+                <a:gd name="connsiteY5" fmla="*/ 119507 h 398468"/>
+              </a:gdLst>
+              <a:ahLst/>
+              <a:cxnLst>
+                <a:cxn ang="0">
+                  <a:pos x="connsiteX0" y="connsiteY0"/>
+                </a:cxn>
+                <a:cxn ang="0">
+                  <a:pos x="connsiteX1" y="connsiteY1"/>
+                </a:cxn>
+                <a:cxn ang="0">
+                  <a:pos x="connsiteX2" y="connsiteY2"/>
+                </a:cxn>
+                <a:cxn ang="0">
+                  <a:pos x="connsiteX3" y="connsiteY3"/>
+                </a:cxn>
+                <a:cxn ang="0">
+                  <a:pos x="connsiteX4" y="connsiteY4"/>
+                </a:cxn>
+                <a:cxn ang="0">
+                  <a:pos x="connsiteX5" y="connsiteY5"/>
+                </a:cxn>
+              </a:cxnLst>
+              <a:rect l="l" t="t" r="r" b="b"/>
+              <a:pathLst>
+                <a:path w="900866" h="398468">
+                  <a:moveTo>
+                    <a:pt x="0" y="0"/>
+                  </a:moveTo>
+                  <a:lnTo>
+                    <a:pt x="808499" y="0"/>
+                  </a:lnTo>
+                  <a:cubicBezTo>
+                    <a:pt x="859512" y="0"/>
+                    <a:pt x="900866" y="41354"/>
+                    <a:pt x="900866" y="92367"/>
+                  </a:cubicBezTo>
+                  <a:lnTo>
+                    <a:pt x="900866" y="398468"/>
+                  </a:lnTo>
+                  <a:lnTo>
+                    <a:pt x="732258" y="370578"/>
+                  </a:lnTo>
+                  <a:cubicBezTo>
+                    <a:pt x="523072" y="322289"/>
+                    <a:pt x="328404" y="236052"/>
+                    <a:pt x="155894" y="119507"/>
+                  </a:cubicBezTo>
+                  <a:close/>
+                </a:path>
+              </a:pathLst>
+            </a:custGeom>
+            <a:solidFill>
+              <a:schemeClr val="bg1">
+                <a:alpha val="7000"/>
+              </a:schemeClr>
+            </a:solidFill>
+            <a:ln>
+              <a:noFill/>
+            </a:ln>
+          </p:spPr>
+          <p:style>
+            <a:lnRef idx="2">
+              <a:schemeClr val="accent1">
+                <a:shade val="50000"/>
+              </a:schemeClr>
+            </a:lnRef>
+            <a:fillRef idx="1">
+              <a:schemeClr val="accent1"/>
+            </a:fillRef>
+            <a:effectRef idx="0">
+              <a:schemeClr val="accent1"/>
+            </a:effectRef>
+            <a:fontRef idx="minor">
+              <a:schemeClr val="lt1"/>
+            </a:fontRef>
+          </p:style>
+          <p:txBody>
+            <a:bodyPr rtlCol="0" anchor="ctr"/>
+            <a:lstStyle/>
+            <a:p>
+              <a:pPr marL="0" marR="0" lvl="0" indent="0" algn="ctr" defTabSz="914400" rtl="0" eaLnBrk="1" fontAlgn="auto" latinLnBrk="1" hangingPunct="1">
+                <a:lnSpc>
+                  <a:spcPct val="100000"/>
+                </a:lnSpc>
+                <a:spcBef>
+                  <a:spcPts val="0"/>
+                </a:spcBef>
+                <a:spcAft>
+                  <a:spcPts val="0"/>
+                </a:spcAft>
+                <a:buClrTx/>
+                <a:buSzTx/>
+                <a:buFontTx/>
+                <a:buNone/>
+                <a:tabLst/>
+                <a:defRPr/>
+              </a:pPr>
+              <a:endParaRPr kumimoji="0" lang="ko-KR" altLang="en-US" sz="1800" b="0" i="0" u="none" strike="noStrike" kern="1200" cap="none" spc="0" normalizeH="0" baseline="0" noProof="0">
+                <a:ln>
+                  <a:noFill/>
+                </a:ln>
+                <a:solidFill>
+                  <a:prstClr val="white"/>
+                </a:solidFill>
+                <a:effectLst/>
+                <a:uLnTx/>
+                <a:uFillTx/>
+                <a:latin typeface="맑은 고딕" panose="020F0502020204030204"/>
+                <a:ea typeface="맑은 고딕" panose="020B0503020000020004" pitchFamily="50" charset="-127"/>
+                <a:cs typeface="+mn-cs"/>
+              </a:endParaRPr>
+            </a:p>
+          </p:txBody>
+        </p:sp>
+        <p:sp>
+          <p:nvSpPr>
+            <p:cNvPr id="32" name="자유형 31"/>
+            <p:cNvSpPr/>
+            <p:nvPr/>
+          </p:nvSpPr>
+          <p:spPr>
+            <a:xfrm>
+              <a:off x="10592044" y="224821"/>
+              <a:ext cx="1357078" cy="720436"/>
+            </a:xfrm>
+            <a:custGeom>
+              <a:avLst/>
+              <a:gdLst>
+                <a:gd name="connsiteX0" fmla="*/ 100648 w 1357078"/>
+                <a:gd name="connsiteY0" fmla="*/ 0 h 720436"/>
+                <a:gd name="connsiteX1" fmla="*/ 1264711 w 1357078"/>
+                <a:gd name="connsiteY1" fmla="*/ 0 h 720436"/>
+                <a:gd name="connsiteX2" fmla="*/ 1357078 w 1357078"/>
+                <a:gd name="connsiteY2" fmla="*/ 92367 h 720436"/>
+                <a:gd name="connsiteX3" fmla="*/ 1357078 w 1357078"/>
+                <a:gd name="connsiteY3" fmla="*/ 628069 h 720436"/>
+                <a:gd name="connsiteX4" fmla="*/ 1264711 w 1357078"/>
+                <a:gd name="connsiteY4" fmla="*/ 720436 h 720436"/>
+                <a:gd name="connsiteX5" fmla="*/ 23604 w 1357078"/>
+                <a:gd name="connsiteY5" fmla="*/ 720436 h 720436"/>
+                <a:gd name="connsiteX6" fmla="*/ 6255 w 1357078"/>
+                <a:gd name="connsiteY6" fmla="*/ 606763 h 720436"/>
+                <a:gd name="connsiteX7" fmla="*/ 0 w 1357078"/>
+                <a:gd name="connsiteY7" fmla="*/ 482886 h 720436"/>
+                <a:gd name="connsiteX8" fmla="*/ 95212 w 1357078"/>
+                <a:gd name="connsiteY8" fmla="*/ 11285 h 720436"/>
+              </a:gdLst>
+              <a:ahLst/>
+              <a:cxnLst>
+                <a:cxn ang="0">
+                  <a:pos x="connsiteX0" y="connsiteY0"/>
+                </a:cxn>
+                <a:cxn ang="0">
+                  <a:pos x="connsiteX1" y="connsiteY1"/>
+                </a:cxn>
+                <a:cxn ang="0">
+                  <a:pos x="connsiteX2" y="connsiteY2"/>
+                </a:cxn>
+                <a:cxn ang="0">
+                  <a:pos x="connsiteX3" y="connsiteY3"/>
+                </a:cxn>
+                <a:cxn ang="0">
+                  <a:pos x="connsiteX4" y="connsiteY4"/>
+                </a:cxn>
+                <a:cxn ang="0">
+                  <a:pos x="connsiteX5" y="connsiteY5"/>
+                </a:cxn>
+                <a:cxn ang="0">
+                  <a:pos x="connsiteX6" y="connsiteY6"/>
+                </a:cxn>
+                <a:cxn ang="0">
+                  <a:pos x="connsiteX7" y="connsiteY7"/>
+                </a:cxn>
+                <a:cxn ang="0">
+                  <a:pos x="connsiteX8" y="connsiteY8"/>
+                </a:cxn>
+              </a:cxnLst>
+              <a:rect l="l" t="t" r="r" b="b"/>
+              <a:pathLst>
+                <a:path w="1357078" h="720436">
+                  <a:moveTo>
+                    <a:pt x="100648" y="0"/>
+                  </a:moveTo>
+                  <a:lnTo>
+                    <a:pt x="1264711" y="0"/>
+                  </a:lnTo>
+                  <a:cubicBezTo>
+                    <a:pt x="1315724" y="0"/>
+                    <a:pt x="1357078" y="41354"/>
+                    <a:pt x="1357078" y="92367"/>
+                  </a:cubicBezTo>
+                  <a:lnTo>
+                    <a:pt x="1357078" y="628069"/>
+                  </a:lnTo>
+                  <a:cubicBezTo>
+                    <a:pt x="1357078" y="679082"/>
+                    <a:pt x="1315724" y="720436"/>
+                    <a:pt x="1264711" y="720436"/>
+                  </a:cubicBezTo>
+                  <a:lnTo>
+                    <a:pt x="23604" y="720436"/>
+                  </a:lnTo>
+                  <a:lnTo>
+                    <a:pt x="6255" y="606763"/>
+                  </a:lnTo>
+                  <a:cubicBezTo>
+                    <a:pt x="2119" y="566033"/>
+                    <a:pt x="0" y="524707"/>
+                    <a:pt x="0" y="482886"/>
+                  </a:cubicBezTo>
+                  <a:cubicBezTo>
+                    <a:pt x="0" y="315602"/>
+                    <a:pt x="33903" y="156236"/>
+                    <a:pt x="95212" y="11285"/>
+                  </a:cubicBezTo>
+                  <a:close/>
+                </a:path>
+              </a:pathLst>
+            </a:custGeom>
+            <a:solidFill>
+              <a:schemeClr val="bg1">
+                <a:alpha val="7000"/>
+              </a:schemeClr>
+            </a:solidFill>
+            <a:ln>
+              <a:noFill/>
+            </a:ln>
+          </p:spPr>
+          <p:style>
+            <a:lnRef idx="2">
+              <a:schemeClr val="accent1">
+                <a:shade val="50000"/>
+              </a:schemeClr>
+            </a:lnRef>
+            <a:fillRef idx="1">
+              <a:schemeClr val="accent1"/>
+            </a:fillRef>
+            <a:effectRef idx="0">
+              <a:schemeClr val="accent1"/>
+            </a:effectRef>
+            <a:fontRef idx="minor">
+              <a:schemeClr val="lt1"/>
+            </a:fontRef>
+          </p:style>
+          <p:txBody>
+            <a:bodyPr rtlCol="0" anchor="ctr"/>
+            <a:lstStyle/>
+            <a:p>
+              <a:pPr marL="0" marR="0" lvl="0" indent="0" algn="ctr" defTabSz="914400" rtl="0" eaLnBrk="1" fontAlgn="auto" latinLnBrk="1" hangingPunct="1">
+                <a:lnSpc>
+                  <a:spcPct val="100000"/>
+                </a:lnSpc>
+                <a:spcBef>
+                  <a:spcPts val="0"/>
+                </a:spcBef>
+                <a:spcAft>
+                  <a:spcPts val="0"/>
+                </a:spcAft>
+                <a:buClrTx/>
+                <a:buSzTx/>
+                <a:buFontTx/>
+                <a:buNone/>
+                <a:tabLst/>
+                <a:defRPr/>
+              </a:pPr>
+              <a:endParaRPr kumimoji="0" lang="ko-KR" altLang="en-US" sz="1800" b="0" i="0" u="none" strike="noStrike" kern="1200" cap="none" spc="0" normalizeH="0" baseline="0" noProof="0">
+                <a:ln>
+                  <a:noFill/>
+                </a:ln>
+                <a:solidFill>
+                  <a:prstClr val="white"/>
+                </a:solidFill>
+                <a:effectLst/>
+                <a:uLnTx/>
+                <a:uFillTx/>
+                <a:latin typeface="맑은 고딕" panose="020F0502020204030204"/>
+                <a:ea typeface="맑은 고딕" panose="020B0503020000020004" pitchFamily="50" charset="-127"/>
+                <a:cs typeface="+mn-cs"/>
+              </a:endParaRPr>
+            </a:p>
+          </p:txBody>
+        </p:sp>
+        <p:sp>
+          <p:nvSpPr>
+            <p:cNvPr id="33" name="자유형 32"/>
+            <p:cNvSpPr/>
+            <p:nvPr/>
+          </p:nvSpPr>
+          <p:spPr>
+            <a:xfrm>
+              <a:off x="10202523" y="224821"/>
+              <a:ext cx="1747003" cy="720436"/>
+            </a:xfrm>
+            <a:custGeom>
+              <a:avLst/>
+              <a:gdLst>
+                <a:gd name="connsiteX0" fmla="*/ 387377 w 1747003"/>
+                <a:gd name="connsiteY0" fmla="*/ 0 h 720436"/>
+                <a:gd name="connsiteX1" fmla="*/ 1654636 w 1747003"/>
+                <a:gd name="connsiteY1" fmla="*/ 0 h 720436"/>
+                <a:gd name="connsiteX2" fmla="*/ 1747003 w 1747003"/>
+                <a:gd name="connsiteY2" fmla="*/ 92367 h 720436"/>
+                <a:gd name="connsiteX3" fmla="*/ 1747003 w 1747003"/>
+                <a:gd name="connsiteY3" fmla="*/ 628069 h 720436"/>
+                <a:gd name="connsiteX4" fmla="*/ 1654636 w 1747003"/>
+                <a:gd name="connsiteY4" fmla="*/ 720436 h 720436"/>
+                <a:gd name="connsiteX5" fmla="*/ 0 w 1747003"/>
+                <a:gd name="connsiteY5" fmla="*/ 720436 h 720436"/>
+                <a:gd name="connsiteX6" fmla="*/ 9918 w 1747003"/>
+                <a:gd name="connsiteY6" fmla="*/ 655448 h 720436"/>
+                <a:gd name="connsiteX7" fmla="*/ 340167 w 1747003"/>
+                <a:gd name="connsiteY7" fmla="*/ 42908 h 720436"/>
+              </a:gdLst>
+              <a:ahLst/>
+              <a:cxnLst>
+                <a:cxn ang="0">
+                  <a:pos x="connsiteX0" y="connsiteY0"/>
+                </a:cxn>
+                <a:cxn ang="0">
+                  <a:pos x="connsiteX1" y="connsiteY1"/>
+                </a:cxn>
+                <a:cxn ang="0">
+                  <a:pos x="connsiteX2" y="connsiteY2"/>
+                </a:cxn>
+                <a:cxn ang="0">
+                  <a:pos x="connsiteX3" y="connsiteY3"/>
+                </a:cxn>
+                <a:cxn ang="0">
+                  <a:pos x="connsiteX4" y="connsiteY4"/>
+                </a:cxn>
+                <a:cxn ang="0">
+                  <a:pos x="connsiteX5" y="connsiteY5"/>
+                </a:cxn>
+                <a:cxn ang="0">
+                  <a:pos x="connsiteX6" y="connsiteY6"/>
+                </a:cxn>
+                <a:cxn ang="0">
+                  <a:pos x="connsiteX7" y="connsiteY7"/>
+                </a:cxn>
+              </a:cxnLst>
+              <a:rect l="l" t="t" r="r" b="b"/>
+              <a:pathLst>
+                <a:path w="1747003" h="720436">
+                  <a:moveTo>
+                    <a:pt x="387377" y="0"/>
+                  </a:moveTo>
+                  <a:lnTo>
+                    <a:pt x="1654636" y="0"/>
+                  </a:lnTo>
+                  <a:cubicBezTo>
+                    <a:pt x="1705649" y="0"/>
+                    <a:pt x="1747003" y="41354"/>
+                    <a:pt x="1747003" y="92367"/>
+                  </a:cubicBezTo>
+                  <a:lnTo>
+                    <a:pt x="1747003" y="628069"/>
+                  </a:lnTo>
+                  <a:cubicBezTo>
+                    <a:pt x="1747003" y="679082"/>
+                    <a:pt x="1705649" y="720436"/>
+                    <a:pt x="1654636" y="720436"/>
+                  </a:cubicBezTo>
+                  <a:lnTo>
+                    <a:pt x="0" y="720436"/>
+                  </a:lnTo>
+                  <a:lnTo>
+                    <a:pt x="9918" y="655448"/>
+                  </a:lnTo>
+                  <a:cubicBezTo>
+                    <a:pt x="58336" y="418836"/>
+                    <a:pt x="175727" y="207347"/>
+                    <a:pt x="340167" y="42908"/>
+                  </a:cubicBezTo>
+                  <a:close/>
+                </a:path>
+              </a:pathLst>
+            </a:custGeom>
+            <a:solidFill>
+              <a:schemeClr val="bg1">
+                <a:alpha val="7000"/>
+              </a:schemeClr>
+            </a:solidFill>
+            <a:ln>
+              <a:noFill/>
+            </a:ln>
+          </p:spPr>
+          <p:style>
+            <a:lnRef idx="2">
+              <a:schemeClr val="accent1">
+                <a:shade val="50000"/>
+              </a:schemeClr>
+            </a:lnRef>
+            <a:fillRef idx="1">
+              <a:schemeClr val="accent1"/>
+            </a:fillRef>
+            <a:effectRef idx="0">
+              <a:schemeClr val="accent1"/>
+            </a:effectRef>
+            <a:fontRef idx="minor">
+              <a:schemeClr val="lt1"/>
+            </a:fontRef>
+          </p:style>
+          <p:txBody>
+            <a:bodyPr rtlCol="0" anchor="ctr"/>
+            <a:lstStyle/>
+            <a:p>
+              <a:pPr marL="0" marR="0" lvl="0" indent="0" algn="ctr" defTabSz="914400" rtl="0" eaLnBrk="1" fontAlgn="auto" latinLnBrk="1" hangingPunct="1">
+                <a:lnSpc>
+                  <a:spcPct val="100000"/>
+                </a:lnSpc>
+                <a:spcBef>
+                  <a:spcPts val="0"/>
+                </a:spcBef>
+                <a:spcAft>
+                  <a:spcPts val="0"/>
+                </a:spcAft>
+                <a:buClrTx/>
+                <a:buSzTx/>
+                <a:buFontTx/>
+                <a:buNone/>
+                <a:tabLst/>
+                <a:defRPr/>
+              </a:pPr>
+              <a:endParaRPr kumimoji="0" lang="ko-KR" altLang="en-US" sz="1800" b="0" i="0" u="none" strike="noStrike" kern="1200" cap="none" spc="0" normalizeH="0" baseline="0" noProof="0">
+                <a:ln>
+                  <a:noFill/>
+                </a:ln>
+                <a:solidFill>
+                  <a:prstClr val="white"/>
+                </a:solidFill>
+                <a:effectLst/>
+                <a:uLnTx/>
+                <a:uFillTx/>
+                <a:latin typeface="맑은 고딕" panose="020F0502020204030204"/>
+                <a:ea typeface="맑은 고딕" panose="020B0503020000020004" pitchFamily="50" charset="-127"/>
+                <a:cs typeface="+mn-cs"/>
+              </a:endParaRPr>
+            </a:p>
+          </p:txBody>
+        </p:sp>
+      </p:grpSp>
+      <p:sp>
+        <p:nvSpPr>
+          <p:cNvPr id="8" name="직사각형 7"/>
+          <p:cNvSpPr/>
+          <p:nvPr/>
+        </p:nvSpPr>
+        <p:spPr>
+          <a:xfrm>
+            <a:off x="824976" y="996307"/>
+            <a:ext cx="4867615" cy="461665"/>
+          </a:xfrm>
+          <a:prstGeom prst="rect">
+            <a:avLst/>
+          </a:prstGeom>
+        </p:spPr>
+        <p:txBody>
+          <a:bodyPr wrap="none">
+            <a:spAutoFit/>
+          </a:bodyPr>
+          <a:lstStyle/>
+          <a:p>
+            <a:pPr marL="0" marR="0" lvl="0" indent="0" algn="l" defTabSz="914400" rtl="0" eaLnBrk="1" fontAlgn="auto" latinLnBrk="1" hangingPunct="1">
+              <a:lnSpc>
+                <a:spcPct val="150000"/>
+              </a:lnSpc>
+              <a:spcBef>
+                <a:spcPts val="0"/>
+              </a:spcBef>
+              <a:spcAft>
+                <a:spcPts val="0"/>
+              </a:spcAft>
+              <a:buClrTx/>
+              <a:buSzTx/>
+              <a:buFontTx/>
+              <a:buNone/>
+              <a:tabLst/>
+              <a:defRPr/>
+            </a:pPr>
+            <a:r>
+              <a:rPr kumimoji="0" lang="ko-KR" altLang="en-US" sz="1600" b="1" i="0" u="none" strike="noStrike" kern="1200" cap="none" spc="0" normalizeH="0" baseline="0" noProof="0" dirty="0" smtClean="0">
+                <a:ln>
+                  <a:noFill/>
+                </a:ln>
+                <a:solidFill>
+                  <a:srgbClr val="44546A"/>
+                </a:solidFill>
+                <a:effectLst/>
+                <a:uLnTx/>
+                <a:uFillTx/>
+                <a:latin typeface="맑은 고딕" panose="020F0502020204030204"/>
+                <a:ea typeface="맑은 고딕" panose="020B0503020000020004" pitchFamily="50" charset="-127"/>
+                <a:cs typeface="+mn-cs"/>
+              </a:rPr>
+              <a:t>결과 </a:t>
+            </a:r>
+            <a:r>
+              <a:rPr kumimoji="0" lang="en-US" altLang="ko-KR" sz="1600" b="1" i="0" u="none" strike="noStrike" kern="1200" cap="none" spc="0" normalizeH="0" baseline="0" noProof="0" dirty="0" smtClean="0">
+                <a:ln>
+                  <a:noFill/>
+                </a:ln>
+                <a:solidFill>
+                  <a:srgbClr val="44546A"/>
+                </a:solidFill>
+                <a:effectLst/>
+                <a:uLnTx/>
+                <a:uFillTx/>
+                <a:latin typeface="맑은 고딕" panose="020F0502020204030204"/>
+                <a:ea typeface="맑은 고딕" panose="020B0503020000020004" pitchFamily="50" charset="-127"/>
+                <a:cs typeface="+mn-cs"/>
+              </a:rPr>
+              <a:t>: </a:t>
+            </a:r>
+            <a:r>
+              <a:rPr kumimoji="0" lang="ko-KR" altLang="en-US" sz="1600" b="1" i="0" u="none" strike="noStrike" kern="1200" cap="none" spc="0" normalizeH="0" baseline="0" noProof="0" dirty="0" smtClean="0">
+                <a:ln>
+                  <a:noFill/>
+                </a:ln>
+                <a:solidFill>
+                  <a:srgbClr val="44546A"/>
+                </a:solidFill>
+                <a:effectLst/>
+                <a:uLnTx/>
+                <a:uFillTx/>
+                <a:latin typeface="맑은 고딕" panose="020F0502020204030204"/>
+                <a:ea typeface="맑은 고딕" panose="020B0503020000020004" pitchFamily="50" charset="-127"/>
+                <a:cs typeface="+mn-cs"/>
+              </a:rPr>
+              <a:t>최종 </a:t>
+            </a:r>
+            <a:r>
+              <a:rPr kumimoji="0" lang="en-US" altLang="ko-KR" sz="1600" b="1" i="0" u="none" strike="noStrike" kern="1200" cap="none" spc="0" normalizeH="0" baseline="0" noProof="0" dirty="0" smtClean="0">
+                <a:ln>
+                  <a:noFill/>
+                </a:ln>
+                <a:solidFill>
+                  <a:srgbClr val="44546A"/>
+                </a:solidFill>
+                <a:effectLst/>
+                <a:uLnTx/>
+                <a:uFillTx/>
+                <a:latin typeface="맑은 고딕" panose="020F0502020204030204"/>
+                <a:ea typeface="맑은 고딕" panose="020B0503020000020004" pitchFamily="50" charset="-127"/>
+                <a:cs typeface="+mn-cs"/>
+              </a:rPr>
+              <a:t>Ensemble </a:t>
+            </a:r>
+            <a:r>
+              <a:rPr kumimoji="0" lang="ko-KR" altLang="en-US" sz="1600" b="1" i="0" u="none" strike="noStrike" kern="1200" cap="none" spc="0" normalizeH="0" baseline="0" noProof="0" dirty="0" smtClean="0">
+                <a:ln>
+                  <a:noFill/>
+                </a:ln>
+                <a:solidFill>
+                  <a:srgbClr val="44546A"/>
+                </a:solidFill>
+                <a:effectLst/>
+                <a:uLnTx/>
+                <a:uFillTx/>
+                <a:latin typeface="맑은 고딕" panose="020F0502020204030204"/>
+                <a:ea typeface="맑은 고딕" panose="020B0503020000020004" pitchFamily="50" charset="-127"/>
+                <a:cs typeface="+mn-cs"/>
+              </a:rPr>
+              <a:t>모델 </a:t>
+            </a:r>
+            <a:r>
+              <a:rPr kumimoji="0" lang="en-US" altLang="ko-KR" sz="1600" b="1" i="0" u="none" strike="noStrike" kern="1200" cap="none" spc="0" normalizeH="0" baseline="0" noProof="0" dirty="0" smtClean="0">
+                <a:ln>
+                  <a:noFill/>
+                </a:ln>
+                <a:solidFill>
+                  <a:srgbClr val="44546A"/>
+                </a:solidFill>
+                <a:effectLst/>
+                <a:uLnTx/>
+                <a:uFillTx/>
+                <a:latin typeface="맑은 고딕" panose="020F0502020204030204"/>
+                <a:ea typeface="맑은 고딕" panose="020B0503020000020004" pitchFamily="50" charset="-127"/>
+                <a:cs typeface="+mn-cs"/>
+              </a:rPr>
+              <a:t>Test Accuracy </a:t>
+            </a:r>
+            <a:r>
+              <a:rPr kumimoji="0" lang="en-US" altLang="ko-KR" sz="1600" b="1" i="0" u="none" strike="noStrike" kern="1200" cap="none" spc="0" normalizeH="0" baseline="0" noProof="0" dirty="0" smtClean="0">
+                <a:ln>
+                  <a:noFill/>
+                </a:ln>
+                <a:solidFill>
+                  <a:srgbClr val="57A2F4"/>
+                </a:solidFill>
+                <a:effectLst/>
+                <a:uLnTx/>
+                <a:uFillTx/>
+                <a:latin typeface="맑은 고딕" panose="020F0502020204030204"/>
+                <a:ea typeface="맑은 고딕" panose="020B0503020000020004" pitchFamily="50" charset="-127"/>
+                <a:cs typeface="+mn-cs"/>
+              </a:rPr>
+              <a:t>91.74</a:t>
+            </a:r>
+            <a:r>
+              <a:rPr kumimoji="0" lang="en-US" altLang="ko-KR" sz="1600" b="1" i="0" u="none" strike="noStrike" kern="1200" cap="none" spc="0" normalizeH="0" baseline="0" noProof="0" dirty="0" smtClean="0">
+                <a:ln>
+                  <a:noFill/>
+                </a:ln>
+                <a:solidFill>
+                  <a:srgbClr val="54A0F4"/>
+                </a:solidFill>
+                <a:effectLst/>
+                <a:uLnTx/>
+                <a:uFillTx/>
+                <a:latin typeface="맑은 고딕" panose="020F0502020204030204"/>
+                <a:ea typeface="맑은 고딕" panose="020B0503020000020004" pitchFamily="50" charset="-127"/>
+                <a:cs typeface="+mn-cs"/>
+              </a:rPr>
+              <a:t>%</a:t>
+            </a:r>
+            <a:endParaRPr kumimoji="0" lang="en-US" altLang="ko-KR" sz="1600" b="1" i="0" u="none" strike="noStrike" kern="1200" cap="none" spc="0" normalizeH="0" baseline="0" noProof="0" dirty="0">
+              <a:ln>
+                <a:noFill/>
+              </a:ln>
+              <a:solidFill>
+                <a:srgbClr val="54A0F4"/>
+              </a:solidFill>
+              <a:effectLst/>
+              <a:uLnTx/>
+              <a:uFillTx/>
+              <a:latin typeface="맑은 고딕" panose="020F0502020204030204"/>
+              <a:ea typeface="맑은 고딕" panose="020B0503020000020004" pitchFamily="50" charset="-127"/>
+              <a:cs typeface="+mn-cs"/>
+            </a:endParaRPr>
+          </a:p>
+        </p:txBody>
+      </p:sp>
+      <p:sp>
+        <p:nvSpPr>
+          <p:cNvPr id="43" name="타원 42"/>
+          <p:cNvSpPr/>
+          <p:nvPr/>
+        </p:nvSpPr>
+        <p:spPr>
+          <a:xfrm>
+            <a:off x="434108" y="1083140"/>
+            <a:ext cx="288000" cy="288000"/>
+          </a:xfrm>
+          <a:prstGeom prst="ellipse">
+            <a:avLst/>
+          </a:prstGeom>
+          <a:solidFill>
+            <a:schemeClr val="accent1"/>
+          </a:solidFill>
+          <a:ln>
+            <a:noFill/>
+          </a:ln>
+          <a:effectLst>
+            <a:outerShdw dist="12700" dir="2700000" algn="tl" rotWithShape="0">
+              <a:prstClr val="black">
+                <a:alpha val="17000"/>
+              </a:prstClr>
+            </a:outerShdw>
+          </a:effectLst>
+        </p:spPr>
+        <p:style>
+          <a:lnRef idx="2">
+            <a:schemeClr val="accent1">
+              <a:shade val="50000"/>
+            </a:schemeClr>
+          </a:lnRef>
+          <a:fillRef idx="1">
+            <a:schemeClr val="accent1"/>
+          </a:fillRef>
+          <a:effectRef idx="0">
+            <a:schemeClr val="accent1"/>
+          </a:effectRef>
+          <a:fontRef idx="minor">
+            <a:schemeClr val="lt1"/>
+          </a:fontRef>
+        </p:style>
+        <p:txBody>
+          <a:bodyPr rtlCol="0" anchor="ctr"/>
+          <a:lstStyle/>
+          <a:p>
+            <a:pPr marL="0" marR="0" lvl="0" indent="0" algn="ctr" defTabSz="914400" rtl="0" eaLnBrk="1" fontAlgn="auto" latinLnBrk="1" hangingPunct="1">
+              <a:lnSpc>
+                <a:spcPct val="100000"/>
+              </a:lnSpc>
+              <a:spcBef>
+                <a:spcPts val="0"/>
+              </a:spcBef>
+              <a:spcAft>
+                <a:spcPts val="0"/>
+              </a:spcAft>
+              <a:buClrTx/>
+              <a:buSzTx/>
+              <a:buFontTx/>
+              <a:buNone/>
+              <a:tabLst/>
+              <a:defRPr/>
+            </a:pPr>
+            <a:endParaRPr kumimoji="0" lang="ko-KR" altLang="en-US" sz="1800" b="0" i="0" u="none" strike="noStrike" kern="1200" cap="none" spc="0" normalizeH="0" baseline="0" noProof="0">
+              <a:ln>
+                <a:noFill/>
+              </a:ln>
+              <a:solidFill>
+                <a:prstClr val="white"/>
+              </a:solidFill>
+              <a:effectLst/>
+              <a:uLnTx/>
+              <a:uFillTx/>
+              <a:latin typeface="맑은 고딕" panose="020F0502020204030204"/>
+              <a:ea typeface="맑은 고딕" panose="020B0503020000020004" pitchFamily="50" charset="-127"/>
+              <a:cs typeface="+mn-cs"/>
+            </a:endParaRPr>
+          </a:p>
+        </p:txBody>
+      </p:sp>
+      <p:sp>
+        <p:nvSpPr>
+          <p:cNvPr id="44" name="직사각형 43"/>
+          <p:cNvSpPr/>
+          <p:nvPr/>
+        </p:nvSpPr>
+        <p:spPr>
+          <a:xfrm>
+            <a:off x="853557" y="4322881"/>
+            <a:ext cx="4177747" cy="461665"/>
+          </a:xfrm>
+          <a:prstGeom prst="rect">
+            <a:avLst/>
+          </a:prstGeom>
+        </p:spPr>
+        <p:txBody>
+          <a:bodyPr wrap="none">
+            <a:spAutoFit/>
+          </a:bodyPr>
+          <a:lstStyle/>
+          <a:p>
+            <a:pPr marL="0" marR="0" lvl="0" indent="0" algn="l" defTabSz="914400" rtl="0" eaLnBrk="1" fontAlgn="auto" latinLnBrk="1" hangingPunct="1">
+              <a:lnSpc>
+                <a:spcPct val="150000"/>
+              </a:lnSpc>
+              <a:spcBef>
+                <a:spcPts val="0"/>
+              </a:spcBef>
+              <a:spcAft>
+                <a:spcPts val="0"/>
+              </a:spcAft>
+              <a:buClrTx/>
+              <a:buSzTx/>
+              <a:buFontTx/>
+              <a:buNone/>
+              <a:tabLst/>
+              <a:defRPr/>
+            </a:pPr>
+            <a:r>
+              <a:rPr kumimoji="0" lang="ko-KR" altLang="en-US" sz="1600" b="1" i="0" u="none" strike="noStrike" kern="1200" cap="none" spc="0" normalizeH="0" baseline="0" noProof="0" dirty="0" smtClean="0">
+                <a:ln>
+                  <a:noFill/>
+                </a:ln>
+                <a:solidFill>
+                  <a:srgbClr val="44546A"/>
+                </a:solidFill>
+                <a:effectLst/>
+                <a:uLnTx/>
+                <a:uFillTx/>
+                <a:latin typeface="맑은 고딕" panose="020F0502020204030204"/>
+                <a:ea typeface="맑은 고딕" panose="020B0503020000020004" pitchFamily="50" charset="-127"/>
+                <a:cs typeface="+mn-cs"/>
+              </a:rPr>
+              <a:t>향후 </a:t>
+            </a:r>
+            <a:r>
+              <a:rPr kumimoji="0" lang="ko-KR" altLang="en-US" sz="1600" b="1" i="0" u="none" strike="noStrike" kern="1200" cap="none" spc="0" normalizeH="0" baseline="0" noProof="0" dirty="0" err="1" smtClean="0">
+                <a:ln>
+                  <a:noFill/>
+                </a:ln>
+                <a:solidFill>
+                  <a:srgbClr val="44546A"/>
+                </a:solidFill>
+                <a:effectLst/>
+                <a:uLnTx/>
+                <a:uFillTx/>
+                <a:latin typeface="맑은 고딕" panose="020F0502020204030204"/>
+                <a:ea typeface="맑은 고딕" panose="020B0503020000020004" pitchFamily="50" charset="-127"/>
+                <a:cs typeface="+mn-cs"/>
+              </a:rPr>
+              <a:t>활용성</a:t>
+            </a:r>
+            <a:r>
+              <a:rPr kumimoji="0" lang="ko-KR" altLang="en-US" sz="1600" b="1" i="0" u="none" strike="noStrike" kern="1200" cap="none" spc="0" normalizeH="0" baseline="0" noProof="0" dirty="0" smtClean="0">
+                <a:ln>
+                  <a:noFill/>
+                </a:ln>
+                <a:solidFill>
+                  <a:srgbClr val="44546A"/>
+                </a:solidFill>
+                <a:effectLst/>
+                <a:uLnTx/>
+                <a:uFillTx/>
+                <a:latin typeface="맑은 고딕" panose="020F0502020204030204"/>
+                <a:ea typeface="맑은 고딕" panose="020B0503020000020004" pitchFamily="50" charset="-127"/>
+                <a:cs typeface="+mn-cs"/>
+              </a:rPr>
+              <a:t> 및 모델 성능 향상에 대한 고찰</a:t>
+            </a:r>
+            <a:endParaRPr kumimoji="0" lang="en-US" altLang="ko-KR" sz="1600" b="1" i="0" u="none" strike="noStrike" kern="1200" cap="none" spc="0" normalizeH="0" baseline="0" noProof="0" dirty="0">
+              <a:ln>
+                <a:noFill/>
+              </a:ln>
+              <a:solidFill>
+                <a:srgbClr val="54A0F4"/>
+              </a:solidFill>
+              <a:effectLst/>
+              <a:uLnTx/>
+              <a:uFillTx/>
+              <a:latin typeface="맑은 고딕" panose="020F0502020204030204"/>
+              <a:ea typeface="맑은 고딕" panose="020B0503020000020004" pitchFamily="50" charset="-127"/>
+              <a:cs typeface="+mn-cs"/>
+            </a:endParaRPr>
+          </a:p>
+        </p:txBody>
+      </p:sp>
+      <p:sp>
+        <p:nvSpPr>
+          <p:cNvPr id="45" name="타원 44"/>
+          <p:cNvSpPr/>
+          <p:nvPr/>
+        </p:nvSpPr>
+        <p:spPr>
+          <a:xfrm>
+            <a:off x="462689" y="4415157"/>
+            <a:ext cx="288000" cy="288000"/>
+          </a:xfrm>
+          <a:prstGeom prst="ellipse">
+            <a:avLst/>
+          </a:prstGeom>
+          <a:solidFill>
+            <a:schemeClr val="accent1"/>
+          </a:solidFill>
+          <a:ln>
+            <a:noFill/>
+          </a:ln>
+          <a:effectLst>
+            <a:outerShdw dist="12700" dir="2700000" algn="tl" rotWithShape="0">
+              <a:prstClr val="black">
+                <a:alpha val="17000"/>
+              </a:prstClr>
+            </a:outerShdw>
+          </a:effectLst>
+        </p:spPr>
+        <p:style>
+          <a:lnRef idx="2">
+            <a:schemeClr val="accent1">
+              <a:shade val="50000"/>
+            </a:schemeClr>
+          </a:lnRef>
+          <a:fillRef idx="1">
+            <a:schemeClr val="accent1"/>
+          </a:fillRef>
+          <a:effectRef idx="0">
+            <a:schemeClr val="accent1"/>
+          </a:effectRef>
+          <a:fontRef idx="minor">
+            <a:schemeClr val="lt1"/>
+          </a:fontRef>
+        </p:style>
+        <p:txBody>
+          <a:bodyPr rtlCol="0" anchor="ctr"/>
+          <a:lstStyle/>
+          <a:p>
+            <a:pPr marL="0" marR="0" lvl="0" indent="0" algn="ctr" defTabSz="914400" rtl="0" eaLnBrk="1" fontAlgn="auto" latinLnBrk="1" hangingPunct="1">
+              <a:lnSpc>
+                <a:spcPct val="100000"/>
+              </a:lnSpc>
+              <a:spcBef>
+                <a:spcPts val="0"/>
+              </a:spcBef>
+              <a:spcAft>
+                <a:spcPts val="0"/>
+              </a:spcAft>
+              <a:buClrTx/>
+              <a:buSzTx/>
+              <a:buFontTx/>
+              <a:buNone/>
+              <a:tabLst/>
+              <a:defRPr/>
+            </a:pPr>
+            <a:endParaRPr kumimoji="0" lang="ko-KR" altLang="en-US" sz="1800" b="0" i="0" u="none" strike="noStrike" kern="1200" cap="none" spc="0" normalizeH="0" baseline="0" noProof="0">
+              <a:ln>
+                <a:noFill/>
+              </a:ln>
+              <a:solidFill>
+                <a:prstClr val="white"/>
+              </a:solidFill>
+              <a:effectLst/>
+              <a:uLnTx/>
+              <a:uFillTx/>
+              <a:latin typeface="맑은 고딕" panose="020F0502020204030204"/>
+              <a:ea typeface="맑은 고딕" panose="020B0503020000020004" pitchFamily="50" charset="-127"/>
+              <a:cs typeface="+mn-cs"/>
+            </a:endParaRPr>
+          </a:p>
+        </p:txBody>
+      </p:sp>
+      <p:cxnSp>
+        <p:nvCxnSpPr>
+          <p:cNvPr id="10" name="직선 연결선 9"/>
+          <p:cNvCxnSpPr/>
+          <p:nvPr/>
+        </p:nvCxnSpPr>
+        <p:spPr>
+          <a:xfrm>
+            <a:off x="5936323" y="1607206"/>
+            <a:ext cx="0" cy="2687757"/>
+          </a:xfrm>
+          <a:prstGeom prst="line">
+            <a:avLst/>
+          </a:prstGeom>
+          <a:ln w="9525">
+            <a:solidFill>
+              <a:schemeClr val="bg2">
+                <a:lumMod val="50000"/>
+              </a:schemeClr>
+            </a:solidFill>
+            <a:prstDash val="dash"/>
+          </a:ln>
+        </p:spPr>
+        <p:style>
+          <a:lnRef idx="1">
+            <a:schemeClr val="accent1"/>
+          </a:lnRef>
+          <a:fillRef idx="0">
+            <a:schemeClr val="accent1"/>
+          </a:fillRef>
+          <a:effectRef idx="0">
+            <a:schemeClr val="accent1"/>
+          </a:effectRef>
+          <a:fontRef idx="minor">
+            <a:schemeClr val="tx1"/>
+          </a:fontRef>
+        </p:style>
+      </p:cxnSp>
+      <p:sp>
+        <p:nvSpPr>
+          <p:cNvPr id="54" name="사각형: 둥근 모서리 5">
+            <a:extLst>
+              <a:ext uri="{FF2B5EF4-FFF2-40B4-BE49-F238E27FC236}">
+                <a16:creationId xmlns:a16="http://schemas.microsoft.com/office/drawing/2014/main" id="{0D8E9706-5D2C-49EE-AF67-D3527E3BC152}"/>
+              </a:ext>
+            </a:extLst>
+          </p:cNvPr>
+          <p:cNvSpPr/>
+          <p:nvPr/>
+        </p:nvSpPr>
+        <p:spPr>
+          <a:xfrm>
+            <a:off x="897461" y="1711161"/>
+            <a:ext cx="1253521" cy="387605"/>
+          </a:xfrm>
+          <a:prstGeom prst="roundRect">
+            <a:avLst>
+              <a:gd name="adj" fmla="val 50000"/>
+            </a:avLst>
+          </a:prstGeom>
+          <a:solidFill>
+            <a:srgbClr val="54A0F4"/>
+          </a:solidFill>
+          <a:ln>
+            <a:noFill/>
+          </a:ln>
+          <a:effectLst/>
+        </p:spPr>
+        <p:style>
+          <a:lnRef idx="2">
+            <a:schemeClr val="accent1">
+              <a:shade val="50000"/>
+            </a:schemeClr>
+          </a:lnRef>
+          <a:fillRef idx="1">
+            <a:schemeClr val="accent1"/>
+          </a:fillRef>
+          <a:effectRef idx="0">
+            <a:schemeClr val="accent1"/>
+          </a:effectRef>
+          <a:fontRef idx="minor">
+            <a:schemeClr val="lt1"/>
+          </a:fontRef>
+        </p:style>
+        <p:txBody>
+          <a:bodyPr rtlCol="0" anchor="ctr"/>
+          <a:lstStyle/>
+          <a:p>
+            <a:pPr marL="0" marR="0" lvl="0" indent="0" algn="ctr" defTabSz="914400" rtl="0" eaLnBrk="1" fontAlgn="auto" latinLnBrk="1" hangingPunct="1">
+              <a:lnSpc>
+                <a:spcPct val="100000"/>
+              </a:lnSpc>
+              <a:spcBef>
+                <a:spcPts val="0"/>
+              </a:spcBef>
+              <a:spcAft>
+                <a:spcPts val="0"/>
+              </a:spcAft>
+              <a:buClrTx/>
+              <a:buSzTx/>
+              <a:buFontTx/>
+              <a:buNone/>
+              <a:tabLst/>
+              <a:defRPr/>
+            </a:pPr>
+            <a:r>
+              <a:rPr kumimoji="0" lang="en-US" altLang="ko-KR" sz="1100" b="1" i="0" u="none" strike="noStrike" kern="1200" cap="none" spc="0" normalizeH="0" baseline="0" noProof="0" dirty="0" smtClean="0">
+                <a:ln>
+                  <a:noFill/>
+                </a:ln>
+                <a:solidFill>
+                  <a:prstClr val="white"/>
+                </a:solidFill>
+                <a:effectLst/>
+                <a:uLnTx/>
+                <a:uFillTx/>
+                <a:latin typeface="맑은 고딕" panose="020F0502020204030204"/>
+                <a:ea typeface="맑은 고딕" panose="020B0503020000020004" pitchFamily="50" charset="-127"/>
+                <a:cs typeface="+mn-cs"/>
+              </a:rPr>
+              <a:t>EffNetV2M</a:t>
+            </a:r>
+            <a:endParaRPr kumimoji="0" lang="en-US" altLang="ko-KR" sz="1100" b="1" i="0" u="none" strike="noStrike" kern="1200" cap="none" spc="0" normalizeH="0" baseline="0" noProof="0" dirty="0">
+              <a:ln>
+                <a:noFill/>
+              </a:ln>
+              <a:solidFill>
+                <a:prstClr val="white"/>
+              </a:solidFill>
+              <a:effectLst/>
+              <a:uLnTx/>
+              <a:uFillTx/>
+              <a:latin typeface="맑은 고딕" panose="020F0502020204030204"/>
+              <a:ea typeface="맑은 고딕" panose="020B0503020000020004" pitchFamily="50" charset="-127"/>
+              <a:cs typeface="+mn-cs"/>
+            </a:endParaRPr>
+          </a:p>
+        </p:txBody>
+      </p:sp>
+      <p:sp>
+        <p:nvSpPr>
+          <p:cNvPr id="55" name="사각형: 둥근 모서리 5">
+            <a:extLst>
+              <a:ext uri="{FF2B5EF4-FFF2-40B4-BE49-F238E27FC236}">
+                <a16:creationId xmlns:a16="http://schemas.microsoft.com/office/drawing/2014/main" id="{0D8E9706-5D2C-49EE-AF67-D3527E3BC152}"/>
+              </a:ext>
+            </a:extLst>
+          </p:cNvPr>
+          <p:cNvSpPr/>
+          <p:nvPr/>
+        </p:nvSpPr>
+        <p:spPr>
+          <a:xfrm>
+            <a:off x="897460" y="2371627"/>
+            <a:ext cx="1253521" cy="387605"/>
+          </a:xfrm>
+          <a:prstGeom prst="roundRect">
+            <a:avLst>
+              <a:gd name="adj" fmla="val 50000"/>
+            </a:avLst>
+          </a:prstGeom>
+          <a:solidFill>
+            <a:srgbClr val="54A0F4"/>
+          </a:solidFill>
+          <a:ln>
+            <a:noFill/>
+          </a:ln>
+          <a:effectLst/>
+        </p:spPr>
+        <p:style>
+          <a:lnRef idx="2">
+            <a:schemeClr val="accent1">
+              <a:shade val="50000"/>
+            </a:schemeClr>
+          </a:lnRef>
+          <a:fillRef idx="1">
+            <a:schemeClr val="accent1"/>
+          </a:fillRef>
+          <a:effectRef idx="0">
+            <a:schemeClr val="accent1"/>
+          </a:effectRef>
+          <a:fontRef idx="minor">
+            <a:schemeClr val="lt1"/>
+          </a:fontRef>
+        </p:style>
+        <p:txBody>
+          <a:bodyPr rtlCol="0" anchor="ctr"/>
+          <a:lstStyle/>
+          <a:p>
+            <a:pPr marL="0" marR="0" lvl="0" indent="0" algn="ctr" defTabSz="914400" rtl="0" eaLnBrk="1" fontAlgn="auto" latinLnBrk="1" hangingPunct="1">
+              <a:lnSpc>
+                <a:spcPct val="100000"/>
+              </a:lnSpc>
+              <a:spcBef>
+                <a:spcPts val="0"/>
+              </a:spcBef>
+              <a:spcAft>
+                <a:spcPts val="0"/>
+              </a:spcAft>
+              <a:buClrTx/>
+              <a:buSzTx/>
+              <a:buFontTx/>
+              <a:buNone/>
+              <a:tabLst/>
+              <a:defRPr/>
+            </a:pPr>
+            <a:r>
+              <a:rPr kumimoji="0" lang="en-US" altLang="ko-KR" sz="1100" b="1" i="0" u="none" strike="noStrike" kern="1200" cap="none" spc="0" normalizeH="0" baseline="0" noProof="0" dirty="0" smtClean="0">
+                <a:ln>
+                  <a:noFill/>
+                </a:ln>
+                <a:solidFill>
+                  <a:prstClr val="white"/>
+                </a:solidFill>
+                <a:effectLst/>
+                <a:uLnTx/>
+                <a:uFillTx/>
+                <a:latin typeface="맑은 고딕" panose="020F0502020204030204"/>
+                <a:ea typeface="맑은 고딕" panose="020B0503020000020004" pitchFamily="50" charset="-127"/>
+                <a:cs typeface="+mn-cs"/>
+              </a:rPr>
+              <a:t>Inception-</a:t>
+            </a:r>
+          </a:p>
+          <a:p>
+            <a:pPr marL="0" marR="0" lvl="0" indent="0" algn="ctr" defTabSz="914400" rtl="0" eaLnBrk="1" fontAlgn="auto" latinLnBrk="1" hangingPunct="1">
+              <a:lnSpc>
+                <a:spcPct val="100000"/>
+              </a:lnSpc>
+              <a:spcBef>
+                <a:spcPts val="0"/>
+              </a:spcBef>
+              <a:spcAft>
+                <a:spcPts val="0"/>
+              </a:spcAft>
+              <a:buClrTx/>
+              <a:buSzTx/>
+              <a:buFontTx/>
+              <a:buNone/>
+              <a:tabLst/>
+              <a:defRPr/>
+            </a:pPr>
+            <a:r>
+              <a:rPr kumimoji="0" lang="en-US" altLang="ko-KR" sz="1100" b="1" i="0" u="none" strike="noStrike" kern="1200" cap="none" spc="0" normalizeH="0" baseline="0" noProof="0" dirty="0" smtClean="0">
+                <a:ln>
+                  <a:noFill/>
+                </a:ln>
+                <a:solidFill>
+                  <a:prstClr val="white"/>
+                </a:solidFill>
+                <a:effectLst/>
+                <a:uLnTx/>
+                <a:uFillTx/>
+                <a:latin typeface="맑은 고딕" panose="020F0502020204030204"/>
+                <a:ea typeface="맑은 고딕" panose="020B0503020000020004" pitchFamily="50" charset="-127"/>
+                <a:cs typeface="+mn-cs"/>
+              </a:rPr>
+              <a:t>ResNetV2</a:t>
+            </a:r>
+            <a:endParaRPr kumimoji="0" lang="en-US" altLang="ko-KR" sz="1100" b="1" i="0" u="none" strike="noStrike" kern="1200" cap="none" spc="0" normalizeH="0" baseline="0" noProof="0" dirty="0">
+              <a:ln>
+                <a:noFill/>
+              </a:ln>
+              <a:solidFill>
+                <a:prstClr val="white"/>
+              </a:solidFill>
+              <a:effectLst/>
+              <a:uLnTx/>
+              <a:uFillTx/>
+              <a:latin typeface="맑은 고딕" panose="020F0502020204030204"/>
+              <a:ea typeface="맑은 고딕" panose="020B0503020000020004" pitchFamily="50" charset="-127"/>
+              <a:cs typeface="+mn-cs"/>
+            </a:endParaRPr>
+          </a:p>
+        </p:txBody>
+      </p:sp>
+      <p:sp>
+        <p:nvSpPr>
+          <p:cNvPr id="56" name="사각형: 둥근 모서리 5">
+            <a:extLst>
+              <a:ext uri="{FF2B5EF4-FFF2-40B4-BE49-F238E27FC236}">
+                <a16:creationId xmlns:a16="http://schemas.microsoft.com/office/drawing/2014/main" id="{0D8E9706-5D2C-49EE-AF67-D3527E3BC152}"/>
+              </a:ext>
+            </a:extLst>
+          </p:cNvPr>
+          <p:cNvSpPr/>
+          <p:nvPr/>
+        </p:nvSpPr>
+        <p:spPr>
+          <a:xfrm>
+            <a:off x="897459" y="3049192"/>
+            <a:ext cx="1253521" cy="387605"/>
+          </a:xfrm>
+          <a:prstGeom prst="roundRect">
+            <a:avLst>
+              <a:gd name="adj" fmla="val 50000"/>
+            </a:avLst>
+          </a:prstGeom>
+          <a:solidFill>
+            <a:srgbClr val="54A0F4"/>
+          </a:solidFill>
+          <a:ln>
+            <a:noFill/>
+          </a:ln>
+          <a:effectLst/>
+        </p:spPr>
+        <p:style>
+          <a:lnRef idx="2">
+            <a:schemeClr val="accent1">
+              <a:shade val="50000"/>
+            </a:schemeClr>
+          </a:lnRef>
+          <a:fillRef idx="1">
+            <a:schemeClr val="accent1"/>
+          </a:fillRef>
+          <a:effectRef idx="0">
+            <a:schemeClr val="accent1"/>
+          </a:effectRef>
+          <a:fontRef idx="minor">
+            <a:schemeClr val="lt1"/>
+          </a:fontRef>
+        </p:style>
+        <p:txBody>
+          <a:bodyPr rtlCol="0" anchor="ctr"/>
+          <a:lstStyle/>
+          <a:p>
+            <a:pPr marL="0" marR="0" lvl="0" indent="0" algn="ctr" defTabSz="914400" rtl="0" eaLnBrk="1" fontAlgn="auto" latinLnBrk="1" hangingPunct="1">
+              <a:lnSpc>
+                <a:spcPct val="100000"/>
+              </a:lnSpc>
+              <a:spcBef>
+                <a:spcPts val="0"/>
+              </a:spcBef>
+              <a:spcAft>
+                <a:spcPts val="0"/>
+              </a:spcAft>
+              <a:buClrTx/>
+              <a:buSzTx/>
+              <a:buFontTx/>
+              <a:buNone/>
+              <a:tabLst/>
+              <a:defRPr/>
+            </a:pPr>
+            <a:r>
+              <a:rPr kumimoji="0" lang="en-US" altLang="ko-KR" sz="1100" b="1" i="0" u="none" strike="noStrike" kern="1200" cap="none" spc="0" normalizeH="0" baseline="0" noProof="0" dirty="0" smtClean="0">
+                <a:ln>
+                  <a:noFill/>
+                </a:ln>
+                <a:solidFill>
+                  <a:prstClr val="white"/>
+                </a:solidFill>
+                <a:effectLst/>
+                <a:uLnTx/>
+                <a:uFillTx/>
+                <a:latin typeface="맑은 고딕" panose="020F0502020204030204"/>
+                <a:ea typeface="맑은 고딕" panose="020B0503020000020004" pitchFamily="50" charset="-127"/>
+                <a:cs typeface="+mn-cs"/>
+              </a:rPr>
+              <a:t>VGG16</a:t>
+            </a:r>
+            <a:endParaRPr kumimoji="0" lang="en-US" altLang="ko-KR" sz="1100" b="1" i="0" u="none" strike="noStrike" kern="1200" cap="none" spc="0" normalizeH="0" baseline="0" noProof="0" dirty="0">
+              <a:ln>
+                <a:noFill/>
+              </a:ln>
+              <a:solidFill>
+                <a:prstClr val="white"/>
+              </a:solidFill>
+              <a:effectLst/>
+              <a:uLnTx/>
+              <a:uFillTx/>
+              <a:latin typeface="맑은 고딕" panose="020F0502020204030204"/>
+              <a:ea typeface="맑은 고딕" panose="020B0503020000020004" pitchFamily="50" charset="-127"/>
+              <a:cs typeface="+mn-cs"/>
+            </a:endParaRPr>
+          </a:p>
+        </p:txBody>
+      </p:sp>
+      <p:sp>
+        <p:nvSpPr>
+          <p:cNvPr id="57" name="사각형: 둥근 모서리 5">
+            <a:extLst>
+              <a:ext uri="{FF2B5EF4-FFF2-40B4-BE49-F238E27FC236}">
+                <a16:creationId xmlns:a16="http://schemas.microsoft.com/office/drawing/2014/main" id="{0D8E9706-5D2C-49EE-AF67-D3527E3BC152}"/>
+              </a:ext>
+            </a:extLst>
+          </p:cNvPr>
+          <p:cNvSpPr/>
+          <p:nvPr/>
+        </p:nvSpPr>
+        <p:spPr>
+          <a:xfrm>
+            <a:off x="897459" y="3706834"/>
+            <a:ext cx="1253521" cy="387605"/>
+          </a:xfrm>
+          <a:prstGeom prst="roundRect">
+            <a:avLst>
+              <a:gd name="adj" fmla="val 50000"/>
+            </a:avLst>
+          </a:prstGeom>
+          <a:solidFill>
+            <a:srgbClr val="54A0F4"/>
+          </a:solidFill>
+          <a:ln>
+            <a:noFill/>
+          </a:ln>
+          <a:effectLst/>
+        </p:spPr>
+        <p:style>
+          <a:lnRef idx="2">
+            <a:schemeClr val="accent1">
+              <a:shade val="50000"/>
+            </a:schemeClr>
+          </a:lnRef>
+          <a:fillRef idx="1">
+            <a:schemeClr val="accent1"/>
+          </a:fillRef>
+          <a:effectRef idx="0">
+            <a:schemeClr val="accent1"/>
+          </a:effectRef>
+          <a:fontRef idx="minor">
+            <a:schemeClr val="lt1"/>
+          </a:fontRef>
+        </p:style>
+        <p:txBody>
+          <a:bodyPr rtlCol="0" anchor="ctr"/>
+          <a:lstStyle/>
+          <a:p>
+            <a:pPr marL="0" marR="0" lvl="0" indent="0" algn="ctr" defTabSz="914400" rtl="0" eaLnBrk="1" fontAlgn="auto" latinLnBrk="1" hangingPunct="1">
+              <a:lnSpc>
+                <a:spcPct val="100000"/>
+              </a:lnSpc>
+              <a:spcBef>
+                <a:spcPts val="0"/>
+              </a:spcBef>
+              <a:spcAft>
+                <a:spcPts val="0"/>
+              </a:spcAft>
+              <a:buClrTx/>
+              <a:buSzTx/>
+              <a:buFontTx/>
+              <a:buNone/>
+              <a:tabLst/>
+              <a:defRPr/>
+            </a:pPr>
+            <a:r>
+              <a:rPr kumimoji="0" lang="en-US" altLang="ko-KR" sz="1100" b="1" i="0" u="none" strike="noStrike" kern="1200" cap="none" spc="0" normalizeH="0" baseline="0" noProof="0" dirty="0" err="1" smtClean="0">
+                <a:ln>
+                  <a:noFill/>
+                </a:ln>
+                <a:solidFill>
+                  <a:prstClr val="white"/>
+                </a:solidFill>
+                <a:effectLst/>
+                <a:uLnTx/>
+                <a:uFillTx/>
+                <a:latin typeface="맑은 고딕" panose="020F0502020204030204"/>
+                <a:ea typeface="맑은 고딕" panose="020B0503020000020004" pitchFamily="50" charset="-127"/>
+                <a:cs typeface="+mn-cs"/>
+              </a:rPr>
+              <a:t>Xception</a:t>
+            </a:r>
+            <a:endParaRPr kumimoji="0" lang="en-US" altLang="ko-KR" sz="1100" b="1" i="0" u="none" strike="noStrike" kern="1200" cap="none" spc="0" normalizeH="0" baseline="0" noProof="0" dirty="0">
+              <a:ln>
+                <a:noFill/>
+              </a:ln>
+              <a:solidFill>
+                <a:prstClr val="white"/>
+              </a:solidFill>
+              <a:effectLst/>
+              <a:uLnTx/>
+              <a:uFillTx/>
+              <a:latin typeface="맑은 고딕" panose="020F0502020204030204"/>
+              <a:ea typeface="맑은 고딕" panose="020B0503020000020004" pitchFamily="50" charset="-127"/>
+              <a:cs typeface="+mn-cs"/>
+            </a:endParaRPr>
+          </a:p>
+        </p:txBody>
+      </p:sp>
+      <p:pic>
+        <p:nvPicPr>
+          <p:cNvPr id="15" name="그림 14"/>
+          <p:cNvPicPr>
+            <a:picLocks noChangeAspect="1"/>
+          </p:cNvPicPr>
+          <p:nvPr/>
+        </p:nvPicPr>
+        <p:blipFill>
+          <a:blip r:embed="rId2" cstate="print">
+            <a:extLst>
+              <a:ext uri="{28A0092B-C50C-407E-A947-70E740481C1C}">
+                <a14:useLocalDpi xmlns:a14="http://schemas.microsoft.com/office/drawing/2010/main" val="0"/>
+              </a:ext>
+            </a:extLst>
+          </a:blip>
+          <a:stretch>
+            <a:fillRect/>
+          </a:stretch>
+        </p:blipFill>
+        <p:spPr>
+          <a:xfrm>
+            <a:off x="4232785" y="2304120"/>
+            <a:ext cx="1115578" cy="1115578"/>
+          </a:xfrm>
+          <a:prstGeom prst="rect">
+            <a:avLst/>
+          </a:prstGeom>
+        </p:spPr>
+      </p:pic>
+      <p:sp>
+        <p:nvSpPr>
+          <p:cNvPr id="17" name="직사각형 16"/>
+          <p:cNvSpPr/>
+          <p:nvPr/>
+        </p:nvSpPr>
+        <p:spPr>
+          <a:xfrm>
+            <a:off x="4157419" y="3571219"/>
+            <a:ext cx="1266308" cy="492443"/>
+          </a:xfrm>
+          <a:prstGeom prst="rect">
+            <a:avLst/>
+          </a:prstGeom>
+        </p:spPr>
+        <p:txBody>
+          <a:bodyPr wrap="none">
+            <a:spAutoFit/>
+          </a:bodyPr>
+          <a:lstStyle/>
+          <a:p>
+            <a:pPr marL="0" marR="0" lvl="0" indent="0" algn="ctr" defTabSz="914400" rtl="0" eaLnBrk="1" fontAlgn="auto" latinLnBrk="1" hangingPunct="1">
+              <a:lnSpc>
+                <a:spcPct val="100000"/>
+              </a:lnSpc>
+              <a:spcBef>
+                <a:spcPts val="0"/>
+              </a:spcBef>
+              <a:spcAft>
+                <a:spcPts val="0"/>
+              </a:spcAft>
+              <a:buClrTx/>
+              <a:buSzTx/>
+              <a:buFontTx/>
+              <a:buNone/>
+              <a:tabLst/>
+              <a:defRPr/>
+            </a:pPr>
+            <a:r>
+              <a:rPr kumimoji="0" lang="en-US" altLang="ko-KR" sz="1300" b="1" i="0" u="none" strike="noStrike" kern="1200" cap="none" spc="0" normalizeH="0" baseline="0" noProof="0" dirty="0" smtClean="0">
+                <a:ln>
+                  <a:noFill/>
+                </a:ln>
+                <a:solidFill>
+                  <a:srgbClr val="44546A"/>
+                </a:solidFill>
+                <a:effectLst/>
+                <a:uLnTx/>
+                <a:uFillTx/>
+                <a:latin typeface="맑은 고딕" panose="020F0502020204030204"/>
+                <a:ea typeface="맑은 고딕" panose="020B0503020000020004" pitchFamily="50" charset="-127"/>
+                <a:cs typeface="+mn-cs"/>
+              </a:rPr>
+              <a:t>Test Accuracy</a:t>
+            </a:r>
+          </a:p>
+          <a:p>
+            <a:pPr marL="0" marR="0" lvl="0" indent="0" algn="ctr" defTabSz="914400" rtl="0" eaLnBrk="1" fontAlgn="auto" latinLnBrk="1" hangingPunct="1">
+              <a:lnSpc>
+                <a:spcPct val="100000"/>
+              </a:lnSpc>
+              <a:spcBef>
+                <a:spcPts val="0"/>
+              </a:spcBef>
+              <a:spcAft>
+                <a:spcPts val="0"/>
+              </a:spcAft>
+              <a:buClrTx/>
+              <a:buSzTx/>
+              <a:buFontTx/>
+              <a:buNone/>
+              <a:tabLst/>
+              <a:defRPr/>
+            </a:pPr>
+            <a:r>
+              <a:rPr kumimoji="0" lang="en-US" altLang="ko-KR" sz="1300" b="1" i="0" u="none" strike="noStrike" kern="1200" cap="none" spc="0" normalizeH="0" baseline="0" noProof="0" dirty="0" smtClean="0">
+                <a:ln>
+                  <a:noFill/>
+                </a:ln>
+                <a:solidFill>
+                  <a:srgbClr val="57A2F4"/>
+                </a:solidFill>
+                <a:effectLst/>
+                <a:uLnTx/>
+                <a:uFillTx/>
+                <a:latin typeface="맑은 고딕" panose="020F0502020204030204"/>
+                <a:ea typeface="맑은 고딕" panose="020B0503020000020004" pitchFamily="50" charset="-127"/>
+                <a:cs typeface="+mn-cs"/>
+              </a:rPr>
+              <a:t>91.74%</a:t>
+            </a:r>
+            <a:endParaRPr kumimoji="0" lang="ko-KR" altLang="en-US" sz="1300" b="1" i="0" u="none" strike="noStrike" kern="1200" cap="none" spc="0" normalizeH="0" baseline="0" noProof="0" dirty="0">
+              <a:ln>
+                <a:noFill/>
+              </a:ln>
+              <a:solidFill>
+                <a:srgbClr val="57A2F4"/>
+              </a:solidFill>
+              <a:effectLst/>
+              <a:uLnTx/>
+              <a:uFillTx/>
+              <a:latin typeface="맑은 고딕" panose="020F0502020204030204"/>
+              <a:ea typeface="맑은 고딕" panose="020B0503020000020004" pitchFamily="50" charset="-127"/>
+              <a:cs typeface="+mn-cs"/>
+            </a:endParaRPr>
+          </a:p>
+        </p:txBody>
+      </p:sp>
+      <p:sp>
+        <p:nvSpPr>
+          <p:cNvPr id="19" name="직사각형 18"/>
+          <p:cNvSpPr/>
+          <p:nvPr/>
+        </p:nvSpPr>
+        <p:spPr>
+          <a:xfrm>
+            <a:off x="2083278" y="1628112"/>
+            <a:ext cx="625492" cy="293414"/>
+          </a:xfrm>
+          <a:prstGeom prst="rect">
+            <a:avLst/>
+          </a:prstGeom>
+        </p:spPr>
+        <p:txBody>
+          <a:bodyPr wrap="none">
+            <a:spAutoFit/>
+          </a:bodyPr>
+          <a:lstStyle/>
+          <a:p>
+            <a:pPr marL="0" marR="0" lvl="0" indent="0" algn="ctr" defTabSz="914400" rtl="0" eaLnBrk="1" fontAlgn="auto" latinLnBrk="1" hangingPunct="1">
+              <a:lnSpc>
+                <a:spcPct val="150000"/>
+              </a:lnSpc>
+              <a:spcBef>
+                <a:spcPts val="0"/>
+              </a:spcBef>
+              <a:spcAft>
+                <a:spcPts val="0"/>
+              </a:spcAft>
+              <a:buClrTx/>
+              <a:buSzTx/>
+              <a:buFontTx/>
+              <a:buNone/>
+              <a:tabLst/>
+              <a:defRPr/>
+            </a:pPr>
+            <a:r>
+              <a:rPr kumimoji="0" lang="en-US" altLang="ko-KR" sz="1000" b="1" i="0" u="none" strike="noStrike" kern="1200" cap="none" spc="0" normalizeH="0" baseline="0" noProof="0" dirty="0" smtClean="0">
+                <a:ln>
+                  <a:noFill/>
+                </a:ln>
+                <a:solidFill>
+                  <a:srgbClr val="44546A"/>
+                </a:solidFill>
+                <a:effectLst/>
+                <a:uLnTx/>
+                <a:uFillTx/>
+                <a:latin typeface="맑은 고딕" panose="020F0502020204030204"/>
+                <a:ea typeface="맑은 고딕" panose="020B0503020000020004" pitchFamily="50" charset="-127"/>
+                <a:cs typeface="+mn-cs"/>
+              </a:rPr>
+              <a:t>88.88%</a:t>
+            </a:r>
+            <a:endParaRPr kumimoji="0" lang="ko-KR" altLang="en-US" sz="1000" b="1" i="0" u="none" strike="noStrike" kern="1200" cap="none" spc="0" normalizeH="0" baseline="0" noProof="0" dirty="0">
+              <a:ln>
+                <a:noFill/>
+              </a:ln>
+              <a:solidFill>
+                <a:srgbClr val="44546A"/>
+              </a:solidFill>
+              <a:effectLst/>
+              <a:uLnTx/>
+              <a:uFillTx/>
+              <a:latin typeface="맑은 고딕" panose="020F0502020204030204"/>
+              <a:ea typeface="맑은 고딕" panose="020B0503020000020004" pitchFamily="50" charset="-127"/>
+              <a:cs typeface="+mn-cs"/>
+            </a:endParaRPr>
+          </a:p>
+        </p:txBody>
+      </p:sp>
+      <p:sp>
+        <p:nvSpPr>
+          <p:cNvPr id="59" name="직사각형 58"/>
+          <p:cNvSpPr/>
+          <p:nvPr/>
+        </p:nvSpPr>
+        <p:spPr>
+          <a:xfrm>
+            <a:off x="2083278" y="2272451"/>
+            <a:ext cx="625492" cy="293414"/>
+          </a:xfrm>
+          <a:prstGeom prst="rect">
+            <a:avLst/>
+          </a:prstGeom>
+        </p:spPr>
+        <p:txBody>
+          <a:bodyPr wrap="none">
+            <a:spAutoFit/>
+          </a:bodyPr>
+          <a:lstStyle/>
+          <a:p>
+            <a:pPr marL="0" marR="0" lvl="0" indent="0" algn="ctr" defTabSz="914400" rtl="0" eaLnBrk="1" fontAlgn="auto" latinLnBrk="1" hangingPunct="1">
+              <a:lnSpc>
+                <a:spcPct val="150000"/>
+              </a:lnSpc>
+              <a:spcBef>
+                <a:spcPts val="0"/>
+              </a:spcBef>
+              <a:spcAft>
+                <a:spcPts val="0"/>
+              </a:spcAft>
+              <a:buClrTx/>
+              <a:buSzTx/>
+              <a:buFontTx/>
+              <a:buNone/>
+              <a:tabLst/>
+              <a:defRPr/>
+            </a:pPr>
+            <a:r>
+              <a:rPr kumimoji="0" lang="en-US" altLang="ko-KR" sz="1000" b="1" i="0" u="none" strike="noStrike" kern="1200" cap="none" spc="0" normalizeH="0" baseline="0" noProof="0" dirty="0" smtClean="0">
+                <a:ln>
+                  <a:noFill/>
+                </a:ln>
+                <a:solidFill>
+                  <a:srgbClr val="44546A"/>
+                </a:solidFill>
+                <a:effectLst/>
+                <a:uLnTx/>
+                <a:uFillTx/>
+                <a:latin typeface="맑은 고딕" panose="020F0502020204030204"/>
+                <a:ea typeface="맑은 고딕" panose="020B0503020000020004" pitchFamily="50" charset="-127"/>
+                <a:cs typeface="+mn-cs"/>
+              </a:rPr>
+              <a:t>82.42%</a:t>
+            </a:r>
+            <a:endParaRPr kumimoji="0" lang="ko-KR" altLang="en-US" sz="1000" b="1" i="0" u="none" strike="noStrike" kern="1200" cap="none" spc="0" normalizeH="0" baseline="0" noProof="0" dirty="0">
+              <a:ln>
+                <a:noFill/>
+              </a:ln>
+              <a:solidFill>
+                <a:srgbClr val="44546A"/>
+              </a:solidFill>
+              <a:effectLst/>
+              <a:uLnTx/>
+              <a:uFillTx/>
+              <a:latin typeface="맑은 고딕" panose="020F0502020204030204"/>
+              <a:ea typeface="맑은 고딕" panose="020B0503020000020004" pitchFamily="50" charset="-127"/>
+              <a:cs typeface="+mn-cs"/>
+            </a:endParaRPr>
+          </a:p>
+        </p:txBody>
+      </p:sp>
+      <p:sp>
+        <p:nvSpPr>
+          <p:cNvPr id="60" name="직사각형 59"/>
+          <p:cNvSpPr/>
+          <p:nvPr/>
+        </p:nvSpPr>
+        <p:spPr>
+          <a:xfrm>
+            <a:off x="2083277" y="2963746"/>
+            <a:ext cx="625492" cy="293414"/>
+          </a:xfrm>
+          <a:prstGeom prst="rect">
+            <a:avLst/>
+          </a:prstGeom>
+        </p:spPr>
+        <p:txBody>
+          <a:bodyPr wrap="none">
+            <a:spAutoFit/>
+          </a:bodyPr>
+          <a:lstStyle/>
+          <a:p>
+            <a:pPr marL="0" marR="0" lvl="0" indent="0" algn="ctr" defTabSz="914400" rtl="0" eaLnBrk="1" fontAlgn="auto" latinLnBrk="1" hangingPunct="1">
+              <a:lnSpc>
+                <a:spcPct val="150000"/>
+              </a:lnSpc>
+              <a:spcBef>
+                <a:spcPts val="0"/>
+              </a:spcBef>
+              <a:spcAft>
+                <a:spcPts val="0"/>
+              </a:spcAft>
+              <a:buClrTx/>
+              <a:buSzTx/>
+              <a:buFontTx/>
+              <a:buNone/>
+              <a:tabLst/>
+              <a:defRPr/>
+            </a:pPr>
+            <a:r>
+              <a:rPr kumimoji="0" lang="en-US" altLang="ko-KR" sz="1000" b="1" i="0" u="none" strike="noStrike" kern="1200" cap="none" spc="0" normalizeH="0" baseline="0" noProof="0" dirty="0" smtClean="0">
+                <a:ln>
+                  <a:noFill/>
+                </a:ln>
+                <a:solidFill>
+                  <a:srgbClr val="44546A"/>
+                </a:solidFill>
+                <a:effectLst/>
+                <a:uLnTx/>
+                <a:uFillTx/>
+                <a:latin typeface="맑은 고딕" panose="020F0502020204030204"/>
+                <a:ea typeface="맑은 고딕" panose="020B0503020000020004" pitchFamily="50" charset="-127"/>
+                <a:cs typeface="+mn-cs"/>
+              </a:rPr>
+              <a:t>77.24%</a:t>
+            </a:r>
+            <a:endParaRPr kumimoji="0" lang="ko-KR" altLang="en-US" sz="1000" b="1" i="0" u="none" strike="noStrike" kern="1200" cap="none" spc="0" normalizeH="0" baseline="0" noProof="0" dirty="0">
+              <a:ln>
+                <a:noFill/>
+              </a:ln>
+              <a:solidFill>
+                <a:srgbClr val="44546A"/>
+              </a:solidFill>
+              <a:effectLst/>
+              <a:uLnTx/>
+              <a:uFillTx/>
+              <a:latin typeface="맑은 고딕" panose="020F0502020204030204"/>
+              <a:ea typeface="맑은 고딕" panose="020B0503020000020004" pitchFamily="50" charset="-127"/>
+              <a:cs typeface="+mn-cs"/>
+            </a:endParaRPr>
+          </a:p>
+        </p:txBody>
+      </p:sp>
+      <p:sp>
+        <p:nvSpPr>
+          <p:cNvPr id="61" name="직사각형 60"/>
+          <p:cNvSpPr/>
+          <p:nvPr/>
+        </p:nvSpPr>
+        <p:spPr>
+          <a:xfrm>
+            <a:off x="2119486" y="3609007"/>
+            <a:ext cx="625492" cy="293414"/>
+          </a:xfrm>
+          <a:prstGeom prst="rect">
+            <a:avLst/>
+          </a:prstGeom>
+        </p:spPr>
+        <p:txBody>
+          <a:bodyPr wrap="none">
+            <a:spAutoFit/>
+          </a:bodyPr>
+          <a:lstStyle/>
+          <a:p>
+            <a:pPr marL="0" marR="0" lvl="0" indent="0" algn="ctr" defTabSz="914400" rtl="0" eaLnBrk="1" fontAlgn="auto" latinLnBrk="1" hangingPunct="1">
+              <a:lnSpc>
+                <a:spcPct val="150000"/>
+              </a:lnSpc>
+              <a:spcBef>
+                <a:spcPts val="0"/>
+              </a:spcBef>
+              <a:spcAft>
+                <a:spcPts val="0"/>
+              </a:spcAft>
+              <a:buClrTx/>
+              <a:buSzTx/>
+              <a:buFontTx/>
+              <a:buNone/>
+              <a:tabLst/>
+              <a:defRPr/>
+            </a:pPr>
+            <a:r>
+              <a:rPr kumimoji="0" lang="en-US" altLang="ko-KR" sz="1000" b="1" i="0" u="none" strike="noStrike" kern="1200" cap="none" spc="0" normalizeH="0" baseline="0" noProof="0" dirty="0" smtClean="0">
+                <a:ln>
+                  <a:noFill/>
+                </a:ln>
+                <a:solidFill>
+                  <a:srgbClr val="44546A"/>
+                </a:solidFill>
+                <a:effectLst/>
+                <a:uLnTx/>
+                <a:uFillTx/>
+                <a:latin typeface="맑은 고딕" panose="020F0502020204030204"/>
+                <a:ea typeface="맑은 고딕" panose="020B0503020000020004" pitchFamily="50" charset="-127"/>
+                <a:cs typeface="+mn-cs"/>
+              </a:rPr>
+              <a:t>86.04%</a:t>
+            </a:r>
+            <a:endParaRPr kumimoji="0" lang="ko-KR" altLang="en-US" sz="1000" b="1" i="0" u="none" strike="noStrike" kern="1200" cap="none" spc="0" normalizeH="0" baseline="0" noProof="0" dirty="0">
+              <a:ln>
+                <a:noFill/>
+              </a:ln>
+              <a:solidFill>
+                <a:srgbClr val="44546A"/>
+              </a:solidFill>
+              <a:effectLst/>
+              <a:uLnTx/>
+              <a:uFillTx/>
+              <a:latin typeface="맑은 고딕" panose="020F0502020204030204"/>
+              <a:ea typeface="맑은 고딕" panose="020B0503020000020004" pitchFamily="50" charset="-127"/>
+              <a:cs typeface="+mn-cs"/>
+            </a:endParaRPr>
+          </a:p>
+        </p:txBody>
+      </p:sp>
+      <p:cxnSp>
+        <p:nvCxnSpPr>
+          <p:cNvPr id="22" name="꺾인 연결선 21"/>
+          <p:cNvCxnSpPr>
+            <a:stCxn id="54" idx="3"/>
+            <a:endCxn id="15" idx="1"/>
+          </p:cNvCxnSpPr>
+          <p:nvPr/>
+        </p:nvCxnSpPr>
+        <p:spPr>
+          <a:xfrm>
+            <a:off x="2150982" y="1904964"/>
+            <a:ext cx="1925180" cy="956945"/>
+          </a:xfrm>
+          <a:prstGeom prst="bentConnector3">
+            <a:avLst>
+              <a:gd name="adj1" fmla="val 61874"/>
+            </a:avLst>
+          </a:prstGeom>
+          <a:ln w="19050">
+            <a:solidFill>
+              <a:schemeClr val="accent3"/>
+            </a:solidFill>
+            <a:tailEnd type="triangle"/>
+          </a:ln>
+        </p:spPr>
+        <p:style>
+          <a:lnRef idx="1">
+            <a:schemeClr val="accent1"/>
+          </a:lnRef>
+          <a:fillRef idx="0">
+            <a:schemeClr val="accent1"/>
+          </a:fillRef>
+          <a:effectRef idx="0">
+            <a:schemeClr val="accent1"/>
+          </a:effectRef>
+          <a:fontRef idx="minor">
+            <a:schemeClr val="tx1"/>
+          </a:fontRef>
+        </p:style>
+      </p:cxnSp>
+      <p:cxnSp>
+        <p:nvCxnSpPr>
+          <p:cNvPr id="62" name="꺾인 연결선 61"/>
+          <p:cNvCxnSpPr>
+            <a:stCxn id="55" idx="3"/>
+            <a:endCxn id="15" idx="1"/>
+          </p:cNvCxnSpPr>
+          <p:nvPr/>
+        </p:nvCxnSpPr>
+        <p:spPr>
+          <a:xfrm>
+            <a:off x="2150981" y="2565430"/>
+            <a:ext cx="1925181" cy="296479"/>
+          </a:xfrm>
+          <a:prstGeom prst="bentConnector3">
+            <a:avLst>
+              <a:gd name="adj1" fmla="val 62164"/>
+            </a:avLst>
+          </a:prstGeom>
+          <a:ln w="19050">
+            <a:solidFill>
+              <a:schemeClr val="accent3"/>
+            </a:solidFill>
+            <a:tailEnd type="triangle"/>
+          </a:ln>
+        </p:spPr>
+        <p:style>
+          <a:lnRef idx="1">
+            <a:schemeClr val="accent1"/>
+          </a:lnRef>
+          <a:fillRef idx="0">
+            <a:schemeClr val="accent1"/>
+          </a:fillRef>
+          <a:effectRef idx="0">
+            <a:schemeClr val="accent1"/>
+          </a:effectRef>
+          <a:fontRef idx="minor">
+            <a:schemeClr val="tx1"/>
+          </a:fontRef>
+        </p:style>
+      </p:cxnSp>
+      <p:cxnSp>
+        <p:nvCxnSpPr>
+          <p:cNvPr id="63" name="꺾인 연결선 62"/>
+          <p:cNvCxnSpPr>
+            <a:stCxn id="56" idx="3"/>
+            <a:endCxn id="15" idx="1"/>
+          </p:cNvCxnSpPr>
+          <p:nvPr/>
+        </p:nvCxnSpPr>
+        <p:spPr>
+          <a:xfrm flipV="1">
+            <a:off x="2150980" y="2861909"/>
+            <a:ext cx="1925182" cy="381086"/>
+          </a:xfrm>
+          <a:prstGeom prst="bentConnector3">
+            <a:avLst>
+              <a:gd name="adj1" fmla="val 62164"/>
+            </a:avLst>
+          </a:prstGeom>
+          <a:ln w="19050">
+            <a:solidFill>
+              <a:schemeClr val="accent3"/>
+            </a:solidFill>
+            <a:tailEnd type="triangle"/>
+          </a:ln>
+        </p:spPr>
+        <p:style>
+          <a:lnRef idx="1">
+            <a:schemeClr val="accent1"/>
+          </a:lnRef>
+          <a:fillRef idx="0">
+            <a:schemeClr val="accent1"/>
+          </a:fillRef>
+          <a:effectRef idx="0">
+            <a:schemeClr val="accent1"/>
+          </a:effectRef>
+          <a:fontRef idx="minor">
+            <a:schemeClr val="tx1"/>
+          </a:fontRef>
+        </p:style>
+      </p:cxnSp>
+      <p:cxnSp>
+        <p:nvCxnSpPr>
+          <p:cNvPr id="66" name="꺾인 연결선 65"/>
+          <p:cNvCxnSpPr>
+            <a:stCxn id="57" idx="3"/>
+            <a:endCxn id="15" idx="1"/>
+          </p:cNvCxnSpPr>
+          <p:nvPr/>
+        </p:nvCxnSpPr>
+        <p:spPr>
+          <a:xfrm flipV="1">
+            <a:off x="2150980" y="2861909"/>
+            <a:ext cx="1925182" cy="1038728"/>
+          </a:xfrm>
+          <a:prstGeom prst="bentConnector3">
+            <a:avLst>
+              <a:gd name="adj1" fmla="val 61874"/>
+            </a:avLst>
+          </a:prstGeom>
+          <a:ln w="19050">
+            <a:solidFill>
+              <a:schemeClr val="accent3"/>
+            </a:solidFill>
+            <a:tailEnd type="triangle"/>
+          </a:ln>
+        </p:spPr>
+        <p:style>
+          <a:lnRef idx="1">
+            <a:schemeClr val="accent1"/>
+          </a:lnRef>
+          <a:fillRef idx="0">
+            <a:schemeClr val="accent1"/>
+          </a:fillRef>
+          <a:effectRef idx="0">
+            <a:schemeClr val="accent1"/>
+          </a:effectRef>
+          <a:fontRef idx="minor">
+            <a:schemeClr val="tx1"/>
+          </a:fontRef>
+        </p:style>
+      </p:cxnSp>
+      <p:sp>
+        <p:nvSpPr>
+          <p:cNvPr id="75" name="직사각형 74"/>
+          <p:cNvSpPr/>
+          <p:nvPr/>
+        </p:nvSpPr>
+        <p:spPr>
+          <a:xfrm>
+            <a:off x="3991315" y="1813265"/>
+            <a:ext cx="1598515" cy="373885"/>
+          </a:xfrm>
+          <a:prstGeom prst="rect">
+            <a:avLst/>
+          </a:prstGeom>
+        </p:spPr>
+        <p:txBody>
+          <a:bodyPr wrap="none">
+            <a:spAutoFit/>
+          </a:bodyPr>
+          <a:lstStyle/>
+          <a:p>
+            <a:pPr marL="0" marR="0" lvl="0" indent="0" algn="ctr" defTabSz="914400" rtl="0" eaLnBrk="1" fontAlgn="auto" latinLnBrk="1" hangingPunct="1">
+              <a:lnSpc>
+                <a:spcPct val="150000"/>
+              </a:lnSpc>
+              <a:spcBef>
+                <a:spcPts val="0"/>
+              </a:spcBef>
+              <a:spcAft>
+                <a:spcPts val="0"/>
+              </a:spcAft>
+              <a:buClrTx/>
+              <a:buSzTx/>
+              <a:buFontTx/>
+              <a:buNone/>
+              <a:tabLst/>
+              <a:defRPr/>
+            </a:pPr>
+            <a:r>
+              <a:rPr kumimoji="0" lang="en-US" altLang="ko-KR" sz="1400" b="1" i="0" u="none" strike="noStrike" kern="1200" cap="none" spc="0" normalizeH="0" baseline="0" noProof="0" dirty="0" smtClean="0">
+                <a:ln>
+                  <a:noFill/>
+                </a:ln>
+                <a:solidFill>
+                  <a:srgbClr val="44546A"/>
+                </a:solidFill>
+                <a:effectLst/>
+                <a:uLnTx/>
+                <a:uFillTx/>
+                <a:latin typeface="맑은 고딕" panose="020F0502020204030204"/>
+                <a:ea typeface="맑은 고딕" panose="020B0503020000020004" pitchFamily="50" charset="-127"/>
+                <a:cs typeface="+mn-cs"/>
+              </a:rPr>
+              <a:t>Ensemble model</a:t>
+            </a:r>
+            <a:endParaRPr kumimoji="0" lang="en-US" altLang="ko-KR" sz="1400" b="1" i="0" u="none" strike="noStrike" kern="1200" cap="none" spc="0" normalizeH="0" baseline="0" noProof="0" dirty="0">
+              <a:ln>
+                <a:noFill/>
+              </a:ln>
+              <a:solidFill>
+                <a:srgbClr val="44546A"/>
+              </a:solidFill>
+              <a:effectLst/>
+              <a:uLnTx/>
+              <a:uFillTx/>
+              <a:latin typeface="맑은 고딕" panose="020F0502020204030204"/>
+              <a:ea typeface="맑은 고딕" panose="020B0503020000020004" pitchFamily="50" charset="-127"/>
+              <a:cs typeface="+mn-cs"/>
+            </a:endParaRPr>
+          </a:p>
+        </p:txBody>
+      </p:sp>
+      <p:sp>
+        <p:nvSpPr>
+          <p:cNvPr id="80" name="직사각형 79"/>
+          <p:cNvSpPr/>
+          <p:nvPr/>
+        </p:nvSpPr>
+        <p:spPr>
+          <a:xfrm>
+            <a:off x="661075" y="4703967"/>
+            <a:ext cx="11413837" cy="1938992"/>
+          </a:xfrm>
+          <a:prstGeom prst="rect">
+            <a:avLst/>
+          </a:prstGeom>
+        </p:spPr>
+        <p:txBody>
+          <a:bodyPr wrap="square">
+            <a:spAutoFit/>
+          </a:bodyPr>
+          <a:lstStyle/>
+          <a:p>
+            <a:pPr marL="285750" marR="0" lvl="0" indent="-285750" algn="l" defTabSz="914400" rtl="0" eaLnBrk="1" fontAlgn="auto" latinLnBrk="1" hangingPunct="1">
+              <a:lnSpc>
+                <a:spcPct val="150000"/>
+              </a:lnSpc>
+              <a:spcBef>
+                <a:spcPts val="0"/>
+              </a:spcBef>
+              <a:spcAft>
+                <a:spcPts val="0"/>
+              </a:spcAft>
+              <a:buClrTx/>
+              <a:buSzTx/>
+              <a:buFont typeface="Arial" panose="020B0604020202020204" pitchFamily="34" charset="0"/>
+              <a:buChar char="•"/>
+              <a:tabLst/>
+              <a:defRPr/>
+            </a:pPr>
+            <a:r>
+              <a:rPr kumimoji="0" lang="ko-KR" altLang="en-US" sz="1400" b="1" i="0" u="none" strike="noStrike" kern="1200" cap="none" spc="0" normalizeH="0" baseline="0" noProof="0" dirty="0" smtClean="0">
+                <a:ln>
+                  <a:noFill/>
+                </a:ln>
+                <a:solidFill>
+                  <a:srgbClr val="44546A"/>
+                </a:solidFill>
+                <a:effectLst/>
+                <a:uLnTx/>
+                <a:uFillTx/>
+                <a:latin typeface="맑은 고딕" panose="020F0502020204030204"/>
+                <a:ea typeface="맑은 고딕" panose="020B0503020000020004" pitchFamily="50" charset="-127"/>
+                <a:cs typeface="+mn-cs"/>
+              </a:rPr>
+              <a:t>모델의 </a:t>
+            </a:r>
+            <a:r>
+              <a:rPr kumimoji="0" lang="en-US" altLang="ko-KR" sz="1400" b="1" i="0" u="none" strike="noStrike" kern="1200" cap="none" spc="0" normalizeH="0" baseline="0" noProof="0" dirty="0" smtClean="0">
+                <a:ln>
+                  <a:noFill/>
+                </a:ln>
+                <a:solidFill>
+                  <a:srgbClr val="44546A"/>
+                </a:solidFill>
+                <a:effectLst/>
+                <a:uLnTx/>
+                <a:uFillTx/>
+                <a:latin typeface="맑은 고딕" panose="020F0502020204030204"/>
+                <a:ea typeface="맑은 고딕" panose="020B0503020000020004" pitchFamily="50" charset="-127"/>
+                <a:cs typeface="+mn-cs"/>
+              </a:rPr>
+              <a:t>Class </a:t>
+            </a:r>
+            <a:r>
+              <a:rPr kumimoji="0" lang="ko-KR" altLang="en-US" sz="1400" b="1" i="0" u="none" strike="noStrike" kern="1200" cap="none" spc="0" normalizeH="0" baseline="0" noProof="0" dirty="0" smtClean="0">
+                <a:ln>
+                  <a:noFill/>
+                </a:ln>
+                <a:solidFill>
+                  <a:srgbClr val="44546A"/>
+                </a:solidFill>
+                <a:effectLst/>
+                <a:uLnTx/>
+                <a:uFillTx/>
+                <a:latin typeface="맑은 고딕" panose="020F0502020204030204"/>
+                <a:ea typeface="맑은 고딕" panose="020B0503020000020004" pitchFamily="50" charset="-127"/>
+                <a:cs typeface="+mn-cs"/>
+              </a:rPr>
+              <a:t>수는 </a:t>
+            </a:r>
+            <a:r>
+              <a:rPr kumimoji="0" lang="en-US" altLang="ko-KR" sz="1400" b="1" i="0" u="none" strike="noStrike" kern="1200" cap="none" spc="0" normalizeH="0" baseline="0" noProof="0" dirty="0" smtClean="0">
+                <a:ln>
+                  <a:noFill/>
+                </a:ln>
+                <a:solidFill>
+                  <a:srgbClr val="44546A"/>
+                </a:solidFill>
+                <a:effectLst/>
+                <a:uLnTx/>
+                <a:uFillTx/>
+                <a:latin typeface="맑은 고딕" panose="020F0502020204030204"/>
+                <a:ea typeface="맑은 고딕" panose="020B0503020000020004" pitchFamily="50" charset="-127"/>
+                <a:cs typeface="+mn-cs"/>
+              </a:rPr>
+              <a:t>17</a:t>
+            </a:r>
+            <a:r>
+              <a:rPr kumimoji="0" lang="ko-KR" altLang="en-US" sz="1400" b="1" i="0" u="none" strike="noStrike" kern="1200" cap="none" spc="0" normalizeH="0" baseline="0" noProof="0" dirty="0" smtClean="0">
+                <a:ln>
+                  <a:noFill/>
+                </a:ln>
+                <a:solidFill>
+                  <a:srgbClr val="44546A"/>
+                </a:solidFill>
+                <a:effectLst/>
+                <a:uLnTx/>
+                <a:uFillTx/>
+                <a:latin typeface="맑은 고딕" panose="020F0502020204030204"/>
+                <a:ea typeface="맑은 고딕" panose="020B0503020000020004" pitchFamily="50" charset="-127"/>
+                <a:cs typeface="+mn-cs"/>
+              </a:rPr>
+              <a:t>개로 실현 가능성만 확인하였으며</a:t>
+            </a:r>
+            <a:r>
+              <a:rPr kumimoji="0" lang="en-US" altLang="ko-KR" sz="1400" b="1" i="0" u="none" strike="noStrike" kern="1200" cap="none" spc="0" normalizeH="0" baseline="0" noProof="0" dirty="0" smtClean="0">
+                <a:ln>
+                  <a:noFill/>
+                </a:ln>
+                <a:solidFill>
+                  <a:srgbClr val="44546A"/>
+                </a:solidFill>
+                <a:effectLst/>
+                <a:uLnTx/>
+                <a:uFillTx/>
+                <a:latin typeface="맑은 고딕" panose="020F0502020204030204"/>
+                <a:ea typeface="맑은 고딕" panose="020B0503020000020004" pitchFamily="50" charset="-127"/>
+                <a:cs typeface="+mn-cs"/>
+              </a:rPr>
+              <a:t>, </a:t>
+            </a:r>
+            <a:r>
+              <a:rPr kumimoji="0" lang="en-US" altLang="ko-KR" sz="1400" b="1" i="0" u="none" strike="noStrike" kern="1200" cap="none" spc="0" normalizeH="0" baseline="0" noProof="0" dirty="0" smtClean="0">
+                <a:ln>
+                  <a:noFill/>
+                </a:ln>
+                <a:solidFill>
+                  <a:srgbClr val="57A2F4"/>
+                </a:solidFill>
+                <a:effectLst/>
+                <a:uLnTx/>
+                <a:uFillTx/>
+                <a:latin typeface="맑은 고딕" panose="020F0502020204030204"/>
+                <a:ea typeface="맑은 고딕" panose="020B0503020000020004" pitchFamily="50" charset="-127"/>
+                <a:cs typeface="+mn-cs"/>
+              </a:rPr>
+              <a:t>‘</a:t>
+            </a:r>
+            <a:r>
+              <a:rPr kumimoji="0" lang="ko-KR" altLang="en-US" sz="1400" b="1" i="0" u="none" strike="noStrike" kern="1200" cap="none" spc="0" normalizeH="0" baseline="0" noProof="0" dirty="0" smtClean="0">
+                <a:ln>
+                  <a:noFill/>
+                </a:ln>
+                <a:solidFill>
+                  <a:srgbClr val="57A2F4"/>
+                </a:solidFill>
+                <a:effectLst/>
+                <a:uLnTx/>
+                <a:uFillTx/>
+                <a:latin typeface="맑은 고딕" panose="020F0502020204030204"/>
+                <a:ea typeface="맑은 고딕" panose="020B0503020000020004" pitchFamily="50" charset="-127"/>
+                <a:cs typeface="+mn-cs"/>
+              </a:rPr>
+              <a:t>음식 사진을 통한 식당 검색</a:t>
+            </a:r>
+            <a:r>
+              <a:rPr kumimoji="0" lang="en-US" altLang="ko-KR" sz="1400" b="1" i="0" u="none" strike="noStrike" kern="1200" cap="none" spc="0" normalizeH="0" baseline="0" noProof="0" dirty="0" smtClean="0">
+                <a:ln>
+                  <a:noFill/>
+                </a:ln>
+                <a:solidFill>
+                  <a:srgbClr val="57A2F4"/>
+                </a:solidFill>
+                <a:effectLst/>
+                <a:uLnTx/>
+                <a:uFillTx/>
+                <a:latin typeface="맑은 고딕" panose="020F0502020204030204"/>
+                <a:ea typeface="맑은 고딕" panose="020B0503020000020004" pitchFamily="50" charset="-127"/>
+                <a:cs typeface="+mn-cs"/>
+              </a:rPr>
+              <a:t>’</a:t>
+            </a:r>
+            <a:r>
+              <a:rPr kumimoji="0" lang="ko-KR" altLang="en-US" sz="1400" b="1" i="0" u="none" strike="noStrike" kern="1200" cap="none" spc="0" normalizeH="0" baseline="0" noProof="0" dirty="0" smtClean="0">
+                <a:ln>
+                  <a:noFill/>
+                </a:ln>
+                <a:solidFill>
+                  <a:srgbClr val="57A2F4"/>
+                </a:solidFill>
+                <a:effectLst/>
+                <a:uLnTx/>
+                <a:uFillTx/>
+                <a:latin typeface="맑은 고딕" panose="020F0502020204030204"/>
+                <a:ea typeface="맑은 고딕" panose="020B0503020000020004" pitchFamily="50" charset="-127"/>
+                <a:cs typeface="+mn-cs"/>
+              </a:rPr>
+              <a:t> 실제 활용을 위해서는 더 많은 </a:t>
+            </a:r>
+            <a:r>
+              <a:rPr kumimoji="0" lang="en-US" altLang="ko-KR" sz="1400" b="1" i="0" u="none" strike="noStrike" kern="1200" cap="none" spc="0" normalizeH="0" baseline="0" noProof="0" dirty="0" smtClean="0">
+                <a:ln>
+                  <a:noFill/>
+                </a:ln>
+                <a:solidFill>
+                  <a:srgbClr val="57A2F4"/>
+                </a:solidFill>
+                <a:effectLst/>
+                <a:uLnTx/>
+                <a:uFillTx/>
+                <a:latin typeface="맑은 고딕" panose="020F0502020204030204"/>
+                <a:ea typeface="맑은 고딕" panose="020B0503020000020004" pitchFamily="50" charset="-127"/>
+                <a:cs typeface="+mn-cs"/>
+              </a:rPr>
+              <a:t>Class </a:t>
+            </a:r>
+            <a:r>
+              <a:rPr kumimoji="0" lang="ko-KR" altLang="en-US" sz="1400" b="1" i="0" u="none" strike="noStrike" kern="1200" cap="none" spc="0" normalizeH="0" baseline="0" noProof="0" dirty="0" smtClean="0">
+                <a:ln>
+                  <a:noFill/>
+                </a:ln>
+                <a:solidFill>
+                  <a:srgbClr val="57A2F4"/>
+                </a:solidFill>
+                <a:effectLst/>
+                <a:uLnTx/>
+                <a:uFillTx/>
+                <a:latin typeface="맑은 고딕" panose="020F0502020204030204"/>
+                <a:ea typeface="맑은 고딕" panose="020B0503020000020004" pitchFamily="50" charset="-127"/>
+                <a:cs typeface="+mn-cs"/>
+              </a:rPr>
+              <a:t>추가 </a:t>
+            </a:r>
+            <a:r>
+              <a:rPr kumimoji="0" lang="ko-KR" altLang="en-US" sz="1400" b="1" i="0" u="none" strike="noStrike" kern="1200" cap="none" spc="0" normalizeH="0" baseline="0" noProof="0" dirty="0" smtClean="0">
+                <a:ln>
+                  <a:noFill/>
+                </a:ln>
+                <a:solidFill>
+                  <a:srgbClr val="44546A"/>
+                </a:solidFill>
+                <a:effectLst/>
+                <a:uLnTx/>
+                <a:uFillTx/>
+                <a:latin typeface="맑은 고딕" panose="020F0502020204030204"/>
+                <a:ea typeface="맑은 고딕" panose="020B0503020000020004" pitchFamily="50" charset="-127"/>
+                <a:cs typeface="+mn-cs"/>
+              </a:rPr>
+              <a:t>필요</a:t>
+            </a:r>
+            <a:endParaRPr kumimoji="0" lang="en-US" altLang="ko-KR" sz="1400" b="1" i="0" u="none" strike="noStrike" kern="1200" cap="none" spc="0" normalizeH="0" baseline="0" noProof="0" dirty="0" smtClean="0">
+              <a:ln>
+                <a:noFill/>
+              </a:ln>
+              <a:solidFill>
+                <a:srgbClr val="44546A"/>
+              </a:solidFill>
+              <a:effectLst/>
+              <a:uLnTx/>
+              <a:uFillTx/>
+              <a:latin typeface="맑은 고딕" panose="020F0502020204030204"/>
+              <a:ea typeface="맑은 고딕" panose="020B0503020000020004" pitchFamily="50" charset="-127"/>
+              <a:cs typeface="+mn-cs"/>
+            </a:endParaRPr>
+          </a:p>
+          <a:p>
+            <a:pPr marL="285750" marR="0" lvl="0" indent="-285750" algn="l" defTabSz="914400" rtl="0" eaLnBrk="1" fontAlgn="auto" latinLnBrk="1" hangingPunct="1">
+              <a:lnSpc>
+                <a:spcPct val="150000"/>
+              </a:lnSpc>
+              <a:spcBef>
+                <a:spcPts val="0"/>
+              </a:spcBef>
+              <a:spcAft>
+                <a:spcPts val="0"/>
+              </a:spcAft>
+              <a:buClrTx/>
+              <a:buSzTx/>
+              <a:buFont typeface="Arial" panose="020B0604020202020204" pitchFamily="34" charset="0"/>
+              <a:buChar char="•"/>
+              <a:tabLst/>
+              <a:defRPr/>
+            </a:pPr>
+            <a:r>
+              <a:rPr kumimoji="0" lang="ko-KR" altLang="en-US" sz="1400" b="1" i="0" u="none" strike="noStrike" kern="1200" cap="none" spc="0" normalizeH="0" baseline="0" noProof="0" dirty="0" smtClean="0">
+                <a:ln>
+                  <a:noFill/>
+                </a:ln>
+                <a:solidFill>
+                  <a:srgbClr val="44546A"/>
+                </a:solidFill>
+                <a:effectLst/>
+                <a:uLnTx/>
+                <a:uFillTx/>
+                <a:latin typeface="맑은 고딕" panose="020F0502020204030204"/>
+                <a:ea typeface="맑은 고딕" panose="020B0503020000020004" pitchFamily="50" charset="-127"/>
+                <a:cs typeface="+mn-cs"/>
+              </a:rPr>
+              <a:t>검색한 음식 사진이 모델이 학습한 </a:t>
+            </a:r>
+            <a:r>
+              <a:rPr kumimoji="0" lang="en-US" altLang="ko-KR" sz="1400" b="1" i="0" u="none" strike="noStrike" kern="1200" cap="none" spc="0" normalizeH="0" baseline="0" noProof="0" dirty="0" smtClean="0">
+                <a:ln>
+                  <a:noFill/>
+                </a:ln>
+                <a:solidFill>
+                  <a:srgbClr val="44546A"/>
+                </a:solidFill>
+                <a:effectLst/>
+                <a:uLnTx/>
+                <a:uFillTx/>
+                <a:latin typeface="맑은 고딕" panose="020F0502020204030204"/>
+                <a:ea typeface="맑은 고딕" panose="020B0503020000020004" pitchFamily="50" charset="-127"/>
+                <a:cs typeface="+mn-cs"/>
+              </a:rPr>
+              <a:t>Class</a:t>
+            </a:r>
+            <a:r>
+              <a:rPr kumimoji="0" lang="ko-KR" altLang="en-US" sz="1400" b="1" i="0" u="none" strike="noStrike" kern="1200" cap="none" spc="0" normalizeH="0" baseline="0" noProof="0" dirty="0">
+                <a:ln>
+                  <a:noFill/>
+                </a:ln>
+                <a:solidFill>
+                  <a:srgbClr val="44546A"/>
+                </a:solidFill>
+                <a:effectLst/>
+                <a:uLnTx/>
+                <a:uFillTx/>
+                <a:latin typeface="맑은 고딕" panose="020F0502020204030204"/>
+                <a:ea typeface="맑은 고딕" panose="020B0503020000020004" pitchFamily="50" charset="-127"/>
+                <a:cs typeface="+mn-cs"/>
+              </a:rPr>
+              <a:t> </a:t>
+            </a:r>
+            <a:r>
+              <a:rPr kumimoji="0" lang="ko-KR" altLang="en-US" sz="1400" b="1" i="0" u="none" strike="noStrike" kern="1200" cap="none" spc="0" normalizeH="0" baseline="0" noProof="0" dirty="0" smtClean="0">
+                <a:ln>
+                  <a:noFill/>
+                </a:ln>
+                <a:solidFill>
+                  <a:srgbClr val="44546A"/>
+                </a:solidFill>
+                <a:effectLst/>
+                <a:uLnTx/>
+                <a:uFillTx/>
+                <a:latin typeface="맑은 고딕" panose="020F0502020204030204"/>
+                <a:ea typeface="맑은 고딕" panose="020B0503020000020004" pitchFamily="50" charset="-127"/>
+                <a:cs typeface="+mn-cs"/>
+              </a:rPr>
+              <a:t>중에 없을 경우</a:t>
+            </a:r>
+            <a:r>
+              <a:rPr kumimoji="0" lang="en-US" altLang="ko-KR" sz="1400" b="1" i="0" u="none" strike="noStrike" kern="1200" cap="none" spc="0" normalizeH="0" baseline="0" noProof="0" dirty="0" smtClean="0">
+                <a:ln>
+                  <a:noFill/>
+                </a:ln>
+                <a:solidFill>
+                  <a:srgbClr val="44546A"/>
+                </a:solidFill>
+                <a:effectLst/>
+                <a:uLnTx/>
+                <a:uFillTx/>
+                <a:latin typeface="맑은 고딕" panose="020F0502020204030204"/>
+                <a:ea typeface="맑은 고딕" panose="020B0503020000020004" pitchFamily="50" charset="-127"/>
+                <a:cs typeface="+mn-cs"/>
+              </a:rPr>
+              <a:t>, </a:t>
+            </a:r>
+            <a:r>
+              <a:rPr kumimoji="0" lang="en-US" altLang="ko-KR" sz="1400" b="1" i="0" u="none" strike="noStrike" kern="1200" cap="none" spc="0" normalizeH="0" baseline="0" noProof="0" dirty="0" smtClean="0">
+                <a:ln>
+                  <a:noFill/>
+                </a:ln>
+                <a:solidFill>
+                  <a:srgbClr val="57A2F4"/>
+                </a:solidFill>
+                <a:effectLst/>
+                <a:uLnTx/>
+                <a:uFillTx/>
+                <a:latin typeface="맑은 고딕" panose="020F0502020204030204"/>
+                <a:ea typeface="맑은 고딕" panose="020B0503020000020004" pitchFamily="50" charset="-127"/>
+                <a:cs typeface="+mn-cs"/>
+              </a:rPr>
+              <a:t>‘</a:t>
+            </a:r>
+            <a:r>
+              <a:rPr kumimoji="0" lang="ko-KR" altLang="en-US" sz="1400" b="1" i="0" u="none" strike="noStrike" kern="1200" cap="none" spc="0" normalizeH="0" baseline="0" noProof="0" dirty="0" smtClean="0">
+                <a:ln>
+                  <a:noFill/>
+                </a:ln>
+                <a:solidFill>
+                  <a:srgbClr val="57A2F4"/>
+                </a:solidFill>
+                <a:effectLst/>
+                <a:uLnTx/>
+                <a:uFillTx/>
+                <a:latin typeface="맑은 고딕" panose="020F0502020204030204"/>
+                <a:ea typeface="맑은 고딕" panose="020B0503020000020004" pitchFamily="50" charset="-127"/>
+                <a:cs typeface="+mn-cs"/>
+              </a:rPr>
+              <a:t>없음</a:t>
+            </a:r>
+            <a:r>
+              <a:rPr kumimoji="0" lang="en-US" altLang="ko-KR" sz="1400" b="1" i="0" u="none" strike="noStrike" kern="1200" cap="none" spc="0" normalizeH="0" baseline="0" noProof="0" dirty="0" smtClean="0">
+                <a:ln>
+                  <a:noFill/>
+                </a:ln>
+                <a:solidFill>
+                  <a:srgbClr val="57A2F4"/>
+                </a:solidFill>
+                <a:effectLst/>
+                <a:uLnTx/>
+                <a:uFillTx/>
+                <a:latin typeface="맑은 고딕" panose="020F0502020204030204"/>
+                <a:ea typeface="맑은 고딕" panose="020B0503020000020004" pitchFamily="50" charset="-127"/>
+                <a:cs typeface="+mn-cs"/>
+              </a:rPr>
+              <a:t>’</a:t>
+            </a:r>
+            <a:r>
+              <a:rPr kumimoji="0" lang="ko-KR" altLang="en-US" sz="1400" b="1" i="0" u="none" strike="noStrike" kern="1200" cap="none" spc="0" normalizeH="0" baseline="0" noProof="0" dirty="0" smtClean="0">
+                <a:ln>
+                  <a:noFill/>
+                </a:ln>
+                <a:solidFill>
+                  <a:srgbClr val="57A2F4"/>
+                </a:solidFill>
+                <a:effectLst/>
+                <a:uLnTx/>
+                <a:uFillTx/>
+                <a:latin typeface="맑은 고딕" panose="020F0502020204030204"/>
+                <a:ea typeface="맑은 고딕" panose="020B0503020000020004" pitchFamily="50" charset="-127"/>
+                <a:cs typeface="+mn-cs"/>
+              </a:rPr>
+              <a:t>으로 분류할 수 있는 </a:t>
+            </a:r>
+            <a:r>
+              <a:rPr kumimoji="0" lang="en-US" altLang="ko-KR" sz="1400" b="1" i="0" u="none" strike="noStrike" kern="1200" cap="none" spc="0" normalizeH="0" baseline="0" noProof="0" dirty="0" smtClean="0">
+                <a:ln>
+                  <a:noFill/>
+                </a:ln>
+                <a:solidFill>
+                  <a:srgbClr val="57A2F4"/>
+                </a:solidFill>
+                <a:effectLst/>
+                <a:uLnTx/>
+                <a:uFillTx/>
+                <a:latin typeface="맑은 고딕" panose="020F0502020204030204"/>
+                <a:ea typeface="맑은 고딕" panose="020B0503020000020004" pitchFamily="50" charset="-127"/>
+                <a:cs typeface="+mn-cs"/>
+              </a:rPr>
+              <a:t>Unseen Class </a:t>
+            </a:r>
+            <a:r>
+              <a:rPr kumimoji="0" lang="ko-KR" altLang="en-US" sz="1400" b="1" i="0" u="none" strike="noStrike" kern="1200" cap="none" spc="0" normalizeH="0" baseline="0" noProof="0" dirty="0" smtClean="0">
+                <a:ln>
+                  <a:noFill/>
+                </a:ln>
+                <a:solidFill>
+                  <a:srgbClr val="57A2F4"/>
+                </a:solidFill>
+                <a:effectLst/>
+                <a:uLnTx/>
+                <a:uFillTx/>
+                <a:latin typeface="맑은 고딕" panose="020F0502020204030204"/>
+                <a:ea typeface="맑은 고딕" panose="020B0503020000020004" pitchFamily="50" charset="-127"/>
+                <a:cs typeface="+mn-cs"/>
+              </a:rPr>
+              <a:t>추가 학습 </a:t>
+            </a:r>
+            <a:r>
+              <a:rPr kumimoji="0" lang="ko-KR" altLang="en-US" sz="1400" b="1" i="0" u="none" strike="noStrike" kern="1200" cap="none" spc="0" normalizeH="0" baseline="0" noProof="0" dirty="0" smtClean="0">
+                <a:ln>
+                  <a:noFill/>
+                </a:ln>
+                <a:solidFill>
+                  <a:srgbClr val="44546A"/>
+                </a:solidFill>
+                <a:effectLst/>
+                <a:uLnTx/>
+                <a:uFillTx/>
+                <a:latin typeface="맑은 고딕" panose="020F0502020204030204"/>
+                <a:ea typeface="맑은 고딕" panose="020B0503020000020004" pitchFamily="50" charset="-127"/>
+                <a:cs typeface="+mn-cs"/>
+              </a:rPr>
+              <a:t>필요</a:t>
+            </a:r>
+            <a:endParaRPr kumimoji="0" lang="en-US" altLang="ko-KR" sz="1400" b="1" i="0" u="none" strike="noStrike" kern="1200" cap="none" spc="0" normalizeH="0" baseline="0" noProof="0" dirty="0" smtClean="0">
+              <a:ln>
+                <a:noFill/>
+              </a:ln>
+              <a:solidFill>
+                <a:srgbClr val="44546A"/>
+              </a:solidFill>
+              <a:effectLst/>
+              <a:uLnTx/>
+              <a:uFillTx/>
+              <a:latin typeface="맑은 고딕" panose="020F0502020204030204"/>
+              <a:ea typeface="맑은 고딕" panose="020B0503020000020004" pitchFamily="50" charset="-127"/>
+              <a:cs typeface="+mn-cs"/>
+            </a:endParaRPr>
+          </a:p>
+          <a:p>
+            <a:pPr marL="0" marR="0" lvl="0" indent="0" algn="l" defTabSz="914400" rtl="0" eaLnBrk="1" fontAlgn="auto" latinLnBrk="1" hangingPunct="1">
+              <a:lnSpc>
+                <a:spcPct val="150000"/>
+              </a:lnSpc>
+              <a:spcBef>
+                <a:spcPts val="0"/>
+              </a:spcBef>
+              <a:spcAft>
+                <a:spcPts val="0"/>
+              </a:spcAft>
+              <a:buClrTx/>
+              <a:buSzTx/>
+              <a:buFontTx/>
+              <a:buNone/>
+              <a:tabLst/>
+              <a:defRPr/>
+            </a:pPr>
+            <a:r>
+              <a:rPr kumimoji="0" lang="en-US" altLang="ko-KR" sz="1200" b="1" i="0" u="none" strike="noStrike" kern="1200" cap="none" spc="0" normalizeH="0" baseline="0" noProof="0" dirty="0">
+                <a:ln>
+                  <a:noFill/>
+                </a:ln>
+                <a:solidFill>
+                  <a:srgbClr val="44546A"/>
+                </a:solidFill>
+                <a:effectLst/>
+                <a:uLnTx/>
+                <a:uFillTx/>
+                <a:latin typeface="맑은 고딕" panose="020F0502020204030204"/>
+                <a:ea typeface="맑은 고딕" panose="020B0503020000020004" pitchFamily="50" charset="-127"/>
+                <a:cs typeface="+mn-cs"/>
+              </a:rPr>
+              <a:t> </a:t>
+            </a:r>
+            <a:r>
+              <a:rPr kumimoji="0" lang="en-US" altLang="ko-KR" sz="1200" b="1" i="0" u="none" strike="noStrike" kern="1200" cap="none" spc="0" normalizeH="0" baseline="0" noProof="0" dirty="0" smtClean="0">
+                <a:ln>
+                  <a:noFill/>
+                </a:ln>
+                <a:solidFill>
+                  <a:srgbClr val="44546A"/>
+                </a:solidFill>
+                <a:effectLst/>
+                <a:uLnTx/>
+                <a:uFillTx/>
+                <a:latin typeface="맑은 고딕" panose="020F0502020204030204"/>
+                <a:ea typeface="맑은 고딕" panose="020B0503020000020004" pitchFamily="50" charset="-127"/>
+                <a:cs typeface="+mn-cs"/>
+              </a:rPr>
+              <a:t>   - </a:t>
+            </a:r>
+            <a:r>
+              <a:rPr kumimoji="0" lang="ko-KR" altLang="en-US" sz="1200" b="1" i="0" u="none" strike="noStrike" kern="1200" cap="none" spc="0" normalizeH="0" baseline="0" noProof="0" dirty="0" smtClean="0">
+                <a:ln>
+                  <a:noFill/>
+                </a:ln>
+                <a:solidFill>
+                  <a:srgbClr val="44546A"/>
+                </a:solidFill>
+                <a:effectLst/>
+                <a:uLnTx/>
+                <a:uFillTx/>
+                <a:latin typeface="맑은 고딕" panose="020F0502020204030204"/>
+                <a:ea typeface="맑은 고딕" panose="020B0503020000020004" pitchFamily="50" charset="-127"/>
+                <a:cs typeface="+mn-cs"/>
+              </a:rPr>
+              <a:t>여러 종류의 불특정 음식 사진들을 모아 </a:t>
+            </a:r>
+            <a:r>
+              <a:rPr kumimoji="0" lang="en-US" altLang="ko-KR" sz="1200" b="1" i="0" u="none" strike="noStrike" kern="1200" cap="none" spc="0" normalizeH="0" baseline="0" noProof="0" dirty="0" smtClean="0">
+                <a:ln>
+                  <a:noFill/>
+                </a:ln>
+                <a:solidFill>
+                  <a:srgbClr val="44546A"/>
+                </a:solidFill>
+                <a:effectLst/>
+                <a:uLnTx/>
+                <a:uFillTx/>
+                <a:latin typeface="맑은 고딕" panose="020F0502020204030204"/>
+                <a:ea typeface="맑은 고딕" panose="020B0503020000020004" pitchFamily="50" charset="-127"/>
+                <a:cs typeface="+mn-cs"/>
+              </a:rPr>
+              <a:t>unseen class</a:t>
+            </a:r>
+            <a:r>
+              <a:rPr kumimoji="0" lang="ko-KR" altLang="en-US" sz="1200" b="1" i="0" u="none" strike="noStrike" kern="1200" cap="none" spc="0" normalizeH="0" baseline="0" noProof="0" dirty="0" smtClean="0">
+                <a:ln>
+                  <a:noFill/>
+                </a:ln>
+                <a:solidFill>
+                  <a:srgbClr val="44546A"/>
+                </a:solidFill>
+                <a:effectLst/>
+                <a:uLnTx/>
+                <a:uFillTx/>
+                <a:latin typeface="맑은 고딕" panose="020F0502020204030204"/>
+                <a:ea typeface="맑은 고딕" panose="020B0503020000020004" pitchFamily="50" charset="-127"/>
+                <a:cs typeface="+mn-cs"/>
+              </a:rPr>
+              <a:t>로 분류 후</a:t>
+            </a:r>
+            <a:r>
+              <a:rPr kumimoji="0" lang="en-US" altLang="ko-KR" sz="1200" b="1" i="0" u="none" strike="noStrike" kern="1200" cap="none" spc="0" normalizeH="0" baseline="0" noProof="0" dirty="0" smtClean="0">
+                <a:ln>
+                  <a:noFill/>
+                </a:ln>
+                <a:solidFill>
+                  <a:srgbClr val="44546A"/>
+                </a:solidFill>
+                <a:effectLst/>
+                <a:uLnTx/>
+                <a:uFillTx/>
+                <a:latin typeface="맑은 고딕" panose="020F0502020204030204"/>
+                <a:ea typeface="맑은 고딕" panose="020B0503020000020004" pitchFamily="50" charset="-127"/>
+                <a:cs typeface="+mn-cs"/>
+              </a:rPr>
+              <a:t>, </a:t>
+            </a:r>
+            <a:r>
+              <a:rPr kumimoji="0" lang="ko-KR" altLang="en-US" sz="1200" b="1" i="0" u="none" strike="noStrike" kern="1200" cap="none" spc="0" normalizeH="0" baseline="0" noProof="0" dirty="0" smtClean="0">
+                <a:ln>
+                  <a:noFill/>
+                </a:ln>
+                <a:solidFill>
+                  <a:srgbClr val="44546A"/>
+                </a:solidFill>
+                <a:effectLst/>
+                <a:uLnTx/>
+                <a:uFillTx/>
+                <a:latin typeface="맑은 고딕" panose="020F0502020204030204"/>
+                <a:ea typeface="맑은 고딕" panose="020B0503020000020004" pitchFamily="50" charset="-127"/>
+                <a:cs typeface="+mn-cs"/>
+              </a:rPr>
+              <a:t>모델 구현해보았으나</a:t>
+            </a:r>
+            <a:r>
+              <a:rPr kumimoji="0" lang="en-US" altLang="ko-KR" sz="1200" b="1" i="0" u="none" strike="noStrike" kern="1200" cap="none" spc="0" normalizeH="0" baseline="0" noProof="0" dirty="0">
+                <a:ln>
+                  <a:noFill/>
+                </a:ln>
+                <a:solidFill>
+                  <a:srgbClr val="44546A"/>
+                </a:solidFill>
+                <a:effectLst/>
+                <a:uLnTx/>
+                <a:uFillTx/>
+                <a:latin typeface="맑은 고딕" panose="020F0502020204030204"/>
+                <a:ea typeface="맑은 고딕" panose="020B0503020000020004" pitchFamily="50" charset="-127"/>
+                <a:cs typeface="+mn-cs"/>
+              </a:rPr>
+              <a:t> </a:t>
+            </a:r>
+            <a:r>
+              <a:rPr kumimoji="0" lang="ko-KR" altLang="en-US" sz="1200" b="1" i="0" u="none" strike="noStrike" kern="1200" cap="none" spc="0" normalizeH="0" baseline="0" noProof="0" dirty="0" smtClean="0">
+                <a:ln>
+                  <a:noFill/>
+                </a:ln>
+                <a:solidFill>
+                  <a:srgbClr val="44546A"/>
+                </a:solidFill>
+                <a:effectLst/>
+                <a:uLnTx/>
+                <a:uFillTx/>
+                <a:latin typeface="맑은 고딕" panose="020F0502020204030204"/>
+                <a:ea typeface="맑은 고딕" panose="020B0503020000020004" pitchFamily="50" charset="-127"/>
+                <a:cs typeface="+mn-cs"/>
+              </a:rPr>
+              <a:t>전체적인 </a:t>
+            </a:r>
+            <a:r>
+              <a:rPr kumimoji="0" lang="en-US" altLang="ko-KR" sz="1200" b="1" i="0" u="none" strike="noStrike" kern="1200" cap="none" spc="0" normalizeH="0" baseline="0" noProof="0" dirty="0" smtClean="0">
+                <a:ln>
+                  <a:noFill/>
+                </a:ln>
+                <a:solidFill>
+                  <a:srgbClr val="44546A"/>
+                </a:solidFill>
+                <a:effectLst/>
+                <a:uLnTx/>
+                <a:uFillTx/>
+                <a:latin typeface="맑은 고딕" panose="020F0502020204030204"/>
+                <a:ea typeface="맑은 고딕" panose="020B0503020000020004" pitchFamily="50" charset="-127"/>
+                <a:cs typeface="+mn-cs"/>
+              </a:rPr>
+              <a:t>Accuracy </a:t>
+            </a:r>
+            <a:r>
+              <a:rPr kumimoji="0" lang="ko-KR" altLang="en-US" sz="1200" b="1" i="0" u="none" strike="noStrike" kern="1200" cap="none" spc="0" normalizeH="0" baseline="0" noProof="0" dirty="0" smtClean="0">
+                <a:ln>
+                  <a:noFill/>
+                </a:ln>
+                <a:solidFill>
+                  <a:srgbClr val="44546A"/>
+                </a:solidFill>
+                <a:effectLst/>
+                <a:uLnTx/>
+                <a:uFillTx/>
+                <a:latin typeface="맑은 고딕" panose="020F0502020204030204"/>
+                <a:ea typeface="맑은 고딕" panose="020B0503020000020004" pitchFamily="50" charset="-127"/>
+                <a:cs typeface="+mn-cs"/>
+              </a:rPr>
+              <a:t>하락 ⇒ </a:t>
+            </a:r>
+            <a:r>
+              <a:rPr kumimoji="0" lang="en-US" altLang="ko-KR" sz="1200" b="1" i="0" u="none" strike="noStrike" kern="1200" cap="none" spc="0" normalizeH="0" baseline="0" noProof="0" dirty="0" smtClean="0">
+                <a:ln>
+                  <a:noFill/>
+                </a:ln>
+                <a:solidFill>
+                  <a:srgbClr val="44546A"/>
+                </a:solidFill>
+                <a:effectLst/>
+                <a:uLnTx/>
+                <a:uFillTx/>
+                <a:latin typeface="맑은 고딕" panose="020F0502020204030204"/>
+                <a:ea typeface="맑은 고딕" panose="020B0503020000020004" pitchFamily="50" charset="-127"/>
+                <a:cs typeface="+mn-cs"/>
+              </a:rPr>
+              <a:t> </a:t>
+            </a:r>
+            <a:r>
+              <a:rPr kumimoji="0" lang="en-US" altLang="ko-KR" sz="1200" b="1" i="0" u="none" strike="noStrike" kern="1200" cap="none" spc="0" normalizeH="0" baseline="0" noProof="0" dirty="0" smtClean="0">
+                <a:ln>
+                  <a:noFill/>
+                </a:ln>
+                <a:solidFill>
+                  <a:srgbClr val="57A2F4"/>
+                </a:solidFill>
+                <a:effectLst/>
+                <a:uLnTx/>
+                <a:uFillTx/>
+                <a:latin typeface="맑은 고딕" panose="020F0502020204030204"/>
+                <a:ea typeface="맑은 고딕" panose="020B0503020000020004" pitchFamily="50" charset="-127"/>
+                <a:cs typeface="+mn-cs"/>
+              </a:rPr>
+              <a:t>Metric Learning </a:t>
+            </a:r>
+            <a:r>
+              <a:rPr kumimoji="0" lang="ko-KR" altLang="en-US" sz="1200" b="1" i="0" u="none" strike="noStrike" kern="1200" cap="none" spc="0" normalizeH="0" baseline="0" noProof="0" dirty="0" smtClean="0">
+                <a:ln>
+                  <a:noFill/>
+                </a:ln>
+                <a:solidFill>
+                  <a:srgbClr val="44546A"/>
+                </a:solidFill>
+                <a:effectLst/>
+                <a:uLnTx/>
+                <a:uFillTx/>
+                <a:latin typeface="맑은 고딕" panose="020F0502020204030204"/>
+                <a:ea typeface="맑은 고딕" panose="020B0503020000020004" pitchFamily="50" charset="-127"/>
+                <a:cs typeface="+mn-cs"/>
+              </a:rPr>
+              <a:t>등 추가 검토</a:t>
+            </a:r>
+            <a:r>
+              <a:rPr kumimoji="0" lang="en-US" altLang="ko-KR" sz="1200" b="1" i="0" u="none" strike="noStrike" kern="1200" cap="none" spc="0" normalizeH="0" baseline="0" noProof="0" dirty="0" smtClean="0">
+                <a:ln>
+                  <a:noFill/>
+                </a:ln>
+                <a:solidFill>
+                  <a:srgbClr val="44546A"/>
+                </a:solidFill>
+                <a:effectLst/>
+                <a:uLnTx/>
+                <a:uFillTx/>
+                <a:latin typeface="맑은 고딕" panose="020F0502020204030204"/>
+                <a:ea typeface="맑은 고딕" panose="020B0503020000020004" pitchFamily="50" charset="-127"/>
+                <a:cs typeface="+mn-cs"/>
+              </a:rPr>
+              <a:t> </a:t>
+            </a:r>
+          </a:p>
+          <a:p>
+            <a:pPr marL="285750" marR="0" lvl="0" indent="-285750" algn="l" defTabSz="914400" rtl="0" eaLnBrk="1" fontAlgn="auto" latinLnBrk="1" hangingPunct="1">
+              <a:lnSpc>
+                <a:spcPct val="150000"/>
+              </a:lnSpc>
+              <a:spcBef>
+                <a:spcPts val="0"/>
+              </a:spcBef>
+              <a:spcAft>
+                <a:spcPts val="0"/>
+              </a:spcAft>
+              <a:buClrTx/>
+              <a:buSzTx/>
+              <a:buFont typeface="Arial" panose="020B0604020202020204" pitchFamily="34" charset="0"/>
+              <a:buChar char="•"/>
+              <a:tabLst/>
+              <a:defRPr/>
+            </a:pPr>
+            <a:r>
+              <a:rPr kumimoji="0" lang="ko-KR" altLang="en-US" sz="1400" b="1" i="0" u="none" strike="noStrike" kern="1200" cap="none" spc="0" normalizeH="0" baseline="0" noProof="0" dirty="0" smtClean="0">
+                <a:ln>
+                  <a:noFill/>
+                </a:ln>
+                <a:solidFill>
+                  <a:srgbClr val="44546A"/>
+                </a:solidFill>
+                <a:effectLst/>
+                <a:uLnTx/>
+                <a:uFillTx/>
+                <a:latin typeface="맑은 고딕" panose="020F0502020204030204"/>
+                <a:ea typeface="맑은 고딕" panose="020B0503020000020004" pitchFamily="50" charset="-127"/>
+                <a:cs typeface="+mn-cs"/>
+              </a:rPr>
+              <a:t>본 프로젝트에서는 빠른 학습을 위해</a:t>
+            </a:r>
+            <a:r>
+              <a:rPr kumimoji="0" lang="en-US" altLang="ko-KR" sz="1400" b="1" i="0" u="none" strike="noStrike" kern="1200" cap="none" spc="0" normalizeH="0" baseline="0" noProof="0" dirty="0">
+                <a:ln>
+                  <a:noFill/>
+                </a:ln>
+                <a:solidFill>
+                  <a:srgbClr val="44546A"/>
+                </a:solidFill>
+                <a:effectLst/>
+                <a:uLnTx/>
+                <a:uFillTx/>
+                <a:latin typeface="맑은 고딕" panose="020F0502020204030204"/>
+                <a:ea typeface="맑은 고딕" panose="020B0503020000020004" pitchFamily="50" charset="-127"/>
+                <a:cs typeface="+mn-cs"/>
+              </a:rPr>
+              <a:t> </a:t>
+            </a:r>
+            <a:r>
+              <a:rPr kumimoji="0" lang="ko-KR" altLang="en-US" sz="1400" b="1" i="0" u="none" strike="noStrike" kern="1200" cap="none" spc="0" normalizeH="0" baseline="0" noProof="0" dirty="0" err="1" smtClean="0">
+                <a:ln>
+                  <a:noFill/>
+                </a:ln>
+                <a:solidFill>
+                  <a:srgbClr val="44546A"/>
+                </a:solidFill>
+                <a:effectLst/>
+                <a:uLnTx/>
+                <a:uFillTx/>
+                <a:latin typeface="맑은 고딕" panose="020F0502020204030204"/>
+                <a:ea typeface="맑은 고딕" panose="020B0503020000020004" pitchFamily="50" charset="-127"/>
+                <a:cs typeface="+mn-cs"/>
+              </a:rPr>
+              <a:t>파라미터</a:t>
+            </a:r>
+            <a:r>
+              <a:rPr kumimoji="0" lang="en-US" altLang="ko-KR" sz="1400" b="1" i="0" u="none" strike="noStrike" kern="1200" cap="none" spc="0" normalizeH="0" baseline="0" noProof="0" dirty="0" smtClean="0">
+                <a:ln>
+                  <a:noFill/>
+                </a:ln>
+                <a:solidFill>
+                  <a:srgbClr val="44546A"/>
+                </a:solidFill>
+                <a:effectLst/>
+                <a:uLnTx/>
+                <a:uFillTx/>
+                <a:latin typeface="맑은 고딕" panose="020F0502020204030204"/>
+                <a:ea typeface="맑은 고딕" panose="020B0503020000020004" pitchFamily="50" charset="-127"/>
+                <a:cs typeface="+mn-cs"/>
+              </a:rPr>
+              <a:t> </a:t>
+            </a:r>
+            <a:r>
+              <a:rPr kumimoji="0" lang="ko-KR" altLang="en-US" sz="1400" b="1" i="0" u="none" strike="noStrike" kern="1200" cap="none" spc="0" normalizeH="0" baseline="0" noProof="0" dirty="0" smtClean="0">
+                <a:ln>
+                  <a:noFill/>
+                </a:ln>
+                <a:solidFill>
+                  <a:srgbClr val="44546A"/>
+                </a:solidFill>
+                <a:effectLst/>
+                <a:uLnTx/>
+                <a:uFillTx/>
+                <a:latin typeface="맑은 고딕" panose="020F0502020204030204"/>
+                <a:ea typeface="맑은 고딕" panose="020B0503020000020004" pitchFamily="50" charset="-127"/>
+                <a:cs typeface="+mn-cs"/>
+              </a:rPr>
+              <a:t>수가 적은 모델을 활용했으나</a:t>
+            </a:r>
+            <a:r>
+              <a:rPr kumimoji="0" lang="en-US" altLang="ko-KR" sz="1400" b="1" i="0" u="none" strike="noStrike" kern="1200" cap="none" spc="0" normalizeH="0" baseline="0" noProof="0" dirty="0" smtClean="0">
+                <a:ln>
+                  <a:noFill/>
+                </a:ln>
+                <a:solidFill>
+                  <a:srgbClr val="44546A"/>
+                </a:solidFill>
+                <a:effectLst/>
+                <a:uLnTx/>
+                <a:uFillTx/>
+                <a:latin typeface="맑은 고딕" panose="020F0502020204030204"/>
+                <a:ea typeface="맑은 고딕" panose="020B0503020000020004" pitchFamily="50" charset="-127"/>
+                <a:cs typeface="+mn-cs"/>
+              </a:rPr>
+              <a:t>, </a:t>
+            </a:r>
+            <a:r>
+              <a:rPr kumimoji="0" lang="ko-KR" altLang="en-US" sz="1400" b="1" i="0" u="none" strike="noStrike" kern="1200" cap="none" spc="0" normalizeH="0" baseline="0" noProof="0" dirty="0" smtClean="0">
+                <a:ln>
+                  <a:noFill/>
+                </a:ln>
+                <a:solidFill>
+                  <a:srgbClr val="57A2F4"/>
+                </a:solidFill>
+                <a:effectLst/>
+                <a:uLnTx/>
+                <a:uFillTx/>
+                <a:latin typeface="맑은 고딕" panose="020F0502020204030204"/>
+                <a:ea typeface="맑은 고딕" panose="020B0503020000020004" pitchFamily="50" charset="-127"/>
+                <a:cs typeface="+mn-cs"/>
+              </a:rPr>
+              <a:t>성능이 월등한 타 모델들을 활용 시에 정확도 향상</a:t>
+            </a:r>
+            <a:r>
+              <a:rPr kumimoji="0" lang="ko-KR" altLang="en-US" sz="1400" b="1" i="0" u="none" strike="noStrike" kern="1200" cap="none" spc="0" normalizeH="0" baseline="0" noProof="0" dirty="0" smtClean="0">
+                <a:ln>
+                  <a:noFill/>
+                </a:ln>
+                <a:solidFill>
+                  <a:srgbClr val="44546A"/>
+                </a:solidFill>
+                <a:effectLst/>
+                <a:uLnTx/>
+                <a:uFillTx/>
+                <a:latin typeface="맑은 고딕" panose="020F0502020204030204"/>
+                <a:ea typeface="맑은 고딕" panose="020B0503020000020004" pitchFamily="50" charset="-127"/>
+                <a:cs typeface="+mn-cs"/>
+              </a:rPr>
+              <a:t>이 기대됨</a:t>
+            </a:r>
+            <a:endParaRPr kumimoji="0" lang="en-US" altLang="ko-KR" sz="1400" b="1" i="0" u="none" strike="noStrike" kern="1200" cap="none" spc="0" normalizeH="0" baseline="0" noProof="0" dirty="0" smtClean="0">
+              <a:ln>
+                <a:noFill/>
+              </a:ln>
+              <a:solidFill>
+                <a:srgbClr val="44546A"/>
+              </a:solidFill>
+              <a:effectLst/>
+              <a:uLnTx/>
+              <a:uFillTx/>
+              <a:latin typeface="맑은 고딕" panose="020F0502020204030204"/>
+              <a:ea typeface="맑은 고딕" panose="020B0503020000020004" pitchFamily="50" charset="-127"/>
+              <a:cs typeface="+mn-cs"/>
+            </a:endParaRPr>
+          </a:p>
+          <a:p>
+            <a:pPr marL="0" marR="0" lvl="0" indent="0" algn="l" defTabSz="914400" rtl="0" eaLnBrk="1" fontAlgn="auto" latinLnBrk="1" hangingPunct="1">
+              <a:lnSpc>
+                <a:spcPct val="150000"/>
+              </a:lnSpc>
+              <a:spcBef>
+                <a:spcPts val="0"/>
+              </a:spcBef>
+              <a:spcAft>
+                <a:spcPts val="0"/>
+              </a:spcAft>
+              <a:buClrTx/>
+              <a:buSzTx/>
+              <a:buFontTx/>
+              <a:buNone/>
+              <a:tabLst/>
+              <a:defRPr/>
+            </a:pPr>
+            <a:r>
+              <a:rPr kumimoji="0" lang="en-US" altLang="ko-KR" sz="1400" b="1" i="0" u="none" strike="noStrike" kern="1200" cap="none" spc="0" normalizeH="0" baseline="0" noProof="0" dirty="0">
+                <a:ln>
+                  <a:noFill/>
+                </a:ln>
+                <a:solidFill>
+                  <a:srgbClr val="44546A"/>
+                </a:solidFill>
+                <a:effectLst/>
+                <a:uLnTx/>
+                <a:uFillTx/>
+                <a:latin typeface="맑은 고딕" panose="020F0502020204030204"/>
+                <a:ea typeface="맑은 고딕" panose="020B0503020000020004" pitchFamily="50" charset="-127"/>
+                <a:cs typeface="+mn-cs"/>
+              </a:rPr>
+              <a:t> </a:t>
+            </a:r>
+            <a:r>
+              <a:rPr kumimoji="0" lang="en-US" altLang="ko-KR" sz="1400" b="1" i="0" u="none" strike="noStrike" kern="1200" cap="none" spc="0" normalizeH="0" baseline="0" noProof="0" dirty="0" smtClean="0">
+                <a:ln>
+                  <a:noFill/>
+                </a:ln>
+                <a:solidFill>
+                  <a:srgbClr val="44546A"/>
+                </a:solidFill>
+                <a:effectLst/>
+                <a:uLnTx/>
+                <a:uFillTx/>
+                <a:latin typeface="맑은 고딕" panose="020F0502020204030204"/>
+                <a:ea typeface="맑은 고딕" panose="020B0503020000020004" pitchFamily="50" charset="-127"/>
+                <a:cs typeface="+mn-cs"/>
+              </a:rPr>
+              <a:t>   </a:t>
+            </a:r>
+            <a:r>
+              <a:rPr kumimoji="0" lang="en-US" altLang="ko-KR" sz="1200" b="1" i="0" u="none" strike="noStrike" kern="1200" cap="none" spc="0" normalizeH="0" baseline="0" noProof="0" dirty="0" smtClean="0">
+                <a:ln>
+                  <a:noFill/>
+                </a:ln>
+                <a:solidFill>
+                  <a:srgbClr val="44546A"/>
+                </a:solidFill>
+                <a:effectLst/>
+                <a:uLnTx/>
+                <a:uFillTx/>
+                <a:latin typeface="맑은 고딕" panose="020F0502020204030204"/>
+                <a:ea typeface="맑은 고딕" panose="020B0503020000020004" pitchFamily="50" charset="-127"/>
+                <a:cs typeface="+mn-cs"/>
+              </a:rPr>
+              <a:t>- </a:t>
+            </a:r>
+            <a:r>
+              <a:rPr kumimoji="0" lang="en-US" altLang="ko-KR" sz="1100" b="1" i="0" u="none" strike="noStrike" kern="1200" cap="none" spc="0" normalizeH="0" baseline="0" noProof="0" dirty="0" err="1" smtClean="0">
+                <a:ln>
+                  <a:noFill/>
+                </a:ln>
+                <a:solidFill>
+                  <a:srgbClr val="44546A"/>
+                </a:solidFill>
+                <a:effectLst/>
+                <a:uLnTx/>
+                <a:uFillTx/>
+                <a:latin typeface="맑은 고딕" panose="020F0502020204030204"/>
+                <a:ea typeface="맑은 고딕" panose="020B0503020000020004" pitchFamily="50" charset="-127"/>
+                <a:cs typeface="+mn-cs"/>
+              </a:rPr>
+              <a:t>CoCa</a:t>
+            </a:r>
+            <a:r>
+              <a:rPr kumimoji="0" lang="en-US" altLang="ko-KR" sz="1100" b="1" i="0" u="none" strike="noStrike" kern="1200" cap="none" spc="0" normalizeH="0" baseline="0" noProof="0" dirty="0" smtClean="0">
+                <a:ln>
+                  <a:noFill/>
+                </a:ln>
+                <a:solidFill>
+                  <a:srgbClr val="44546A"/>
+                </a:solidFill>
+                <a:effectLst/>
+                <a:uLnTx/>
+                <a:uFillTx/>
+                <a:latin typeface="맑은 고딕" panose="020F0502020204030204"/>
+                <a:ea typeface="맑은 고딕" panose="020B0503020000020004" pitchFamily="50" charset="-127"/>
+                <a:cs typeface="+mn-cs"/>
+              </a:rPr>
+              <a:t>(</a:t>
+            </a:r>
+            <a:r>
+              <a:rPr kumimoji="0" lang="en-US" altLang="ko-KR" sz="1100" b="1" i="0" u="none" strike="noStrike" kern="1200" cap="none" spc="0" normalizeH="0" baseline="0" noProof="0" dirty="0">
+                <a:ln>
+                  <a:noFill/>
+                </a:ln>
+                <a:solidFill>
+                  <a:srgbClr val="44546A"/>
+                </a:solidFill>
+                <a:effectLst/>
+                <a:uLnTx/>
+                <a:uFillTx/>
+                <a:latin typeface="맑은 고딕" panose="020F0502020204030204"/>
+                <a:ea typeface="맑은 고딕" panose="020B0503020000020004" pitchFamily="50" charset="-127"/>
+                <a:cs typeface="+mn-cs"/>
+              </a:rPr>
+              <a:t>Top1 Accuracy </a:t>
+            </a:r>
+            <a:r>
+              <a:rPr kumimoji="0" lang="en-US" altLang="ko-KR" sz="1100" b="1" i="0" u="none" strike="noStrike" kern="1200" cap="none" spc="0" normalizeH="0" baseline="0" noProof="0" dirty="0" smtClean="0">
+                <a:ln>
+                  <a:noFill/>
+                </a:ln>
+                <a:solidFill>
+                  <a:srgbClr val="44546A"/>
+                </a:solidFill>
+                <a:effectLst/>
+                <a:uLnTx/>
+                <a:uFillTx/>
+                <a:latin typeface="맑은 고딕" panose="020F0502020204030204"/>
+                <a:ea typeface="맑은 고딕" panose="020B0503020000020004" pitchFamily="50" charset="-127"/>
+                <a:cs typeface="+mn-cs"/>
+              </a:rPr>
+              <a:t>91%, parameter </a:t>
+            </a:r>
+            <a:r>
+              <a:rPr kumimoji="0" lang="ko-KR" altLang="en-US" sz="1100" b="1" i="0" u="none" strike="noStrike" kern="1200" cap="none" spc="0" normalizeH="0" baseline="0" noProof="0" dirty="0" smtClean="0">
+                <a:ln>
+                  <a:noFill/>
+                </a:ln>
+                <a:solidFill>
+                  <a:srgbClr val="44546A"/>
+                </a:solidFill>
+                <a:effectLst/>
+                <a:uLnTx/>
+                <a:uFillTx/>
+                <a:latin typeface="맑은 고딕" panose="020F0502020204030204"/>
+                <a:ea typeface="맑은 고딕" panose="020B0503020000020004" pitchFamily="50" charset="-127"/>
+                <a:cs typeface="+mn-cs"/>
+              </a:rPr>
+              <a:t>수 </a:t>
+            </a:r>
+            <a:r>
+              <a:rPr kumimoji="0" lang="en-US" altLang="ko-KR" sz="1100" b="1" i="0" u="none" strike="noStrike" kern="1200" cap="none" spc="0" normalizeH="0" baseline="0" noProof="0" dirty="0" smtClean="0">
+                <a:ln>
+                  <a:noFill/>
+                </a:ln>
+                <a:solidFill>
+                  <a:srgbClr val="44546A"/>
+                </a:solidFill>
+                <a:effectLst/>
+                <a:uLnTx/>
+                <a:uFillTx/>
+                <a:latin typeface="맑은 고딕" panose="020F0502020204030204"/>
+                <a:ea typeface="맑은 고딕" panose="020B0503020000020004" pitchFamily="50" charset="-127"/>
+                <a:cs typeface="+mn-cs"/>
+              </a:rPr>
+              <a:t>2100M</a:t>
+            </a:r>
+            <a:r>
+              <a:rPr kumimoji="0" lang="ko-KR" altLang="en-US" sz="1100" b="1" i="0" u="none" strike="noStrike" kern="1200" cap="none" spc="0" normalizeH="0" baseline="0" noProof="0" dirty="0" smtClean="0">
+                <a:ln>
+                  <a:noFill/>
+                </a:ln>
+                <a:solidFill>
+                  <a:srgbClr val="44546A"/>
+                </a:solidFill>
+                <a:effectLst/>
+                <a:uLnTx/>
+                <a:uFillTx/>
+                <a:latin typeface="맑은 고딕" panose="020F0502020204030204"/>
+                <a:ea typeface="맑은 고딕" panose="020B0503020000020004" pitchFamily="50" charset="-127"/>
+                <a:cs typeface="+mn-cs"/>
+              </a:rPr>
+              <a:t>개</a:t>
+            </a:r>
+            <a:r>
+              <a:rPr kumimoji="0" lang="en-US" altLang="ko-KR" sz="1100" b="1" i="0" u="none" strike="noStrike" kern="1200" cap="none" spc="0" normalizeH="0" baseline="0" noProof="0" dirty="0" smtClean="0">
+                <a:ln>
+                  <a:noFill/>
+                </a:ln>
+                <a:solidFill>
+                  <a:srgbClr val="44546A"/>
+                </a:solidFill>
+                <a:effectLst/>
+                <a:uLnTx/>
+                <a:uFillTx/>
+                <a:latin typeface="맑은 고딕" panose="020F0502020204030204"/>
+                <a:ea typeface="맑은 고딕" panose="020B0503020000020004" pitchFamily="50" charset="-127"/>
+                <a:cs typeface="+mn-cs"/>
+              </a:rPr>
+              <a:t>)</a:t>
+            </a:r>
+            <a:r>
+              <a:rPr kumimoji="0" lang="en-US" altLang="ko-KR" sz="1200" b="1" i="0" u="none" strike="noStrike" kern="1200" cap="none" spc="0" normalizeH="0" baseline="0" noProof="0" dirty="0" smtClean="0">
+                <a:ln>
+                  <a:noFill/>
+                </a:ln>
+                <a:solidFill>
+                  <a:srgbClr val="44546A"/>
+                </a:solidFill>
+                <a:effectLst/>
+                <a:uLnTx/>
+                <a:uFillTx/>
+                <a:latin typeface="맑은 고딕" panose="020F0502020204030204"/>
+                <a:ea typeface="맑은 고딕" panose="020B0503020000020004" pitchFamily="50" charset="-127"/>
+                <a:cs typeface="+mn-cs"/>
+              </a:rPr>
+              <a:t>, Model </a:t>
+            </a:r>
+            <a:r>
+              <a:rPr kumimoji="0" lang="en-US" altLang="ko-KR" sz="1100" b="1" i="0" u="none" strike="noStrike" kern="1200" cap="none" spc="0" normalizeH="0" baseline="0" noProof="0" dirty="0" smtClean="0">
+                <a:ln>
+                  <a:noFill/>
+                </a:ln>
+                <a:solidFill>
+                  <a:srgbClr val="44546A"/>
+                </a:solidFill>
+                <a:effectLst/>
+                <a:uLnTx/>
+                <a:uFillTx/>
+                <a:latin typeface="맑은 고딕" panose="020F0502020204030204"/>
+                <a:ea typeface="맑은 고딕" panose="020B0503020000020004" pitchFamily="50" charset="-127"/>
+                <a:cs typeface="+mn-cs"/>
+              </a:rPr>
+              <a:t>soups(Top1 </a:t>
+            </a:r>
+            <a:r>
+              <a:rPr kumimoji="0" lang="en-US" altLang="ko-KR" sz="1100" b="1" i="0" u="none" strike="noStrike" kern="1200" cap="none" spc="0" normalizeH="0" baseline="0" noProof="0" dirty="0">
+                <a:ln>
+                  <a:noFill/>
+                </a:ln>
+                <a:solidFill>
+                  <a:srgbClr val="44546A"/>
+                </a:solidFill>
+                <a:effectLst/>
+                <a:uLnTx/>
+                <a:uFillTx/>
+                <a:latin typeface="맑은 고딕" panose="020F0502020204030204"/>
+                <a:ea typeface="맑은 고딕" panose="020B0503020000020004" pitchFamily="50" charset="-127"/>
+                <a:cs typeface="+mn-cs"/>
+              </a:rPr>
+              <a:t>Accuracy </a:t>
+            </a:r>
+            <a:r>
+              <a:rPr kumimoji="0" lang="en-US" altLang="ko-KR" sz="1100" b="1" i="0" u="none" strike="noStrike" kern="1200" cap="none" spc="0" normalizeH="0" baseline="0" noProof="0" dirty="0" smtClean="0">
+                <a:ln>
+                  <a:noFill/>
+                </a:ln>
+                <a:solidFill>
+                  <a:srgbClr val="44546A"/>
+                </a:solidFill>
+                <a:effectLst/>
+                <a:uLnTx/>
+                <a:uFillTx/>
+                <a:latin typeface="맑은 고딕" panose="020F0502020204030204"/>
+                <a:ea typeface="맑은 고딕" panose="020B0503020000020004" pitchFamily="50" charset="-127"/>
+                <a:cs typeface="+mn-cs"/>
+              </a:rPr>
+              <a:t>90.98%, </a:t>
+            </a:r>
+            <a:r>
+              <a:rPr kumimoji="0" lang="en-US" altLang="ko-KR" sz="1100" b="1" i="0" u="none" strike="noStrike" kern="1200" cap="none" spc="0" normalizeH="0" baseline="0" noProof="0" dirty="0">
+                <a:ln>
+                  <a:noFill/>
+                </a:ln>
+                <a:solidFill>
+                  <a:srgbClr val="44546A"/>
+                </a:solidFill>
+                <a:effectLst/>
+                <a:uLnTx/>
+                <a:uFillTx/>
+                <a:latin typeface="맑은 고딕" panose="020F0502020204030204"/>
+                <a:ea typeface="맑은 고딕" panose="020B0503020000020004" pitchFamily="50" charset="-127"/>
+                <a:cs typeface="+mn-cs"/>
+              </a:rPr>
+              <a:t>parameter </a:t>
+            </a:r>
+            <a:r>
+              <a:rPr kumimoji="0" lang="ko-KR" altLang="en-US" sz="1100" b="1" i="0" u="none" strike="noStrike" kern="1200" cap="none" spc="0" normalizeH="0" baseline="0" noProof="0" dirty="0">
+                <a:ln>
+                  <a:noFill/>
+                </a:ln>
+                <a:solidFill>
+                  <a:srgbClr val="44546A"/>
+                </a:solidFill>
+                <a:effectLst/>
+                <a:uLnTx/>
+                <a:uFillTx/>
+                <a:latin typeface="맑은 고딕" panose="020F0502020204030204"/>
+                <a:ea typeface="맑은 고딕" panose="020B0503020000020004" pitchFamily="50" charset="-127"/>
+                <a:cs typeface="+mn-cs"/>
+              </a:rPr>
+              <a:t>수 </a:t>
+            </a:r>
+            <a:r>
+              <a:rPr kumimoji="0" lang="en-US" altLang="ko-KR" sz="1100" b="1" i="0" u="none" strike="noStrike" kern="1200" cap="none" spc="0" normalizeH="0" baseline="0" noProof="0" dirty="0" smtClean="0">
+                <a:ln>
+                  <a:noFill/>
+                </a:ln>
+                <a:solidFill>
+                  <a:srgbClr val="44546A"/>
+                </a:solidFill>
+                <a:effectLst/>
+                <a:uLnTx/>
+                <a:uFillTx/>
+                <a:latin typeface="맑은 고딕" panose="020F0502020204030204"/>
+                <a:ea typeface="맑은 고딕" panose="020B0503020000020004" pitchFamily="50" charset="-127"/>
+                <a:cs typeface="+mn-cs"/>
+              </a:rPr>
+              <a:t>2440M</a:t>
+            </a:r>
+            <a:r>
+              <a:rPr kumimoji="0" lang="ko-KR" altLang="en-US" sz="1100" b="1" i="0" u="none" strike="noStrike" kern="1200" cap="none" spc="0" normalizeH="0" baseline="0" noProof="0" dirty="0">
+                <a:ln>
+                  <a:noFill/>
+                </a:ln>
+                <a:solidFill>
+                  <a:srgbClr val="44546A"/>
+                </a:solidFill>
+                <a:effectLst/>
+                <a:uLnTx/>
+                <a:uFillTx/>
+                <a:latin typeface="맑은 고딕" panose="020F0502020204030204"/>
+                <a:ea typeface="맑은 고딕" panose="020B0503020000020004" pitchFamily="50" charset="-127"/>
+                <a:cs typeface="+mn-cs"/>
+              </a:rPr>
+              <a:t>개</a:t>
+            </a:r>
+            <a:r>
+              <a:rPr kumimoji="0" lang="en-US" altLang="ko-KR" sz="1100" b="1" i="0" u="none" strike="noStrike" kern="1200" cap="none" spc="0" normalizeH="0" baseline="0" noProof="0" dirty="0" smtClean="0">
+                <a:ln>
+                  <a:noFill/>
+                </a:ln>
+                <a:solidFill>
+                  <a:srgbClr val="44546A"/>
+                </a:solidFill>
+                <a:effectLst/>
+                <a:uLnTx/>
+                <a:uFillTx/>
+                <a:latin typeface="맑은 고딕" panose="020F0502020204030204"/>
+                <a:ea typeface="맑은 고딕" panose="020B0503020000020004" pitchFamily="50" charset="-127"/>
+                <a:cs typeface="+mn-cs"/>
+              </a:rPr>
+              <a:t>) </a:t>
+            </a:r>
+            <a:r>
+              <a:rPr kumimoji="0" lang="ko-KR" altLang="en-US" sz="1200" b="1" i="0" u="none" strike="noStrike" kern="1200" cap="none" spc="0" normalizeH="0" baseline="0" noProof="0" dirty="0" smtClean="0">
+                <a:ln>
+                  <a:noFill/>
+                </a:ln>
+                <a:solidFill>
+                  <a:srgbClr val="44546A"/>
+                </a:solidFill>
+                <a:effectLst/>
+                <a:uLnTx/>
+                <a:uFillTx/>
+                <a:latin typeface="맑은 고딕" panose="020F0502020204030204"/>
+                <a:ea typeface="맑은 고딕" panose="020B0503020000020004" pitchFamily="50" charset="-127"/>
+                <a:cs typeface="+mn-cs"/>
+              </a:rPr>
+              <a:t>등 </a:t>
+            </a:r>
+            <a:endParaRPr kumimoji="0" lang="en-US" altLang="ko-KR" sz="1200" b="1" i="0" u="none" strike="noStrike" kern="1200" cap="none" spc="0" normalizeH="0" baseline="0" noProof="0" dirty="0" smtClean="0">
+              <a:ln>
+                <a:noFill/>
+              </a:ln>
+              <a:solidFill>
+                <a:srgbClr val="44546A"/>
+              </a:solidFill>
+              <a:effectLst/>
+              <a:uLnTx/>
+              <a:uFillTx/>
+              <a:latin typeface="맑은 고딕" panose="020F0502020204030204"/>
+              <a:ea typeface="맑은 고딕" panose="020B0503020000020004" pitchFamily="50" charset="-127"/>
+              <a:cs typeface="+mn-cs"/>
+            </a:endParaRPr>
+          </a:p>
+          <a:p>
+            <a:pPr marL="0" marR="0" lvl="0" indent="0" algn="l" defTabSz="914400" rtl="0" eaLnBrk="1" fontAlgn="auto" latinLnBrk="1" hangingPunct="1">
+              <a:lnSpc>
+                <a:spcPct val="150000"/>
+              </a:lnSpc>
+              <a:spcBef>
+                <a:spcPts val="0"/>
+              </a:spcBef>
+              <a:spcAft>
+                <a:spcPts val="0"/>
+              </a:spcAft>
+              <a:buClrTx/>
+              <a:buSzTx/>
+              <a:buFontTx/>
+              <a:buNone/>
+              <a:tabLst/>
+              <a:defRPr/>
+            </a:pPr>
+            <a:r>
+              <a:rPr kumimoji="0" lang="en-US" altLang="ko-KR" sz="1200" b="1" i="0" u="none" strike="noStrike" kern="1200" cap="none" spc="0" normalizeH="0" baseline="0" noProof="0" dirty="0">
+                <a:ln>
+                  <a:noFill/>
+                </a:ln>
+                <a:solidFill>
+                  <a:srgbClr val="44546A"/>
+                </a:solidFill>
+                <a:effectLst/>
+                <a:uLnTx/>
+                <a:uFillTx/>
+                <a:latin typeface="맑은 고딕" panose="020F0502020204030204"/>
+                <a:ea typeface="맑은 고딕" panose="020B0503020000020004" pitchFamily="50" charset="-127"/>
+                <a:cs typeface="+mn-cs"/>
+              </a:rPr>
+              <a:t> </a:t>
+            </a:r>
+            <a:r>
+              <a:rPr kumimoji="0" lang="en-US" altLang="ko-KR" sz="1200" b="1" i="0" u="none" strike="noStrike" kern="1200" cap="none" spc="0" normalizeH="0" baseline="0" noProof="0" dirty="0" smtClean="0">
+                <a:ln>
+                  <a:noFill/>
+                </a:ln>
+                <a:solidFill>
+                  <a:srgbClr val="44546A"/>
+                </a:solidFill>
+                <a:effectLst/>
+                <a:uLnTx/>
+                <a:uFillTx/>
+                <a:latin typeface="맑은 고딕" panose="020F0502020204030204"/>
+                <a:ea typeface="맑은 고딕" panose="020B0503020000020004" pitchFamily="50" charset="-127"/>
+                <a:cs typeface="+mn-cs"/>
+              </a:rPr>
+              <a:t>     * </a:t>
+            </a:r>
+            <a:r>
+              <a:rPr kumimoji="0" lang="ko-KR" altLang="en-US" sz="1200" b="1" i="0" u="none" strike="noStrike" kern="1200" cap="none" spc="0" normalizeH="0" baseline="0" noProof="0" dirty="0" smtClean="0">
+                <a:ln>
+                  <a:noFill/>
+                </a:ln>
+                <a:solidFill>
+                  <a:srgbClr val="44546A"/>
+                </a:solidFill>
+                <a:effectLst/>
+                <a:uLnTx/>
+                <a:uFillTx/>
+                <a:latin typeface="맑은 고딕" panose="020F0502020204030204"/>
+                <a:ea typeface="맑은 고딕" panose="020B0503020000020004" pitchFamily="50" charset="-127"/>
+                <a:cs typeface="+mn-cs"/>
+              </a:rPr>
+              <a:t>본 프로젝트 활용 모델 </a:t>
+            </a:r>
+            <a:r>
+              <a:rPr kumimoji="0" lang="en-US" altLang="ko-KR" sz="1200" b="1" i="0" u="none" strike="noStrike" kern="1200" cap="none" spc="0" normalizeH="0" baseline="0" noProof="0" dirty="0" smtClean="0">
+                <a:ln>
+                  <a:noFill/>
+                </a:ln>
+                <a:solidFill>
+                  <a:srgbClr val="44546A"/>
+                </a:solidFill>
+                <a:effectLst/>
+                <a:uLnTx/>
+                <a:uFillTx/>
+                <a:latin typeface="맑은 고딕" panose="020F0502020204030204"/>
+                <a:ea typeface="맑은 고딕" panose="020B0503020000020004" pitchFamily="50" charset="-127"/>
+                <a:cs typeface="+mn-cs"/>
+              </a:rPr>
+              <a:t>: EfficientNetV2M</a:t>
+            </a:r>
+            <a:r>
+              <a:rPr kumimoji="0" lang="en-US" altLang="ko-KR" sz="1100" b="1" i="0" u="none" strike="noStrike" kern="1200" cap="none" spc="0" normalizeH="0" baseline="0" noProof="0" dirty="0" smtClean="0">
+                <a:ln>
+                  <a:noFill/>
+                </a:ln>
+                <a:solidFill>
+                  <a:srgbClr val="44546A"/>
+                </a:solidFill>
+                <a:effectLst/>
+                <a:uLnTx/>
+                <a:uFillTx/>
+                <a:latin typeface="맑은 고딕" panose="020F0502020204030204"/>
+                <a:ea typeface="맑은 고딕" panose="020B0503020000020004" pitchFamily="50" charset="-127"/>
+                <a:cs typeface="+mn-cs"/>
+              </a:rPr>
+              <a:t>(Top1 </a:t>
+            </a:r>
+            <a:r>
+              <a:rPr kumimoji="0" lang="en-US" altLang="ko-KR" sz="1100" b="1" i="0" u="none" strike="noStrike" kern="1200" cap="none" spc="0" normalizeH="0" baseline="0" noProof="0" dirty="0">
+                <a:ln>
+                  <a:noFill/>
+                </a:ln>
+                <a:solidFill>
+                  <a:srgbClr val="44546A"/>
+                </a:solidFill>
+                <a:effectLst/>
+                <a:uLnTx/>
+                <a:uFillTx/>
+                <a:latin typeface="맑은 고딕" panose="020F0502020204030204"/>
+                <a:ea typeface="맑은 고딕" panose="020B0503020000020004" pitchFamily="50" charset="-127"/>
+                <a:cs typeface="+mn-cs"/>
+              </a:rPr>
+              <a:t>Accuracy 86.1</a:t>
+            </a:r>
+            <a:r>
+              <a:rPr kumimoji="0" lang="en-US" altLang="ko-KR" sz="1100" b="1" i="0" u="none" strike="noStrike" kern="1200" cap="none" spc="0" normalizeH="0" baseline="0" noProof="0" dirty="0" smtClean="0">
+                <a:ln>
+                  <a:noFill/>
+                </a:ln>
+                <a:solidFill>
+                  <a:srgbClr val="44546A"/>
+                </a:solidFill>
+                <a:effectLst/>
+                <a:uLnTx/>
+                <a:uFillTx/>
+                <a:latin typeface="맑은 고딕" panose="020F0502020204030204"/>
+                <a:ea typeface="맑은 고딕" panose="020B0503020000020004" pitchFamily="50" charset="-127"/>
+                <a:cs typeface="+mn-cs"/>
+              </a:rPr>
+              <a:t>%, parameter</a:t>
+            </a:r>
+            <a:r>
+              <a:rPr kumimoji="0" lang="ko-KR" altLang="en-US" sz="1100" b="1" i="0" u="none" strike="noStrike" kern="1200" cap="none" spc="0" normalizeH="0" baseline="0" noProof="0" dirty="0" smtClean="0">
+                <a:ln>
+                  <a:noFill/>
+                </a:ln>
+                <a:solidFill>
+                  <a:srgbClr val="44546A"/>
+                </a:solidFill>
+                <a:effectLst/>
+                <a:uLnTx/>
+                <a:uFillTx/>
+                <a:latin typeface="맑은 고딕" panose="020F0502020204030204"/>
+                <a:ea typeface="맑은 고딕" panose="020B0503020000020004" pitchFamily="50" charset="-127"/>
+                <a:cs typeface="+mn-cs"/>
+              </a:rPr>
+              <a:t>수 </a:t>
+            </a:r>
+            <a:r>
+              <a:rPr kumimoji="0" lang="en-US" altLang="ko-KR" sz="1100" b="1" i="0" u="none" strike="noStrike" kern="1200" cap="none" spc="0" normalizeH="0" baseline="0" noProof="0" dirty="0" smtClean="0">
+                <a:ln>
+                  <a:noFill/>
+                </a:ln>
+                <a:solidFill>
+                  <a:srgbClr val="44546A"/>
+                </a:solidFill>
+                <a:effectLst/>
+                <a:uLnTx/>
+                <a:uFillTx/>
+                <a:latin typeface="맑은 고딕" panose="020F0502020204030204"/>
+                <a:ea typeface="맑은 고딕" panose="020B0503020000020004" pitchFamily="50" charset="-127"/>
+                <a:cs typeface="+mn-cs"/>
+              </a:rPr>
+              <a:t>53M</a:t>
+            </a:r>
+            <a:r>
+              <a:rPr kumimoji="0" lang="ko-KR" altLang="en-US" sz="1100" b="1" i="0" u="none" strike="noStrike" kern="1200" cap="none" spc="0" normalizeH="0" baseline="0" noProof="0" dirty="0" smtClean="0">
+                <a:ln>
+                  <a:noFill/>
+                </a:ln>
+                <a:solidFill>
+                  <a:srgbClr val="44546A"/>
+                </a:solidFill>
+                <a:effectLst/>
+                <a:uLnTx/>
+                <a:uFillTx/>
+                <a:latin typeface="맑은 고딕" panose="020F0502020204030204"/>
+                <a:ea typeface="맑은 고딕" panose="020B0503020000020004" pitchFamily="50" charset="-127"/>
+                <a:cs typeface="+mn-cs"/>
+              </a:rPr>
+              <a:t>개</a:t>
+            </a:r>
+            <a:r>
+              <a:rPr kumimoji="0" lang="en-US" altLang="ko-KR" sz="1100" b="1" i="0" u="none" strike="noStrike" kern="1200" cap="none" spc="0" normalizeH="0" baseline="0" noProof="0" dirty="0" smtClean="0">
+                <a:ln>
+                  <a:noFill/>
+                </a:ln>
+                <a:solidFill>
+                  <a:srgbClr val="44546A"/>
+                </a:solidFill>
+                <a:effectLst/>
+                <a:uLnTx/>
+                <a:uFillTx/>
+                <a:latin typeface="맑은 고딕" panose="020F0502020204030204"/>
+                <a:ea typeface="맑은 고딕" panose="020B0503020000020004" pitchFamily="50" charset="-127"/>
+                <a:cs typeface="+mn-cs"/>
+              </a:rPr>
+              <a:t>), </a:t>
+            </a:r>
+            <a:r>
+              <a:rPr kumimoji="0" lang="en-US" altLang="ko-KR" sz="1200" b="1" i="0" u="none" strike="noStrike" kern="1200" cap="none" spc="0" normalizeH="0" baseline="0" noProof="0" dirty="0" smtClean="0">
+                <a:ln>
+                  <a:noFill/>
+                </a:ln>
+                <a:solidFill>
+                  <a:srgbClr val="44546A"/>
+                </a:solidFill>
+                <a:effectLst/>
+                <a:uLnTx/>
+                <a:uFillTx/>
+                <a:latin typeface="맑은 고딕" panose="020F0502020204030204"/>
+                <a:ea typeface="맑은 고딕" panose="020B0503020000020004" pitchFamily="50" charset="-127"/>
+                <a:cs typeface="+mn-cs"/>
+              </a:rPr>
+              <a:t>InceptionResNetV2</a:t>
+            </a:r>
+            <a:r>
+              <a:rPr kumimoji="0" lang="en-US" altLang="ko-KR" sz="1100" b="1" i="0" u="none" strike="noStrike" kern="1200" cap="none" spc="0" normalizeH="0" baseline="0" noProof="0" dirty="0" smtClean="0">
+                <a:ln>
+                  <a:noFill/>
+                </a:ln>
+                <a:solidFill>
+                  <a:srgbClr val="44546A"/>
+                </a:solidFill>
+                <a:effectLst/>
+                <a:uLnTx/>
+                <a:uFillTx/>
+                <a:latin typeface="맑은 고딕" panose="020F0502020204030204"/>
+                <a:ea typeface="맑은 고딕" panose="020B0503020000020004" pitchFamily="50" charset="-127"/>
+                <a:cs typeface="+mn-cs"/>
+              </a:rPr>
+              <a:t>(Top1 </a:t>
+            </a:r>
+            <a:r>
+              <a:rPr kumimoji="0" lang="en-US" altLang="ko-KR" sz="1100" b="1" i="0" u="none" strike="noStrike" kern="1200" cap="none" spc="0" normalizeH="0" baseline="0" noProof="0" dirty="0">
+                <a:ln>
+                  <a:noFill/>
+                </a:ln>
+                <a:solidFill>
+                  <a:srgbClr val="44546A"/>
+                </a:solidFill>
+                <a:effectLst/>
+                <a:uLnTx/>
+                <a:uFillTx/>
+                <a:latin typeface="맑은 고딕" panose="020F0502020204030204"/>
+                <a:ea typeface="맑은 고딕" panose="020B0503020000020004" pitchFamily="50" charset="-127"/>
+                <a:cs typeface="+mn-cs"/>
+              </a:rPr>
+              <a:t>Accuracy </a:t>
+            </a:r>
+            <a:r>
+              <a:rPr kumimoji="0" lang="en-US" altLang="ko-KR" sz="1100" b="1" i="0" u="none" strike="noStrike" kern="1200" cap="none" spc="0" normalizeH="0" baseline="0" noProof="0" dirty="0" smtClean="0">
+                <a:ln>
+                  <a:noFill/>
+                </a:ln>
+                <a:solidFill>
+                  <a:srgbClr val="44546A"/>
+                </a:solidFill>
+                <a:effectLst/>
+                <a:uLnTx/>
+                <a:uFillTx/>
+                <a:latin typeface="맑은 고딕" panose="020F0502020204030204"/>
+                <a:ea typeface="맑은 고딕" panose="020B0503020000020004" pitchFamily="50" charset="-127"/>
+                <a:cs typeface="+mn-cs"/>
+              </a:rPr>
+              <a:t>80.1</a:t>
+            </a:r>
+            <a:r>
+              <a:rPr kumimoji="0" lang="en-US" altLang="ko-KR" sz="1100" b="1" i="0" u="none" strike="noStrike" kern="1200" cap="none" spc="0" normalizeH="0" baseline="0" noProof="0" dirty="0">
+                <a:ln>
+                  <a:noFill/>
+                </a:ln>
+                <a:solidFill>
+                  <a:srgbClr val="44546A"/>
+                </a:solidFill>
+                <a:effectLst/>
+                <a:uLnTx/>
+                <a:uFillTx/>
+                <a:latin typeface="맑은 고딕" panose="020F0502020204030204"/>
+                <a:ea typeface="맑은 고딕" panose="020B0503020000020004" pitchFamily="50" charset="-127"/>
+                <a:cs typeface="+mn-cs"/>
+              </a:rPr>
+              <a:t>%, parameter</a:t>
+            </a:r>
+            <a:r>
+              <a:rPr kumimoji="0" lang="ko-KR" altLang="en-US" sz="1100" b="1" i="0" u="none" strike="noStrike" kern="1200" cap="none" spc="0" normalizeH="0" baseline="0" noProof="0" dirty="0">
+                <a:ln>
+                  <a:noFill/>
+                </a:ln>
+                <a:solidFill>
+                  <a:srgbClr val="44546A"/>
+                </a:solidFill>
+                <a:effectLst/>
+                <a:uLnTx/>
+                <a:uFillTx/>
+                <a:latin typeface="맑은 고딕" panose="020F0502020204030204"/>
+                <a:ea typeface="맑은 고딕" panose="020B0503020000020004" pitchFamily="50" charset="-127"/>
+                <a:cs typeface="+mn-cs"/>
+              </a:rPr>
+              <a:t>수 </a:t>
+            </a:r>
+            <a:r>
+              <a:rPr kumimoji="0" lang="en-US" altLang="ko-KR" sz="1100" b="1" i="0" u="none" strike="noStrike" kern="1200" cap="none" spc="0" normalizeH="0" baseline="0" noProof="0" dirty="0" smtClean="0">
+                <a:ln>
+                  <a:noFill/>
+                </a:ln>
+                <a:solidFill>
+                  <a:srgbClr val="44546A"/>
+                </a:solidFill>
+                <a:effectLst/>
+                <a:uLnTx/>
+                <a:uFillTx/>
+                <a:latin typeface="맑은 고딕" panose="020F0502020204030204"/>
+                <a:ea typeface="맑은 고딕" panose="020B0503020000020004" pitchFamily="50" charset="-127"/>
+                <a:cs typeface="+mn-cs"/>
+              </a:rPr>
+              <a:t>55.8M</a:t>
+            </a:r>
+            <a:r>
+              <a:rPr kumimoji="0" lang="ko-KR" altLang="en-US" sz="1100" b="1" i="0" u="none" strike="noStrike" kern="1200" cap="none" spc="0" normalizeH="0" baseline="0" noProof="0" dirty="0" smtClean="0">
+                <a:ln>
+                  <a:noFill/>
+                </a:ln>
+                <a:solidFill>
+                  <a:srgbClr val="44546A"/>
+                </a:solidFill>
+                <a:effectLst/>
+                <a:uLnTx/>
+                <a:uFillTx/>
+                <a:latin typeface="맑은 고딕" panose="020F0502020204030204"/>
+                <a:ea typeface="맑은 고딕" panose="020B0503020000020004" pitchFamily="50" charset="-127"/>
+                <a:cs typeface="+mn-cs"/>
+              </a:rPr>
+              <a:t>개</a:t>
+            </a:r>
+            <a:r>
+              <a:rPr kumimoji="0" lang="en-US" altLang="ko-KR" sz="1100" b="1" i="0" u="none" strike="noStrike" kern="1200" cap="none" spc="0" normalizeH="0" baseline="0" noProof="0" dirty="0" smtClean="0">
+                <a:ln>
+                  <a:noFill/>
+                </a:ln>
+                <a:solidFill>
+                  <a:srgbClr val="44546A"/>
+                </a:solidFill>
+                <a:effectLst/>
+                <a:uLnTx/>
+                <a:uFillTx/>
+                <a:latin typeface="맑은 고딕" panose="020F0502020204030204"/>
+                <a:ea typeface="맑은 고딕" panose="020B0503020000020004" pitchFamily="50" charset="-127"/>
+                <a:cs typeface="+mn-cs"/>
+              </a:rPr>
+              <a:t>) </a:t>
+            </a:r>
+            <a:r>
+              <a:rPr kumimoji="0" lang="ko-KR" altLang="en-US" sz="1200" b="1" i="0" u="none" strike="noStrike" kern="1200" cap="none" spc="0" normalizeH="0" baseline="0" noProof="0" dirty="0" smtClean="0">
+                <a:ln>
+                  <a:noFill/>
+                </a:ln>
+                <a:solidFill>
+                  <a:srgbClr val="44546A"/>
+                </a:solidFill>
+                <a:effectLst/>
+                <a:uLnTx/>
+                <a:uFillTx/>
+                <a:latin typeface="맑은 고딕" panose="020F0502020204030204"/>
+                <a:ea typeface="맑은 고딕" panose="020B0503020000020004" pitchFamily="50" charset="-127"/>
+                <a:cs typeface="+mn-cs"/>
+              </a:rPr>
+              <a:t>등</a:t>
+            </a:r>
+            <a:endParaRPr kumimoji="0" lang="en-US" altLang="ko-KR" sz="1200" b="1" i="0" u="none" strike="noStrike" kern="1200" cap="none" spc="0" normalizeH="0" baseline="0" noProof="0" dirty="0">
+              <a:ln>
+                <a:noFill/>
+              </a:ln>
+              <a:solidFill>
+                <a:srgbClr val="44546A"/>
+              </a:solidFill>
+              <a:effectLst/>
+              <a:uLnTx/>
+              <a:uFillTx/>
+              <a:latin typeface="맑은 고딕" panose="020F0502020204030204"/>
+              <a:ea typeface="맑은 고딕" panose="020B0503020000020004" pitchFamily="50" charset="-127"/>
+              <a:cs typeface="+mn-cs"/>
+            </a:endParaRPr>
+          </a:p>
+        </p:txBody>
+      </p:sp>
+      <p:sp>
+        <p:nvSpPr>
+          <p:cNvPr id="93" name="직사각형 92"/>
+          <p:cNvSpPr/>
+          <p:nvPr/>
+        </p:nvSpPr>
+        <p:spPr>
+          <a:xfrm>
+            <a:off x="7873042" y="1222532"/>
+            <a:ext cx="2126367" cy="415498"/>
+          </a:xfrm>
+          <a:prstGeom prst="rect">
+            <a:avLst/>
+          </a:prstGeom>
+          <a:solidFill>
+            <a:schemeClr val="bg1">
+              <a:lumMod val="85000"/>
+            </a:schemeClr>
+          </a:solidFill>
+          <a:ln>
+            <a:noFill/>
+          </a:ln>
+          <a:effectLst>
+            <a:outerShdw blurRad="50800" dist="38100" dir="2700000" algn="tl" rotWithShape="0">
+              <a:prstClr val="black">
+                <a:alpha val="40000"/>
+              </a:prstClr>
+            </a:outerShdw>
+            <a:softEdge rad="63500"/>
+          </a:effectLst>
+        </p:spPr>
+        <p:txBody>
+          <a:bodyPr wrap="square">
+            <a:spAutoFit/>
+          </a:bodyPr>
+          <a:lstStyle/>
+          <a:p>
+            <a:pPr marL="0" marR="0" lvl="0" indent="0" algn="ctr" defTabSz="914400" rtl="0" eaLnBrk="1" fontAlgn="auto" latinLnBrk="1" hangingPunct="1">
+              <a:lnSpc>
+                <a:spcPct val="150000"/>
+              </a:lnSpc>
+              <a:spcBef>
+                <a:spcPts val="0"/>
+              </a:spcBef>
+              <a:spcAft>
+                <a:spcPts val="0"/>
+              </a:spcAft>
+              <a:buClrTx/>
+              <a:buSzTx/>
+              <a:buFontTx/>
+              <a:buNone/>
+              <a:tabLst/>
+              <a:defRPr/>
+            </a:pPr>
+            <a:r>
+              <a:rPr kumimoji="0" lang="en-US" altLang="ko-KR" sz="1400" b="1" i="0" u="none" strike="noStrike" kern="1200" cap="none" spc="0" normalizeH="0" baseline="0" noProof="0" dirty="0" smtClean="0">
+                <a:ln>
+                  <a:noFill/>
+                </a:ln>
+                <a:solidFill>
+                  <a:srgbClr val="44546A"/>
+                </a:solidFill>
+                <a:effectLst/>
+                <a:uLnTx/>
+                <a:uFillTx/>
+                <a:latin typeface="맑은 고딕" panose="020F0502020204030204"/>
+                <a:ea typeface="맑은 고딕" panose="020B0503020000020004" pitchFamily="50" charset="-127"/>
+                <a:cs typeface="+mn-cs"/>
+              </a:rPr>
+              <a:t>False Prediction Case</a:t>
+            </a:r>
+            <a:endParaRPr kumimoji="0" lang="en-US" altLang="ko-KR" sz="1400" b="1" i="0" u="none" strike="noStrike" kern="1200" cap="none" spc="0" normalizeH="0" baseline="0" noProof="0" dirty="0">
+              <a:ln>
+                <a:noFill/>
+              </a:ln>
+              <a:solidFill>
+                <a:srgbClr val="44546A"/>
+              </a:solidFill>
+              <a:effectLst/>
+              <a:uLnTx/>
+              <a:uFillTx/>
+              <a:latin typeface="맑은 고딕" panose="020F0502020204030204"/>
+              <a:ea typeface="맑은 고딕" panose="020B0503020000020004" pitchFamily="50" charset="-127"/>
+              <a:cs typeface="+mn-cs"/>
+            </a:endParaRPr>
+          </a:p>
+        </p:txBody>
+      </p:sp>
+      <p:pic>
+        <p:nvPicPr>
+          <p:cNvPr id="95" name="그림 94"/>
+          <p:cNvPicPr>
+            <a:picLocks noChangeAspect="1"/>
+          </p:cNvPicPr>
+          <p:nvPr/>
+        </p:nvPicPr>
+        <p:blipFill>
+          <a:blip r:embed="rId3">
+            <a:extLst>
+              <a:ext uri="{28A0092B-C50C-407E-A947-70E740481C1C}">
+                <a14:useLocalDpi xmlns:a14="http://schemas.microsoft.com/office/drawing/2010/main" val="0"/>
+              </a:ext>
+            </a:extLst>
+          </a:blip>
+          <a:stretch>
+            <a:fillRect/>
+          </a:stretch>
+        </p:blipFill>
+        <p:spPr>
+          <a:xfrm>
+            <a:off x="6684455" y="1873949"/>
+            <a:ext cx="850692" cy="850692"/>
+          </a:xfrm>
+          <a:prstGeom prst="rect">
+            <a:avLst/>
+          </a:prstGeom>
+          <a:effectLst>
+            <a:outerShdw blurRad="50800" dist="38100" dir="2700000" algn="tl" rotWithShape="0">
+              <a:prstClr val="black">
+                <a:alpha val="40000"/>
+              </a:prstClr>
+            </a:outerShdw>
+          </a:effectLst>
+        </p:spPr>
+      </p:pic>
+      <p:pic>
+        <p:nvPicPr>
+          <p:cNvPr id="96" name="그림 95"/>
+          <p:cNvPicPr>
+            <a:picLocks noChangeAspect="1"/>
+          </p:cNvPicPr>
+          <p:nvPr/>
+        </p:nvPicPr>
+        <p:blipFill>
+          <a:blip r:embed="rId4">
+            <a:extLst>
+              <a:ext uri="{28A0092B-C50C-407E-A947-70E740481C1C}">
+                <a14:useLocalDpi xmlns:a14="http://schemas.microsoft.com/office/drawing/2010/main" val="0"/>
+              </a:ext>
+            </a:extLst>
+          </a:blip>
+          <a:stretch>
+            <a:fillRect/>
+          </a:stretch>
+        </p:blipFill>
+        <p:spPr>
+          <a:xfrm>
+            <a:off x="7712714" y="1873949"/>
+            <a:ext cx="850692" cy="850692"/>
+          </a:xfrm>
+          <a:prstGeom prst="rect">
+            <a:avLst/>
+          </a:prstGeom>
+          <a:effectLst>
+            <a:outerShdw blurRad="50800" dist="38100" dir="2700000" algn="tl" rotWithShape="0">
+              <a:prstClr val="black">
+                <a:alpha val="40000"/>
+              </a:prstClr>
+            </a:outerShdw>
+          </a:effectLst>
+        </p:spPr>
+      </p:pic>
+      <p:pic>
+        <p:nvPicPr>
+          <p:cNvPr id="98" name="그림 97"/>
+          <p:cNvPicPr>
+            <a:picLocks noChangeAspect="1"/>
+          </p:cNvPicPr>
+          <p:nvPr/>
+        </p:nvPicPr>
+        <p:blipFill>
+          <a:blip r:embed="rId5">
+            <a:extLst>
+              <a:ext uri="{28A0092B-C50C-407E-A947-70E740481C1C}">
+                <a14:useLocalDpi xmlns:a14="http://schemas.microsoft.com/office/drawing/2010/main" val="0"/>
+              </a:ext>
+            </a:extLst>
+          </a:blip>
+          <a:stretch>
+            <a:fillRect/>
+          </a:stretch>
+        </p:blipFill>
+        <p:spPr>
+          <a:xfrm>
+            <a:off x="10328550" y="1866105"/>
+            <a:ext cx="876340" cy="854705"/>
+          </a:xfrm>
+          <a:prstGeom prst="rect">
+            <a:avLst/>
+          </a:prstGeom>
+          <a:effectLst>
+            <a:outerShdw blurRad="50800" dist="38100" dir="2700000" algn="tl" rotWithShape="0">
+              <a:prstClr val="black">
+                <a:alpha val="40000"/>
+              </a:prstClr>
+            </a:outerShdw>
+          </a:effectLst>
+        </p:spPr>
+      </p:pic>
+      <p:pic>
+        <p:nvPicPr>
+          <p:cNvPr id="99" name="그림 98"/>
+          <p:cNvPicPr>
+            <a:picLocks noChangeAspect="1"/>
+          </p:cNvPicPr>
+          <p:nvPr/>
+        </p:nvPicPr>
+        <p:blipFill>
+          <a:blip r:embed="rId6">
+            <a:extLst>
+              <a:ext uri="{28A0092B-C50C-407E-A947-70E740481C1C}">
+                <a14:useLocalDpi xmlns:a14="http://schemas.microsoft.com/office/drawing/2010/main" val="0"/>
+              </a:ext>
+            </a:extLst>
+          </a:blip>
+          <a:stretch>
+            <a:fillRect/>
+          </a:stretch>
+        </p:blipFill>
+        <p:spPr>
+          <a:xfrm>
+            <a:off x="6707010" y="3155672"/>
+            <a:ext cx="850692" cy="850692"/>
+          </a:xfrm>
+          <a:prstGeom prst="rect">
+            <a:avLst/>
+          </a:prstGeom>
+          <a:effectLst>
+            <a:outerShdw blurRad="50800" dist="38100" dir="2700000" algn="tl" rotWithShape="0">
+              <a:prstClr val="black">
+                <a:alpha val="40000"/>
+              </a:prstClr>
+            </a:outerShdw>
+          </a:effectLst>
+        </p:spPr>
+      </p:pic>
+      <p:pic>
+        <p:nvPicPr>
+          <p:cNvPr id="100" name="그림 99"/>
+          <p:cNvPicPr>
+            <a:picLocks noChangeAspect="1"/>
+          </p:cNvPicPr>
+          <p:nvPr/>
+        </p:nvPicPr>
+        <p:blipFill>
+          <a:blip r:embed="rId7">
+            <a:extLst>
+              <a:ext uri="{28A0092B-C50C-407E-A947-70E740481C1C}">
+                <a14:useLocalDpi xmlns:a14="http://schemas.microsoft.com/office/drawing/2010/main" val="0"/>
+              </a:ext>
+            </a:extLst>
+          </a:blip>
+          <a:stretch>
+            <a:fillRect/>
+          </a:stretch>
+        </p:blipFill>
+        <p:spPr>
+          <a:xfrm>
+            <a:off x="7726356" y="3160913"/>
+            <a:ext cx="876340" cy="876340"/>
+          </a:xfrm>
+          <a:prstGeom prst="rect">
+            <a:avLst/>
+          </a:prstGeom>
+          <a:effectLst>
+            <a:outerShdw blurRad="50800" dist="38100" dir="2700000" algn="tl" rotWithShape="0">
+              <a:prstClr val="black">
+                <a:alpha val="40000"/>
+              </a:prstClr>
+            </a:outerShdw>
+          </a:effectLst>
+        </p:spPr>
+      </p:pic>
+      <p:pic>
+        <p:nvPicPr>
+          <p:cNvPr id="101" name="그림 100"/>
+          <p:cNvPicPr>
+            <a:picLocks noChangeAspect="1"/>
+          </p:cNvPicPr>
+          <p:nvPr/>
+        </p:nvPicPr>
+        <p:blipFill>
+          <a:blip r:embed="rId8">
+            <a:extLst>
+              <a:ext uri="{28A0092B-C50C-407E-A947-70E740481C1C}">
+                <a14:useLocalDpi xmlns:a14="http://schemas.microsoft.com/office/drawing/2010/main" val="0"/>
+              </a:ext>
+            </a:extLst>
+          </a:blip>
+          <a:stretch>
+            <a:fillRect/>
+          </a:stretch>
+        </p:blipFill>
+        <p:spPr>
+          <a:xfrm rot="16200000">
+            <a:off x="9305191" y="1869936"/>
+            <a:ext cx="854705" cy="854705"/>
+          </a:xfrm>
+          <a:prstGeom prst="rect">
+            <a:avLst/>
+          </a:prstGeom>
+          <a:effectLst>
+            <a:outerShdw blurRad="50800" dist="38100" dir="2700000" algn="tl" rotWithShape="0">
+              <a:prstClr val="black">
+                <a:alpha val="40000"/>
+              </a:prstClr>
+            </a:outerShdw>
+          </a:effectLst>
+        </p:spPr>
+      </p:pic>
+      <p:pic>
+        <p:nvPicPr>
+          <p:cNvPr id="104" name="그림 103"/>
+          <p:cNvPicPr>
+            <a:picLocks noChangeAspect="1"/>
+          </p:cNvPicPr>
+          <p:nvPr/>
+        </p:nvPicPr>
+        <p:blipFill>
+          <a:blip r:embed="rId9">
+            <a:extLst>
+              <a:ext uri="{28A0092B-C50C-407E-A947-70E740481C1C}">
+                <a14:useLocalDpi xmlns:a14="http://schemas.microsoft.com/office/drawing/2010/main" val="0"/>
+              </a:ext>
+            </a:extLst>
+          </a:blip>
+          <a:stretch>
+            <a:fillRect/>
+          </a:stretch>
+        </p:blipFill>
+        <p:spPr>
+          <a:xfrm>
+            <a:off x="9345641" y="3179488"/>
+            <a:ext cx="854705" cy="835016"/>
+          </a:xfrm>
+          <a:prstGeom prst="rect">
+            <a:avLst/>
+          </a:prstGeom>
+          <a:effectLst>
+            <a:outerShdw blurRad="50800" dist="38100" dir="2700000" algn="tl" rotWithShape="0">
+              <a:prstClr val="black">
+                <a:alpha val="40000"/>
+              </a:prstClr>
+            </a:outerShdw>
+          </a:effectLst>
+        </p:spPr>
+      </p:pic>
+      <p:pic>
+        <p:nvPicPr>
+          <p:cNvPr id="105" name="그림 104"/>
+          <p:cNvPicPr>
+            <a:picLocks noChangeAspect="1"/>
+          </p:cNvPicPr>
+          <p:nvPr/>
+        </p:nvPicPr>
+        <p:blipFill>
+          <a:blip r:embed="rId10">
+            <a:extLst>
+              <a:ext uri="{28A0092B-C50C-407E-A947-70E740481C1C}">
+                <a14:useLocalDpi xmlns:a14="http://schemas.microsoft.com/office/drawing/2010/main" val="0"/>
+              </a:ext>
+            </a:extLst>
+          </a:blip>
+          <a:stretch>
+            <a:fillRect/>
+          </a:stretch>
+        </p:blipFill>
+        <p:spPr>
+          <a:xfrm rot="16200000">
+            <a:off x="10414905" y="3164628"/>
+            <a:ext cx="835016" cy="876340"/>
+          </a:xfrm>
+          <a:prstGeom prst="rect">
+            <a:avLst/>
+          </a:prstGeom>
+          <a:effectLst>
+            <a:outerShdw blurRad="50800" dist="38100" dir="2700000" algn="tl" rotWithShape="0">
+              <a:prstClr val="black">
+                <a:alpha val="40000"/>
+              </a:prstClr>
+            </a:outerShdw>
+          </a:effectLst>
+        </p:spPr>
+      </p:pic>
+      <p:sp>
+        <p:nvSpPr>
+          <p:cNvPr id="109" name="직사각형 108"/>
+          <p:cNvSpPr/>
+          <p:nvPr/>
+        </p:nvSpPr>
+        <p:spPr>
+          <a:xfrm>
+            <a:off x="6513093" y="2744941"/>
+            <a:ext cx="2249334" cy="323165"/>
+          </a:xfrm>
+          <a:prstGeom prst="rect">
+            <a:avLst/>
+          </a:prstGeom>
+        </p:spPr>
+        <p:txBody>
+          <a:bodyPr wrap="none">
+            <a:spAutoFit/>
+          </a:bodyPr>
+          <a:lstStyle/>
+          <a:p>
+            <a:pPr marL="0" marR="0" lvl="0" indent="0" algn="ctr" defTabSz="914400" rtl="0" eaLnBrk="1" fontAlgn="auto" latinLnBrk="1" hangingPunct="1">
+              <a:lnSpc>
+                <a:spcPct val="150000"/>
+              </a:lnSpc>
+              <a:spcBef>
+                <a:spcPts val="0"/>
+              </a:spcBef>
+              <a:spcAft>
+                <a:spcPts val="0"/>
+              </a:spcAft>
+              <a:buClrTx/>
+              <a:buSzTx/>
+              <a:buFontTx/>
+              <a:buNone/>
+              <a:tabLst/>
+              <a:defRPr/>
+            </a:pPr>
+            <a:r>
+              <a:rPr kumimoji="0" lang="ko-KR" altLang="en-US" sz="1000" b="1" i="0" u="none" strike="noStrike" kern="1200" cap="none" spc="0" normalizeH="0" baseline="0" noProof="0" dirty="0" smtClean="0">
+                <a:ln>
+                  <a:noFill/>
+                </a:ln>
+                <a:solidFill>
+                  <a:srgbClr val="57A2F4"/>
+                </a:solidFill>
+                <a:effectLst/>
+                <a:uLnTx/>
+                <a:uFillTx/>
+                <a:latin typeface="맑은 고딕" panose="020F0502020204030204"/>
+                <a:ea typeface="맑은 고딕" panose="020B0503020000020004" pitchFamily="50" charset="-127"/>
+                <a:cs typeface="+mn-cs"/>
+              </a:rPr>
+              <a:t>음식 근접 사진</a:t>
+            </a:r>
+            <a:r>
+              <a:rPr kumimoji="0" lang="ko-KR" altLang="en-US" sz="1000" b="1" i="0" u="none" strike="noStrike" kern="1200" cap="none" spc="0" normalizeH="0" baseline="0" noProof="0" dirty="0" smtClean="0">
+                <a:ln>
+                  <a:noFill/>
+                </a:ln>
+                <a:solidFill>
+                  <a:srgbClr val="44546A"/>
+                </a:solidFill>
+                <a:effectLst/>
+                <a:uLnTx/>
+                <a:uFillTx/>
+                <a:latin typeface="맑은 고딕" panose="020F0502020204030204"/>
+                <a:ea typeface="맑은 고딕" panose="020B0503020000020004" pitchFamily="50" charset="-127"/>
+                <a:cs typeface="+mn-cs"/>
+              </a:rPr>
+              <a:t>으로 배경 알 수 없음</a:t>
+            </a:r>
+            <a:endParaRPr kumimoji="0" lang="ko-KR" altLang="en-US" sz="1000" b="1" i="0" u="none" strike="noStrike" kern="1200" cap="none" spc="0" normalizeH="0" baseline="0" noProof="0" dirty="0">
+              <a:ln>
+                <a:noFill/>
+              </a:ln>
+              <a:solidFill>
+                <a:srgbClr val="44546A"/>
+              </a:solidFill>
+              <a:effectLst/>
+              <a:uLnTx/>
+              <a:uFillTx/>
+              <a:latin typeface="맑은 고딕" panose="020F0502020204030204"/>
+              <a:ea typeface="맑은 고딕" panose="020B0503020000020004" pitchFamily="50" charset="-127"/>
+              <a:cs typeface="+mn-cs"/>
+            </a:endParaRPr>
+          </a:p>
+        </p:txBody>
+      </p:sp>
+      <p:sp>
+        <p:nvSpPr>
+          <p:cNvPr id="117" name="직사각형 116"/>
+          <p:cNvSpPr/>
+          <p:nvPr/>
+        </p:nvSpPr>
+        <p:spPr>
+          <a:xfrm>
+            <a:off x="6741429" y="4075215"/>
+            <a:ext cx="1903085" cy="293414"/>
+          </a:xfrm>
+          <a:prstGeom prst="rect">
+            <a:avLst/>
+          </a:prstGeom>
+        </p:spPr>
+        <p:txBody>
+          <a:bodyPr wrap="none">
+            <a:spAutoFit/>
+          </a:bodyPr>
+          <a:lstStyle/>
+          <a:p>
+            <a:pPr marL="0" marR="0" lvl="0" indent="0" algn="ctr" defTabSz="914400" rtl="0" eaLnBrk="1" fontAlgn="auto" latinLnBrk="1" hangingPunct="1">
+              <a:lnSpc>
+                <a:spcPct val="150000"/>
+              </a:lnSpc>
+              <a:spcBef>
+                <a:spcPts val="0"/>
+              </a:spcBef>
+              <a:spcAft>
+                <a:spcPts val="0"/>
+              </a:spcAft>
+              <a:buClrTx/>
+              <a:buSzTx/>
+              <a:buFontTx/>
+              <a:buNone/>
+              <a:tabLst/>
+              <a:defRPr/>
+            </a:pPr>
+            <a:r>
+              <a:rPr kumimoji="0" lang="ko-KR" altLang="en-US" sz="1000" b="1" i="0" u="none" strike="noStrike" kern="1200" cap="none" spc="0" normalizeH="0" baseline="0" noProof="0" dirty="0" smtClean="0">
+                <a:ln>
+                  <a:noFill/>
+                </a:ln>
+                <a:solidFill>
+                  <a:srgbClr val="44546A"/>
+                </a:solidFill>
+                <a:effectLst/>
+                <a:uLnTx/>
+                <a:uFillTx/>
+                <a:latin typeface="맑은 고딕" panose="020F0502020204030204"/>
+                <a:ea typeface="맑은 고딕" panose="020B0503020000020004" pitchFamily="50" charset="-127"/>
+                <a:cs typeface="+mn-cs"/>
+              </a:rPr>
+              <a:t>음식 대비 </a:t>
+            </a:r>
+            <a:r>
+              <a:rPr kumimoji="0" lang="ko-KR" altLang="en-US" sz="1000" b="1" i="0" u="none" strike="noStrike" kern="1200" cap="none" spc="0" normalizeH="0" baseline="0" noProof="0" dirty="0" smtClean="0">
+                <a:ln>
+                  <a:noFill/>
+                </a:ln>
+                <a:solidFill>
+                  <a:srgbClr val="57A2F4"/>
+                </a:solidFill>
+                <a:effectLst/>
+                <a:uLnTx/>
+                <a:uFillTx/>
+                <a:latin typeface="맑은 고딕" panose="020F0502020204030204"/>
+                <a:ea typeface="맑은 고딕" panose="020B0503020000020004" pitchFamily="50" charset="-127"/>
+                <a:cs typeface="+mn-cs"/>
+              </a:rPr>
+              <a:t>배경의 비중이 높음</a:t>
+            </a:r>
+            <a:endParaRPr kumimoji="0" lang="ko-KR" altLang="en-US" sz="1000" b="1" i="0" u="none" strike="noStrike" kern="1200" cap="none" spc="0" normalizeH="0" baseline="0" noProof="0" dirty="0">
+              <a:ln>
+                <a:noFill/>
+              </a:ln>
+              <a:solidFill>
+                <a:srgbClr val="57A2F4"/>
+              </a:solidFill>
+              <a:effectLst/>
+              <a:uLnTx/>
+              <a:uFillTx/>
+              <a:latin typeface="맑은 고딕" panose="020F0502020204030204"/>
+              <a:ea typeface="맑은 고딕" panose="020B0503020000020004" pitchFamily="50" charset="-127"/>
+              <a:cs typeface="+mn-cs"/>
+            </a:endParaRPr>
+          </a:p>
+        </p:txBody>
+      </p:sp>
+      <p:sp>
+        <p:nvSpPr>
+          <p:cNvPr id="118" name="직사각형 117"/>
+          <p:cNvSpPr/>
+          <p:nvPr/>
+        </p:nvSpPr>
+        <p:spPr>
+          <a:xfrm>
+            <a:off x="9430044" y="2741069"/>
+            <a:ext cx="1774846" cy="323165"/>
+          </a:xfrm>
+          <a:prstGeom prst="rect">
+            <a:avLst/>
+          </a:prstGeom>
+        </p:spPr>
+        <p:txBody>
+          <a:bodyPr wrap="none">
+            <a:spAutoFit/>
+          </a:bodyPr>
+          <a:lstStyle/>
+          <a:p>
+            <a:pPr marL="0" marR="0" lvl="0" indent="0" algn="ctr" defTabSz="914400" rtl="0" eaLnBrk="1" fontAlgn="auto" latinLnBrk="1" hangingPunct="1">
+              <a:lnSpc>
+                <a:spcPct val="150000"/>
+              </a:lnSpc>
+              <a:spcBef>
+                <a:spcPts val="0"/>
+              </a:spcBef>
+              <a:spcAft>
+                <a:spcPts val="0"/>
+              </a:spcAft>
+              <a:buClrTx/>
+              <a:buSzTx/>
+              <a:buFontTx/>
+              <a:buNone/>
+              <a:tabLst/>
+              <a:defRPr/>
+            </a:pPr>
+            <a:r>
+              <a:rPr kumimoji="0" lang="ko-KR" altLang="en-US" sz="1000" b="1" i="0" u="none" strike="noStrike" kern="1200" cap="none" spc="0" normalizeH="0" baseline="0" noProof="0" dirty="0" smtClean="0">
+                <a:ln>
+                  <a:noFill/>
+                </a:ln>
+                <a:solidFill>
+                  <a:srgbClr val="57A2F4"/>
+                </a:solidFill>
+                <a:effectLst/>
+                <a:uLnTx/>
+                <a:uFillTx/>
+                <a:latin typeface="맑은 고딕" panose="020F0502020204030204"/>
+                <a:ea typeface="맑은 고딕" panose="020B0503020000020004" pitchFamily="50" charset="-127"/>
+                <a:cs typeface="+mn-cs"/>
+              </a:rPr>
+              <a:t>메인 음식이 아닌 물체 </a:t>
+            </a:r>
+            <a:r>
+              <a:rPr kumimoji="0" lang="ko-KR" altLang="en-US" sz="1000" b="1" i="0" u="none" strike="noStrike" kern="1200" cap="none" spc="0" normalizeH="0" baseline="0" noProof="0" dirty="0" smtClean="0">
+                <a:ln>
+                  <a:noFill/>
+                </a:ln>
+                <a:solidFill>
+                  <a:srgbClr val="44546A"/>
+                </a:solidFill>
+                <a:effectLst/>
+                <a:uLnTx/>
+                <a:uFillTx/>
+                <a:latin typeface="맑은 고딕" panose="020F0502020204030204"/>
+                <a:ea typeface="맑은 고딕" panose="020B0503020000020004" pitchFamily="50" charset="-127"/>
+                <a:cs typeface="+mn-cs"/>
+              </a:rPr>
+              <a:t>사진</a:t>
+            </a:r>
+            <a:endParaRPr kumimoji="0" lang="ko-KR" altLang="en-US" sz="1000" b="1" i="0" u="none" strike="noStrike" kern="1200" cap="none" spc="0" normalizeH="0" baseline="0" noProof="0" dirty="0">
+              <a:ln>
+                <a:noFill/>
+              </a:ln>
+              <a:solidFill>
+                <a:srgbClr val="44546A"/>
+              </a:solidFill>
+              <a:effectLst/>
+              <a:uLnTx/>
+              <a:uFillTx/>
+              <a:latin typeface="맑은 고딕" panose="020F0502020204030204"/>
+              <a:ea typeface="맑은 고딕" panose="020B0503020000020004" pitchFamily="50" charset="-127"/>
+              <a:cs typeface="+mn-cs"/>
+            </a:endParaRPr>
+          </a:p>
+        </p:txBody>
+      </p:sp>
+      <p:sp>
+        <p:nvSpPr>
+          <p:cNvPr id="119" name="직사각형 118"/>
+          <p:cNvSpPr/>
+          <p:nvPr/>
+        </p:nvSpPr>
+        <p:spPr>
+          <a:xfrm>
+            <a:off x="9135365" y="4054659"/>
+            <a:ext cx="2364205" cy="553998"/>
+          </a:xfrm>
+          <a:prstGeom prst="rect">
+            <a:avLst/>
+          </a:prstGeom>
+        </p:spPr>
+        <p:txBody>
+          <a:bodyPr wrap="square">
+            <a:spAutoFit/>
+          </a:bodyPr>
+          <a:lstStyle/>
+          <a:p>
+            <a:pPr marL="0" marR="0" lvl="0" indent="0" algn="ctr" defTabSz="914400" rtl="0" eaLnBrk="1" fontAlgn="auto" latinLnBrk="1" hangingPunct="1">
+              <a:lnSpc>
+                <a:spcPct val="150000"/>
+              </a:lnSpc>
+              <a:spcBef>
+                <a:spcPts val="0"/>
+              </a:spcBef>
+              <a:spcAft>
+                <a:spcPts val="0"/>
+              </a:spcAft>
+              <a:buClrTx/>
+              <a:buSzTx/>
+              <a:buFontTx/>
+              <a:buNone/>
+              <a:tabLst/>
+              <a:defRPr/>
+            </a:pPr>
+            <a:r>
+              <a:rPr kumimoji="0" lang="ko-KR" altLang="en-US" sz="1000" b="1" i="0" u="none" strike="noStrike" kern="1200" cap="none" spc="0" normalizeH="0" baseline="0" noProof="0" dirty="0" smtClean="0">
+                <a:ln>
+                  <a:noFill/>
+                </a:ln>
+                <a:solidFill>
+                  <a:srgbClr val="44546A"/>
+                </a:solidFill>
+                <a:effectLst/>
+                <a:uLnTx/>
+                <a:uFillTx/>
+                <a:latin typeface="맑은 고딕" panose="020F0502020204030204"/>
+                <a:ea typeface="맑은 고딕" panose="020B0503020000020004" pitchFamily="50" charset="-127"/>
+                <a:cs typeface="+mn-cs"/>
+              </a:rPr>
+              <a:t>적절한 </a:t>
+            </a:r>
+            <a:r>
+              <a:rPr kumimoji="0" lang="en-US" altLang="ko-KR" sz="1000" b="1" i="0" u="none" strike="noStrike" kern="1200" cap="none" spc="0" normalizeH="0" baseline="0" noProof="0" dirty="0" smtClean="0">
+                <a:ln>
+                  <a:noFill/>
+                </a:ln>
+                <a:solidFill>
+                  <a:srgbClr val="44546A"/>
+                </a:solidFill>
+                <a:effectLst/>
+                <a:uLnTx/>
+                <a:uFillTx/>
+                <a:latin typeface="맑은 고딕" panose="020F0502020204030204"/>
+                <a:ea typeface="맑은 고딕" panose="020B0503020000020004" pitchFamily="50" charset="-127"/>
+                <a:cs typeface="+mn-cs"/>
+              </a:rPr>
+              <a:t>Data</a:t>
+            </a:r>
+            <a:r>
+              <a:rPr kumimoji="0" lang="ko-KR" altLang="en-US" sz="1000" b="1" i="0" u="none" strike="noStrike" kern="1200" cap="none" spc="0" normalizeH="0" baseline="0" noProof="0" dirty="0" smtClean="0">
+                <a:ln>
+                  <a:noFill/>
+                </a:ln>
+                <a:solidFill>
+                  <a:srgbClr val="44546A"/>
+                </a:solidFill>
+                <a:effectLst/>
+                <a:uLnTx/>
+                <a:uFillTx/>
+                <a:latin typeface="맑은 고딕" panose="020F0502020204030204"/>
+                <a:ea typeface="맑은 고딕" panose="020B0503020000020004" pitchFamily="50" charset="-127"/>
+                <a:cs typeface="+mn-cs"/>
+              </a:rPr>
+              <a:t>로 보이나</a:t>
+            </a:r>
+            <a:r>
+              <a:rPr kumimoji="0" lang="en-US" altLang="ko-KR" sz="1000" b="1" i="0" u="none" strike="noStrike" kern="1200" cap="none" spc="0" normalizeH="0" baseline="0" noProof="0" dirty="0" smtClean="0">
+                <a:ln>
+                  <a:noFill/>
+                </a:ln>
+                <a:solidFill>
+                  <a:srgbClr val="44546A"/>
+                </a:solidFill>
+                <a:effectLst/>
+                <a:uLnTx/>
+                <a:uFillTx/>
+                <a:latin typeface="맑은 고딕" panose="020F0502020204030204"/>
+                <a:ea typeface="맑은 고딕" panose="020B0503020000020004" pitchFamily="50" charset="-127"/>
+                <a:cs typeface="+mn-cs"/>
+              </a:rPr>
+              <a:t>, 5 epoch</a:t>
+            </a:r>
+            <a:r>
+              <a:rPr kumimoji="0" lang="ko-KR" altLang="en-US" sz="1000" b="1" i="0" u="none" strike="noStrike" kern="1200" cap="none" spc="0" normalizeH="0" baseline="0" noProof="0" dirty="0" smtClean="0">
+                <a:ln>
+                  <a:noFill/>
+                </a:ln>
+                <a:solidFill>
+                  <a:srgbClr val="44546A"/>
+                </a:solidFill>
+                <a:effectLst/>
+                <a:uLnTx/>
+                <a:uFillTx/>
+                <a:latin typeface="맑은 고딕" panose="020F0502020204030204"/>
+                <a:ea typeface="맑은 고딕" panose="020B0503020000020004" pitchFamily="50" charset="-127"/>
+                <a:cs typeface="+mn-cs"/>
+              </a:rPr>
+              <a:t>만</a:t>
+            </a:r>
+            <a:endParaRPr kumimoji="0" lang="en-US" altLang="ko-KR" sz="1000" b="1" i="0" u="none" strike="noStrike" kern="1200" cap="none" spc="0" normalizeH="0" baseline="0" noProof="0" dirty="0" smtClean="0">
+              <a:ln>
+                <a:noFill/>
+              </a:ln>
+              <a:solidFill>
+                <a:srgbClr val="44546A"/>
+              </a:solidFill>
+              <a:effectLst/>
+              <a:uLnTx/>
+              <a:uFillTx/>
+              <a:latin typeface="맑은 고딕" panose="020F0502020204030204"/>
+              <a:ea typeface="맑은 고딕" panose="020B0503020000020004" pitchFamily="50" charset="-127"/>
+              <a:cs typeface="+mn-cs"/>
+            </a:endParaRPr>
+          </a:p>
+          <a:p>
+            <a:pPr marL="0" marR="0" lvl="0" indent="0" algn="ctr" defTabSz="914400" rtl="0" eaLnBrk="1" fontAlgn="auto" latinLnBrk="1" hangingPunct="1">
+              <a:lnSpc>
+                <a:spcPct val="150000"/>
+              </a:lnSpc>
+              <a:spcBef>
+                <a:spcPts val="0"/>
+              </a:spcBef>
+              <a:spcAft>
+                <a:spcPts val="0"/>
+              </a:spcAft>
+              <a:buClrTx/>
+              <a:buSzTx/>
+              <a:buFontTx/>
+              <a:buNone/>
+              <a:tabLst/>
+              <a:defRPr/>
+            </a:pPr>
+            <a:r>
+              <a:rPr kumimoji="0" lang="ko-KR" altLang="en-US" sz="1000" b="1" i="0" u="none" strike="noStrike" kern="1200" cap="none" spc="0" normalizeH="0" baseline="0" noProof="0" dirty="0" smtClean="0">
+                <a:ln>
+                  <a:noFill/>
+                </a:ln>
+                <a:solidFill>
+                  <a:srgbClr val="44546A"/>
+                </a:solidFill>
+                <a:effectLst/>
+                <a:uLnTx/>
+                <a:uFillTx/>
+                <a:latin typeface="맑은 고딕" panose="020F0502020204030204"/>
+                <a:ea typeface="맑은 고딕" panose="020B0503020000020004" pitchFamily="50" charset="-127"/>
+                <a:cs typeface="+mn-cs"/>
+              </a:rPr>
+              <a:t>학습하여 </a:t>
+            </a:r>
+            <a:r>
+              <a:rPr kumimoji="0" lang="ko-KR" altLang="en-US" sz="1000" b="1" i="0" u="none" strike="noStrike" kern="1200" cap="none" spc="0" normalizeH="0" baseline="0" noProof="0" dirty="0" smtClean="0">
+                <a:ln>
+                  <a:noFill/>
+                </a:ln>
+                <a:solidFill>
+                  <a:srgbClr val="57A2F4"/>
+                </a:solidFill>
+                <a:effectLst/>
+                <a:uLnTx/>
+                <a:uFillTx/>
+                <a:latin typeface="맑은 고딕" panose="020F0502020204030204"/>
+                <a:ea typeface="맑은 고딕" panose="020B0503020000020004" pitchFamily="50" charset="-127"/>
+                <a:cs typeface="+mn-cs"/>
+              </a:rPr>
+              <a:t>학습 횟수</a:t>
+            </a:r>
+            <a:r>
+              <a:rPr kumimoji="0" lang="en-US" altLang="ko-KR" sz="1000" b="1" i="0" u="none" strike="noStrike" kern="1200" cap="none" spc="0" normalizeH="0" baseline="0" noProof="0" dirty="0" smtClean="0">
+                <a:ln>
+                  <a:noFill/>
+                </a:ln>
+                <a:solidFill>
+                  <a:srgbClr val="57A2F4"/>
+                </a:solidFill>
+                <a:effectLst/>
+                <a:uLnTx/>
+                <a:uFillTx/>
+                <a:latin typeface="맑은 고딕" panose="020F0502020204030204"/>
+                <a:ea typeface="맑은 고딕" panose="020B0503020000020004" pitchFamily="50" charset="-127"/>
+                <a:cs typeface="+mn-cs"/>
+              </a:rPr>
+              <a:t> </a:t>
+            </a:r>
+            <a:r>
+              <a:rPr kumimoji="0" lang="ko-KR" altLang="en-US" sz="1000" b="1" i="0" u="none" strike="noStrike" kern="1200" cap="none" spc="0" normalizeH="0" baseline="0" noProof="0" dirty="0" smtClean="0">
+                <a:ln>
+                  <a:noFill/>
+                </a:ln>
+                <a:solidFill>
+                  <a:srgbClr val="57A2F4"/>
+                </a:solidFill>
+                <a:effectLst/>
+                <a:uLnTx/>
+                <a:uFillTx/>
+                <a:latin typeface="맑은 고딕" panose="020F0502020204030204"/>
+                <a:ea typeface="맑은 고딕" panose="020B0503020000020004" pitchFamily="50" charset="-127"/>
+                <a:cs typeface="+mn-cs"/>
+              </a:rPr>
+              <a:t>부족</a:t>
+            </a:r>
+            <a:endParaRPr kumimoji="0" lang="ko-KR" altLang="en-US" sz="1000" b="1" i="0" u="none" strike="noStrike" kern="1200" cap="none" spc="0" normalizeH="0" baseline="0" noProof="0" dirty="0">
+              <a:ln>
+                <a:noFill/>
+              </a:ln>
+              <a:solidFill>
+                <a:srgbClr val="57A2F4"/>
+              </a:solidFill>
+              <a:effectLst/>
+              <a:uLnTx/>
+              <a:uFillTx/>
+              <a:latin typeface="맑은 고딕" panose="020F0502020204030204"/>
+              <a:ea typeface="맑은 고딕" panose="020B0503020000020004" pitchFamily="50" charset="-127"/>
+              <a:cs typeface="+mn-cs"/>
+            </a:endParaRPr>
+          </a:p>
+        </p:txBody>
+      </p:sp>
+    </p:spTree>
+    <p:extLst>
+      <p:ext uri="{BB962C8B-B14F-4D97-AF65-F5344CB8AC3E}">
+        <p14:creationId xmlns:p14="http://schemas.microsoft.com/office/powerpoint/2010/main" val="4267509825"/>
+      </p:ext>
+    </p:extLst>
+  </p:cSld>
+  <p:clrMapOvr>
+    <a:masterClrMapping/>
+  </p:clrMapOvr>
+  <p:timing>
+    <p:tnLst>
+      <p:par>
+        <p:cTn id="1" dur="indefinite" restart="never" nodeType="tmRoot"/>
+      </p:par>
+    </p:tnLst>
+  </p:timing>
+</p:sld>
+</file>
+
+<file path=ppt/slides/slide3.xml><?xml version="1.0" encoding="utf-8"?>
 <p:sld xmlns:a="http://schemas.openxmlformats.org/drawingml/2006/main" xmlns:r="http://schemas.openxmlformats.org/officeDocument/2006/relationships" xmlns:p="http://schemas.openxmlformats.org/presentationml/2006/main">
   <p:cSld>
     <p:bg>
@@ -7945,7 +13807,7 @@
 </p:sld>
 </file>
 
-<file path=ppt/slides/slide3.xml><?xml version="1.0" encoding="utf-8"?>
+<file path=ppt/slides/slide4.xml><?xml version="1.0" encoding="utf-8"?>
 <p:sld xmlns:a="http://schemas.openxmlformats.org/drawingml/2006/main" xmlns:r="http://schemas.openxmlformats.org/officeDocument/2006/relationships" xmlns:p="http://schemas.openxmlformats.org/presentationml/2006/main">
   <p:cSld>
     <p:bg>
@@ -10055,7 +15917,7 @@
 </p:sld>
 </file>
 
-<file path=ppt/slides/slide4.xml><?xml version="1.0" encoding="utf-8"?>
+<file path=ppt/slides/slide5.xml><?xml version="1.0" encoding="utf-8"?>
 <p:sld xmlns:a="http://schemas.openxmlformats.org/drawingml/2006/main" xmlns:r="http://schemas.openxmlformats.org/officeDocument/2006/relationships" xmlns:p="http://schemas.openxmlformats.org/presentationml/2006/main">
   <p:cSld>
     <p:bg>
@@ -14829,7 +20691,7 @@
 </p:sld>
 </file>
 
-<file path=ppt/slides/slide5.xml><?xml version="1.0" encoding="utf-8"?>
+<file path=ppt/slides/slide6.xml><?xml version="1.0" encoding="utf-8"?>
 <p:sld xmlns:a="http://schemas.openxmlformats.org/drawingml/2006/main" xmlns:r="http://schemas.openxmlformats.org/officeDocument/2006/relationships" xmlns:p="http://schemas.openxmlformats.org/presentationml/2006/main">
   <p:cSld>
     <p:bg>
@@ -23774,7 +29636,7 @@
 </p:sld>
 </file>
 
-<file path=ppt/slides/slide6.xml><?xml version="1.0" encoding="utf-8"?>
+<file path=ppt/slides/slide7.xml><?xml version="1.0" encoding="utf-8"?>
 <p:sld xmlns:a="http://schemas.openxmlformats.org/drawingml/2006/main" xmlns:r="http://schemas.openxmlformats.org/officeDocument/2006/relationships" xmlns:p="http://schemas.openxmlformats.org/presentationml/2006/main">
   <p:cSld>
     <p:bg>
@@ -25575,7 +31437,7 @@
 </p:sld>
 </file>
 
-<file path=ppt/slides/slide7.xml><?xml version="1.0" encoding="utf-8"?>
+<file path=ppt/slides/slide8.xml><?xml version="1.0" encoding="utf-8"?>
 <p:sld xmlns:a="http://schemas.openxmlformats.org/drawingml/2006/main" xmlns:r="http://schemas.openxmlformats.org/officeDocument/2006/relationships" xmlns:p="http://schemas.openxmlformats.org/presentationml/2006/main">
   <p:cSld>
     <p:bg>
@@ -27244,7 +33106,7 @@
 </p:sld>
 </file>
 
-<file path=ppt/slides/slide8.xml><?xml version="1.0" encoding="utf-8"?>
+<file path=ppt/slides/slide9.xml><?xml version="1.0" encoding="utf-8"?>
 <p:sld xmlns:a="http://schemas.openxmlformats.org/drawingml/2006/main" xmlns:r="http://schemas.openxmlformats.org/officeDocument/2006/relationships" xmlns:p="http://schemas.openxmlformats.org/presentationml/2006/main">
   <p:cSld>
     <p:spTree>
@@ -27670,427 +33532,6 @@
     <p:extLst>
       <p:ext uri="{BB962C8B-B14F-4D97-AF65-F5344CB8AC3E}">
         <p14:creationId xmlns:p14="http://schemas.microsoft.com/office/powerpoint/2010/main" val="581411780"/>
-      </p:ext>
-    </p:extLst>
-  </p:cSld>
-  <p:clrMapOvr>
-    <a:masterClrMapping/>
-  </p:clrMapOvr>
-  <p:timing>
-    <p:tnLst>
-      <p:par>
-        <p:cTn id="1" dur="indefinite" restart="never" nodeType="tmRoot"/>
-      </p:par>
-    </p:tnLst>
-  </p:timing>
-</p:sld>
-</file>
-
-<file path=ppt/slides/slide9.xml><?xml version="1.0" encoding="utf-8"?>
-<p:sld xmlns:a="http://schemas.openxmlformats.org/drawingml/2006/main" xmlns:r="http://schemas.openxmlformats.org/officeDocument/2006/relationships" xmlns:p="http://schemas.openxmlformats.org/presentationml/2006/main">
-  <p:cSld>
-    <p:spTree>
-      <p:nvGrpSpPr>
-        <p:cNvPr id="1" name=""/>
-        <p:cNvGrpSpPr/>
-        <p:nvPr/>
-      </p:nvGrpSpPr>
-      <p:grpSpPr>
-        <a:xfrm>
-          <a:off x="0" y="0"/>
-          <a:ext cx="0" cy="0"/>
-          <a:chOff x="0" y="0"/>
-          <a:chExt cx="0" cy="0"/>
-        </a:xfrm>
-      </p:grpSpPr>
-      <p:sp>
-        <p:nvSpPr>
-          <p:cNvPr id="4" name="TextBox 3"/>
-          <p:cNvSpPr txBox="1"/>
-          <p:nvPr/>
-        </p:nvSpPr>
-        <p:spPr>
-          <a:xfrm>
-            <a:off x="254000" y="342900"/>
-            <a:ext cx="11811000" cy="6278642"/>
-          </a:xfrm>
-          <a:prstGeom prst="rect">
-            <a:avLst/>
-          </a:prstGeom>
-          <a:noFill/>
-        </p:spPr>
-        <p:txBody>
-          <a:bodyPr wrap="square" rtlCol="0">
-            <a:spAutoFit/>
-          </a:bodyPr>
-          <a:lstStyle/>
-          <a:p>
-            <a:r>
-              <a:rPr lang="ko-KR" altLang="en-US" sz="2400" b="1" dirty="0">
-                <a:solidFill>
-                  <a:srgbClr val="FF0000"/>
-                </a:solidFill>
-              </a:rPr>
-              <a:t>최근 저의 자료를 카페 등에 무단으로 </a:t>
-            </a:r>
-            <a:r>
-              <a:rPr lang="ko-KR" altLang="en-US" sz="2400" b="1" dirty="0" err="1">
-                <a:solidFill>
-                  <a:srgbClr val="FF0000"/>
-                </a:solidFill>
-              </a:rPr>
-              <a:t>재배포</a:t>
-            </a:r>
-            <a:r>
-              <a:rPr lang="ko-KR" altLang="en-US" sz="2400" b="1" dirty="0">
-                <a:solidFill>
-                  <a:srgbClr val="FF0000"/>
-                </a:solidFill>
-              </a:rPr>
-              <a:t> 하는 일이 자주 발생하고 있습니다</a:t>
-            </a:r>
-            <a:r>
-              <a:rPr lang="en-US" altLang="ko-KR" sz="2400" b="1" dirty="0">
-                <a:solidFill>
-                  <a:srgbClr val="FF0000"/>
-                </a:solidFill>
-              </a:rPr>
-              <a:t>.</a:t>
-            </a:r>
-          </a:p>
-          <a:p>
-            <a:endParaRPr lang="en-US" altLang="ko-KR" dirty="0">
-              <a:solidFill>
-                <a:prstClr val="black"/>
-              </a:solidFill>
-            </a:endParaRPr>
-          </a:p>
-          <a:p>
-            <a:r>
-              <a:rPr lang="ko-KR" altLang="en-US" dirty="0">
-                <a:solidFill>
-                  <a:prstClr val="black"/>
-                </a:solidFill>
-              </a:rPr>
-              <a:t>이에 대해 굉장히 심각한 문제로 받아 들이고 있으며</a:t>
-            </a:r>
-            <a:r>
-              <a:rPr lang="en-US" altLang="ko-KR" dirty="0">
-                <a:solidFill>
-                  <a:prstClr val="black"/>
-                </a:solidFill>
-              </a:rPr>
-              <a:t>,</a:t>
-            </a:r>
-          </a:p>
-          <a:p>
-            <a:endParaRPr lang="en-US" altLang="ko-KR" dirty="0">
-              <a:solidFill>
-                <a:prstClr val="black"/>
-              </a:solidFill>
-            </a:endParaRPr>
-          </a:p>
-          <a:p>
-            <a:r>
-              <a:rPr lang="ko-KR" altLang="en-US" dirty="0">
-                <a:solidFill>
-                  <a:prstClr val="black"/>
-                </a:solidFill>
-              </a:rPr>
-              <a:t>해당 문제가 반복될 경우</a:t>
-            </a:r>
-            <a:r>
-              <a:rPr lang="en-US" altLang="ko-KR" dirty="0">
-                <a:solidFill>
-                  <a:prstClr val="black"/>
-                </a:solidFill>
-              </a:rPr>
-              <a:t>, </a:t>
-            </a:r>
-            <a:r>
-              <a:rPr lang="ko-KR" altLang="en-US" dirty="0" err="1">
-                <a:solidFill>
-                  <a:prstClr val="black"/>
-                </a:solidFill>
-              </a:rPr>
-              <a:t>재배포한</a:t>
-            </a:r>
-            <a:r>
-              <a:rPr lang="ko-KR" altLang="en-US" dirty="0">
-                <a:solidFill>
-                  <a:prstClr val="black"/>
-                </a:solidFill>
-              </a:rPr>
-              <a:t> 자에 대해서는 그에 대한 책임을 반드시 물을 것입니다</a:t>
-            </a:r>
-            <a:r>
-              <a:rPr lang="en-US" altLang="ko-KR" dirty="0">
-                <a:solidFill>
-                  <a:prstClr val="black"/>
-                </a:solidFill>
-              </a:rPr>
-              <a:t>.</a:t>
-            </a:r>
-          </a:p>
-          <a:p>
-            <a:endParaRPr lang="en-US" altLang="ko-KR" dirty="0">
-              <a:solidFill>
-                <a:prstClr val="black"/>
-              </a:solidFill>
-            </a:endParaRPr>
-          </a:p>
-          <a:p>
-            <a:endParaRPr lang="en-US" altLang="ko-KR" dirty="0">
-              <a:solidFill>
-                <a:prstClr val="black"/>
-              </a:solidFill>
-            </a:endParaRPr>
-          </a:p>
-          <a:p>
-            <a:r>
-              <a:rPr lang="ko-KR" altLang="en-US" dirty="0">
-                <a:solidFill>
-                  <a:prstClr val="black"/>
-                </a:solidFill>
-              </a:rPr>
-              <a:t>저작권을 존중하지 않는 극히 소수의 사용자로 인해 다수가 피해를 보지 않도록 주의해 주시면 감사하겠으며</a:t>
-            </a:r>
-            <a:endParaRPr lang="en-US" altLang="ko-KR" dirty="0">
-              <a:solidFill>
-                <a:prstClr val="black"/>
-              </a:solidFill>
-            </a:endParaRPr>
-          </a:p>
-          <a:p>
-            <a:endParaRPr lang="en-US" altLang="ko-KR" dirty="0">
-              <a:solidFill>
-                <a:prstClr val="black"/>
-              </a:solidFill>
-            </a:endParaRPr>
-          </a:p>
-          <a:p>
-            <a:r>
-              <a:rPr lang="ko-KR" altLang="en-US" dirty="0">
-                <a:solidFill>
-                  <a:prstClr val="black"/>
-                </a:solidFill>
-              </a:rPr>
-              <a:t>제 자료가 업로드 된 곳이 있다면 저에게 알려주시면 감사하겠습니다</a:t>
-            </a:r>
-            <a:r>
-              <a:rPr lang="en-US" altLang="ko-KR" dirty="0">
-                <a:solidFill>
-                  <a:prstClr val="black"/>
-                </a:solidFill>
-              </a:rPr>
-              <a:t>.</a:t>
-            </a:r>
-          </a:p>
-          <a:p>
-            <a:endParaRPr lang="en-US" altLang="ko-KR" dirty="0">
-              <a:solidFill>
-                <a:prstClr val="black"/>
-              </a:solidFill>
-            </a:endParaRPr>
-          </a:p>
-          <a:p>
-            <a:endParaRPr lang="en-US" altLang="ko-KR" dirty="0">
-              <a:solidFill>
-                <a:prstClr val="black"/>
-              </a:solidFill>
-            </a:endParaRPr>
-          </a:p>
-          <a:p>
-            <a:r>
-              <a:rPr lang="ko-KR" altLang="en-US" dirty="0">
-                <a:solidFill>
-                  <a:prstClr val="black"/>
-                </a:solidFill>
-              </a:rPr>
-              <a:t>제 자료를 소개하고자 할 경우에는</a:t>
-            </a:r>
-            <a:endParaRPr lang="en-US" altLang="ko-KR" dirty="0">
-              <a:solidFill>
-                <a:prstClr val="black"/>
-              </a:solidFill>
-            </a:endParaRPr>
-          </a:p>
-          <a:p>
-            <a:endParaRPr lang="en-US" altLang="ko-KR" dirty="0">
-              <a:solidFill>
-                <a:prstClr val="black"/>
-              </a:solidFill>
-            </a:endParaRPr>
-          </a:p>
-          <a:p>
-            <a:r>
-              <a:rPr lang="en-US" altLang="ko-KR" dirty="0" err="1">
-                <a:solidFill>
-                  <a:prstClr val="black"/>
-                </a:solidFill>
-              </a:rPr>
-              <a:t>pptbizcam</a:t>
-            </a:r>
-            <a:r>
-              <a:rPr lang="en-US" altLang="ko-KR" dirty="0">
-                <a:solidFill>
-                  <a:prstClr val="black"/>
-                </a:solidFill>
-              </a:rPr>
-              <a:t> </a:t>
-            </a:r>
-            <a:r>
-              <a:rPr lang="ko-KR" altLang="en-US" dirty="0">
-                <a:solidFill>
-                  <a:prstClr val="black"/>
-                </a:solidFill>
-              </a:rPr>
-              <a:t>사이트로의 링크 처리로만 가능하며 </a:t>
-            </a:r>
-            <a:endParaRPr lang="en-US" altLang="ko-KR" dirty="0">
-              <a:solidFill>
-                <a:prstClr val="black"/>
-              </a:solidFill>
-            </a:endParaRPr>
-          </a:p>
-          <a:p>
-            <a:endParaRPr lang="en-US" altLang="ko-KR" dirty="0">
-              <a:solidFill>
-                <a:prstClr val="black"/>
-              </a:solidFill>
-            </a:endParaRPr>
-          </a:p>
-          <a:p>
-            <a:r>
-              <a:rPr lang="ko-KR" altLang="en-US" dirty="0">
-                <a:solidFill>
-                  <a:prstClr val="black"/>
-                </a:solidFill>
-              </a:rPr>
-              <a:t>파일 자체를 업로드 하는 것은 불가한 점 유의해 주시면 감사하겠습니다</a:t>
-            </a:r>
-            <a:r>
-              <a:rPr lang="en-US" altLang="ko-KR" dirty="0">
-                <a:solidFill>
-                  <a:prstClr val="black"/>
-                </a:solidFill>
-              </a:rPr>
-              <a:t>.</a:t>
-            </a:r>
-          </a:p>
-          <a:p>
-            <a:endParaRPr lang="en-US" altLang="ko-KR" dirty="0">
-              <a:solidFill>
-                <a:prstClr val="black"/>
-              </a:solidFill>
-            </a:endParaRPr>
-          </a:p>
-          <a:p>
-            <a:r>
-              <a:rPr lang="ko-KR" altLang="en-US" sz="2400" b="1" dirty="0">
-                <a:solidFill>
-                  <a:srgbClr val="FF0000"/>
-                </a:solidFill>
-              </a:rPr>
-              <a:t>홍보</a:t>
-            </a:r>
-            <a:r>
-              <a:rPr lang="en-US" altLang="ko-KR" sz="2400" b="1" dirty="0">
-                <a:solidFill>
-                  <a:srgbClr val="FF0000"/>
-                </a:solidFill>
-              </a:rPr>
-              <a:t>, </a:t>
-            </a:r>
-            <a:r>
-              <a:rPr lang="ko-KR" altLang="en-US" sz="2400" b="1" dirty="0">
-                <a:solidFill>
-                  <a:srgbClr val="FF0000"/>
-                </a:solidFill>
-              </a:rPr>
-              <a:t>경제적 이익을 취하는 행위 또한 불가합니다</a:t>
-            </a:r>
-            <a:r>
-              <a:rPr lang="en-US" altLang="ko-KR" sz="2400" b="1" dirty="0">
-                <a:solidFill>
-                  <a:srgbClr val="FF0000"/>
-                </a:solidFill>
-              </a:rPr>
-              <a:t>.</a:t>
-            </a:r>
-          </a:p>
-          <a:p>
-            <a:endParaRPr lang="en-US" altLang="ko-KR" sz="2400" b="1" dirty="0">
-              <a:solidFill>
-                <a:srgbClr val="FF0000"/>
-              </a:solidFill>
-            </a:endParaRPr>
-          </a:p>
-          <a:p>
-            <a:r>
-              <a:rPr lang="en-US" altLang="ko-KR" sz="2000" b="1" dirty="0">
-                <a:solidFill>
-                  <a:srgbClr val="4472C4">
-                    <a:lumMod val="75000"/>
-                  </a:srgbClr>
-                </a:solidFill>
-              </a:rPr>
-              <a:t>※</a:t>
-            </a:r>
-            <a:r>
-              <a:rPr lang="ko-KR" altLang="en-US" sz="2000" b="1" dirty="0">
-                <a:solidFill>
-                  <a:srgbClr val="4472C4">
-                    <a:lumMod val="75000"/>
-                  </a:srgbClr>
-                </a:solidFill>
-              </a:rPr>
-              <a:t>기타 활용 가능 범위는 공유 사이트 </a:t>
-            </a:r>
-            <a:r>
-              <a:rPr lang="en-US" altLang="ko-KR" sz="2000" b="1" dirty="0">
-                <a:solidFill>
-                  <a:srgbClr val="4472C4">
-                    <a:lumMod val="75000"/>
-                  </a:srgbClr>
-                </a:solidFill>
-              </a:rPr>
-              <a:t>-&gt; </a:t>
-            </a:r>
-            <a:r>
-              <a:rPr lang="ko-KR" altLang="en-US" sz="2000" b="1" dirty="0" err="1">
-                <a:solidFill>
-                  <a:srgbClr val="4472C4">
-                    <a:lumMod val="75000"/>
-                  </a:srgbClr>
-                </a:solidFill>
-              </a:rPr>
-              <a:t>수다방</a:t>
-            </a:r>
-            <a:r>
-              <a:rPr lang="ko-KR" altLang="en-US" sz="2000" b="1" dirty="0">
-                <a:solidFill>
-                  <a:srgbClr val="4472C4">
-                    <a:lumMod val="75000"/>
-                  </a:srgbClr>
-                </a:solidFill>
-              </a:rPr>
-              <a:t> 게시판 공지사항 참고</a:t>
-            </a:r>
-            <a:endParaRPr lang="en-US" altLang="ko-KR" sz="2000" b="1" dirty="0">
-              <a:solidFill>
-                <a:srgbClr val="4472C4">
-                  <a:lumMod val="75000"/>
-                </a:srgbClr>
-              </a:solidFill>
-            </a:endParaRPr>
-          </a:p>
-        </p:txBody>
-      </p:sp>
-    </p:spTree>
-    <p:extLst>
-      <p:ext uri="{BB962C8B-B14F-4D97-AF65-F5344CB8AC3E}">
-        <p14:creationId xmlns:p14="http://schemas.microsoft.com/office/powerpoint/2010/main" val="2759928634"/>
       </p:ext>
     </p:extLst>
   </p:cSld>
